--- a/pp_p3/Application web de réservation de vélo.pptx
+++ b/pp_p3/Application web de réservation de vélo.pptx
@@ -321,7 +321,7 @@
             <a:fld id="{B61BEF0D-F0BB-DE4B-95CE-6DB70DBA9567}" type="datetimeFigureOut">
               <a:rPr lang="en-US" dirty="0"/>
               <a:pPr/>
-              <a:t>5/30/2018</a:t>
+              <a:t>5/31/2018</a:t>
             </a:fld>
             <a:endParaRPr lang="en-US" dirty="0"/>
           </a:p>
@@ -656,7 +656,7 @@
             <a:fld id="{B61BEF0D-F0BB-DE4B-95CE-6DB70DBA9567}" type="datetimeFigureOut">
               <a:rPr lang="en-US" dirty="0"/>
               <a:pPr/>
-              <a:t>5/30/2018</a:t>
+              <a:t>5/31/2018</a:t>
             </a:fld>
             <a:endParaRPr lang="en-US" dirty="0"/>
           </a:p>
@@ -1054,7 +1054,7 @@
             <a:fld id="{B61BEF0D-F0BB-DE4B-95CE-6DB70DBA9567}" type="datetimeFigureOut">
               <a:rPr lang="en-US" dirty="0"/>
               <a:pPr/>
-              <a:t>5/30/2018</a:t>
+              <a:t>5/31/2018</a:t>
             </a:fld>
             <a:endParaRPr lang="en-US" dirty="0"/>
           </a:p>
@@ -1387,7 +1387,7 @@
             <a:fld id="{B61BEF0D-F0BB-DE4B-95CE-6DB70DBA9567}" type="datetimeFigureOut">
               <a:rPr lang="en-US" dirty="0"/>
               <a:pPr/>
-              <a:t>5/30/2018</a:t>
+              <a:t>5/31/2018</a:t>
             </a:fld>
             <a:endParaRPr lang="en-US" dirty="0"/>
           </a:p>
@@ -1704,7 +1704,7 @@
             <a:fld id="{B61BEF0D-F0BB-DE4B-95CE-6DB70DBA9567}" type="datetimeFigureOut">
               <a:rPr lang="en-US" dirty="0"/>
               <a:pPr/>
-              <a:t>5/30/2018</a:t>
+              <a:t>5/31/2018</a:t>
             </a:fld>
             <a:endParaRPr lang="en-US" dirty="0"/>
           </a:p>
@@ -2097,7 +2097,7 @@
             <a:fld id="{B61BEF0D-F0BB-DE4B-95CE-6DB70DBA9567}" type="datetimeFigureOut">
               <a:rPr lang="en-US" dirty="0"/>
               <a:pPr/>
-              <a:t>5/30/2018</a:t>
+              <a:t>5/31/2018</a:t>
             </a:fld>
             <a:endParaRPr lang="en-US" dirty="0"/>
           </a:p>
@@ -2351,7 +2351,7 @@
             <a:fld id="{B61BEF0D-F0BB-DE4B-95CE-6DB70DBA9567}" type="datetimeFigureOut">
               <a:rPr lang="en-US" dirty="0"/>
               <a:pPr/>
-              <a:t>5/30/2018</a:t>
+              <a:t>5/31/2018</a:t>
             </a:fld>
             <a:endParaRPr lang="en-US" dirty="0"/>
           </a:p>
@@ -2610,7 +2610,7 @@
             <a:fld id="{B61BEF0D-F0BB-DE4B-95CE-6DB70DBA9567}" type="datetimeFigureOut">
               <a:rPr lang="en-US" dirty="0"/>
               <a:pPr/>
-              <a:t>5/30/2018</a:t>
+              <a:t>5/31/2018</a:t>
             </a:fld>
             <a:endParaRPr lang="en-US" dirty="0"/>
           </a:p>
@@ -2869,7 +2869,7 @@
             <a:fld id="{B61BEF0D-F0BB-DE4B-95CE-6DB70DBA9567}" type="datetimeFigureOut">
               <a:rPr lang="en-US" dirty="0"/>
               <a:pPr/>
-              <a:t>5/30/2018</a:t>
+              <a:t>5/31/2018</a:t>
             </a:fld>
             <a:endParaRPr lang="en-US" dirty="0"/>
           </a:p>
@@ -3195,7 +3195,7 @@
             <a:fld id="{B61BEF0D-F0BB-DE4B-95CE-6DB70DBA9567}" type="datetimeFigureOut">
               <a:rPr lang="en-US" dirty="0"/>
               <a:pPr/>
-              <a:t>5/30/2018</a:t>
+              <a:t>5/31/2018</a:t>
             </a:fld>
             <a:endParaRPr lang="en-US" dirty="0"/>
           </a:p>
@@ -3515,7 +3515,7 @@
             <a:fld id="{B61BEF0D-F0BB-DE4B-95CE-6DB70DBA9567}" type="datetimeFigureOut">
               <a:rPr lang="en-US" dirty="0"/>
               <a:pPr/>
-              <a:t>5/30/2018</a:t>
+              <a:t>5/31/2018</a:t>
             </a:fld>
             <a:endParaRPr lang="en-US" dirty="0"/>
           </a:p>
@@ -3969,7 +3969,7 @@
             <a:fld id="{B61BEF0D-F0BB-DE4B-95CE-6DB70DBA9567}" type="datetimeFigureOut">
               <a:rPr lang="en-US" dirty="0"/>
               <a:pPr/>
-              <a:t>5/30/2018</a:t>
+              <a:t>5/31/2018</a:t>
             </a:fld>
             <a:endParaRPr lang="en-US" dirty="0"/>
           </a:p>
@@ -4171,7 +4171,7 @@
             <a:fld id="{B61BEF0D-F0BB-DE4B-95CE-6DB70DBA9567}" type="datetimeFigureOut">
               <a:rPr lang="en-US" dirty="0"/>
               <a:pPr/>
-              <a:t>5/30/2018</a:t>
+              <a:t>5/31/2018</a:t>
             </a:fld>
             <a:endParaRPr lang="en-US" dirty="0"/>
           </a:p>
@@ -4345,7 +4345,7 @@
             <a:fld id="{B61BEF0D-F0BB-DE4B-95CE-6DB70DBA9567}" type="datetimeFigureOut">
               <a:rPr lang="en-US" dirty="0"/>
               <a:pPr/>
-              <a:t>5/30/2018</a:t>
+              <a:t>5/31/2018</a:t>
             </a:fld>
             <a:endParaRPr lang="en-US" dirty="0"/>
           </a:p>
@@ -4675,7 +4675,7 @@
             <a:fld id="{B61BEF0D-F0BB-DE4B-95CE-6DB70DBA9567}" type="datetimeFigureOut">
               <a:rPr lang="en-US" dirty="0"/>
               <a:pPr/>
-              <a:t>5/30/2018</a:t>
+              <a:t>5/31/2018</a:t>
             </a:fld>
             <a:endParaRPr lang="en-US" dirty="0"/>
           </a:p>
@@ -5017,7 +5017,7 @@
             <a:fld id="{B61BEF0D-F0BB-DE4B-95CE-6DB70DBA9567}" type="datetimeFigureOut">
               <a:rPr lang="en-US" dirty="0"/>
               <a:pPr/>
-              <a:t>5/30/2018</a:t>
+              <a:t>5/31/2018</a:t>
             </a:fld>
             <a:endParaRPr lang="en-US" dirty="0"/>
           </a:p>
@@ -7131,7 +7131,7 @@
             <a:fld id="{B61BEF0D-F0BB-DE4B-95CE-6DB70DBA9567}" type="datetimeFigureOut">
               <a:rPr lang="en-US" dirty="0"/>
               <a:pPr/>
-              <a:t>5/30/2018</a:t>
+              <a:t>5/31/2018</a:t>
             </a:fld>
             <a:endParaRPr lang="en-US" dirty="0"/>
           </a:p>
@@ -8091,11 +8091,7 @@
           <a:p>
             <a:r>
               <a:rPr lang="fr-FR" dirty="0" smtClean="0"/>
-              <a:t>Mobile </a:t>
-            </a:r>
-            <a:r>
-              <a:rPr lang="fr-FR" dirty="0" smtClean="0"/>
-              <a:t>first </a:t>
+              <a:t>Mobile first </a:t>
             </a:r>
             <a:endParaRPr lang="fr-FR" dirty="0"/>
           </a:p>
@@ -8912,7 +8908,7 @@
         </p:nvSpPr>
         <p:spPr>
           <a:xfrm>
-            <a:off x="5458431" y="1993191"/>
+            <a:off x="5420662" y="2637583"/>
             <a:ext cx="1795684" cy="430887"/>
           </a:xfrm>
           <a:prstGeom prst="rect">
@@ -8941,7 +8937,7 @@
         </p:nvSpPr>
         <p:spPr>
           <a:xfrm>
-            <a:off x="4005889" y="3278258"/>
+            <a:off x="3337560" y="3620497"/>
             <a:ext cx="1106866" cy="369332"/>
           </a:xfrm>
           <a:prstGeom prst="rect">
@@ -8971,7 +8967,7 @@
         </p:nvSpPr>
         <p:spPr>
           <a:xfrm>
-            <a:off x="7632122" y="3278258"/>
+            <a:off x="8519090" y="3620497"/>
             <a:ext cx="1539204" cy="369332"/>
           </a:xfrm>
           <a:prstGeom prst="rect">
@@ -9023,1091 +9019,275 @@
           </a:prstGeom>
         </p:spPr>
       </p:pic>
+      <p:sp>
+        <p:nvSpPr>
+          <p:cNvPr id="3" name="ZoneTexte 2"/>
+          <p:cNvSpPr txBox="1"/>
+          <p:nvPr/>
+        </p:nvSpPr>
+        <p:spPr>
+          <a:xfrm>
+            <a:off x="2331720" y="1691640"/>
+            <a:ext cx="2011680" cy="369332"/>
+          </a:xfrm>
+          <a:prstGeom prst="rect">
+            <a:avLst/>
+          </a:prstGeom>
+          <a:noFill/>
+        </p:spPr>
+        <p:txBody>
+          <a:bodyPr wrap="square" rtlCol="0">
+            <a:spAutoFit/>
+          </a:bodyPr>
+          <a:lstStyle/>
+          <a:p>
+            <a:r>
+              <a:rPr lang="fr-FR" dirty="0" err="1" smtClean="0"/>
+              <a:t>Canvas</a:t>
+            </a:r>
+            <a:endParaRPr lang="fr-FR" dirty="0"/>
+          </a:p>
+        </p:txBody>
+      </p:sp>
+      <p:sp>
+        <p:nvSpPr>
+          <p:cNvPr id="9" name="ZoneTexte 8"/>
+          <p:cNvSpPr txBox="1"/>
+          <p:nvPr/>
+        </p:nvSpPr>
+        <p:spPr>
+          <a:xfrm>
+            <a:off x="5642627" y="1691640"/>
+            <a:ext cx="1746504" cy="369332"/>
+          </a:xfrm>
+          <a:prstGeom prst="rect">
+            <a:avLst/>
+          </a:prstGeom>
+          <a:noFill/>
+        </p:spPr>
+        <p:txBody>
+          <a:bodyPr wrap="square" rtlCol="0">
+            <a:spAutoFit/>
+          </a:bodyPr>
+          <a:lstStyle/>
+          <a:p>
+            <a:r>
+              <a:rPr lang="fr-FR" dirty="0" err="1" smtClean="0"/>
+              <a:t>Timer</a:t>
+            </a:r>
+            <a:endParaRPr lang="fr-FR" dirty="0"/>
+          </a:p>
+        </p:txBody>
+      </p:sp>
+      <p:sp>
+        <p:nvSpPr>
+          <p:cNvPr id="10" name="ZoneTexte 9"/>
+          <p:cNvSpPr txBox="1"/>
+          <p:nvPr/>
+        </p:nvSpPr>
+        <p:spPr>
+          <a:xfrm>
+            <a:off x="8438300" y="1691640"/>
+            <a:ext cx="2130552" cy="369332"/>
+          </a:xfrm>
+          <a:prstGeom prst="rect">
+            <a:avLst/>
+          </a:prstGeom>
+          <a:noFill/>
+        </p:spPr>
+        <p:txBody>
+          <a:bodyPr wrap="square" rtlCol="0">
+            <a:spAutoFit/>
+          </a:bodyPr>
+          <a:lstStyle/>
+          <a:p>
+            <a:r>
+              <a:rPr lang="fr-FR" dirty="0" err="1" smtClean="0"/>
+              <a:t>MarkerClusterer</a:t>
+            </a:r>
+            <a:endParaRPr lang="fr-FR" dirty="0"/>
+          </a:p>
+        </p:txBody>
+      </p:sp>
+      <p:sp>
+        <p:nvSpPr>
+          <p:cNvPr id="11" name="ZoneTexte 10"/>
+          <p:cNvSpPr txBox="1"/>
+          <p:nvPr/>
+        </p:nvSpPr>
+        <p:spPr>
+          <a:xfrm>
+            <a:off x="6271225" y="3954827"/>
+            <a:ext cx="1453896" cy="369332"/>
+          </a:xfrm>
+          <a:prstGeom prst="rect">
+            <a:avLst/>
+          </a:prstGeom>
+          <a:noFill/>
+        </p:spPr>
+        <p:txBody>
+          <a:bodyPr wrap="square" rtlCol="0">
+            <a:spAutoFit/>
+          </a:bodyPr>
+          <a:lstStyle/>
+          <a:p>
+            <a:r>
+              <a:rPr lang="fr-FR" dirty="0" smtClean="0"/>
+              <a:t>User</a:t>
+            </a:r>
+            <a:endParaRPr lang="fr-FR" dirty="0"/>
+          </a:p>
+        </p:txBody>
+      </p:sp>
+      <p:sp>
+        <p:nvSpPr>
+          <p:cNvPr id="12" name="Ellipse 11"/>
+          <p:cNvSpPr/>
+          <p:nvPr/>
+        </p:nvSpPr>
+        <p:spPr>
+          <a:xfrm>
+            <a:off x="5257800" y="2423161"/>
+            <a:ext cx="2377440" cy="970974"/>
+          </a:xfrm>
+          <a:prstGeom prst="ellipse">
+            <a:avLst/>
+          </a:prstGeom>
+          <a:noFill/>
+          <a:ln>
+            <a:solidFill>
+              <a:srgbClr val="C00000"/>
+            </a:solidFill>
+          </a:ln>
+        </p:spPr>
+        <p:style>
+          <a:lnRef idx="2">
+            <a:schemeClr val="accent1">
+              <a:shade val="50000"/>
+            </a:schemeClr>
+          </a:lnRef>
+          <a:fillRef idx="1">
+            <a:schemeClr val="accent1"/>
+          </a:fillRef>
+          <a:effectRef idx="0">
+            <a:schemeClr val="accent1"/>
+          </a:effectRef>
+          <a:fontRef idx="minor">
+            <a:schemeClr val="lt1"/>
+          </a:fontRef>
+        </p:style>
+        <p:txBody>
+          <a:bodyPr rtlCol="0" anchor="ctr"/>
+          <a:lstStyle/>
+          <a:p>
+            <a:pPr algn="ctr"/>
+            <a:endParaRPr lang="fr-FR"/>
+          </a:p>
+        </p:txBody>
+      </p:sp>
+      <p:cxnSp>
+        <p:nvCxnSpPr>
+          <p:cNvPr id="14" name="Connecteur droit avec flèche 13"/>
+          <p:cNvCxnSpPr/>
+          <p:nvPr/>
+        </p:nvCxnSpPr>
+        <p:spPr>
+          <a:xfrm flipH="1">
+            <a:off x="4251960" y="3236976"/>
+            <a:ext cx="914400" cy="383521"/>
+          </a:xfrm>
+          <a:prstGeom prst="straightConnector1">
+            <a:avLst/>
+          </a:prstGeom>
+          <a:ln>
+            <a:tailEnd type="triangle"/>
+          </a:ln>
+        </p:spPr>
+        <p:style>
+          <a:lnRef idx="1">
+            <a:schemeClr val="accent1"/>
+          </a:lnRef>
+          <a:fillRef idx="0">
+            <a:schemeClr val="accent1"/>
+          </a:fillRef>
+          <a:effectRef idx="0">
+            <a:schemeClr val="accent1"/>
+          </a:effectRef>
+          <a:fontRef idx="minor">
+            <a:schemeClr val="tx1"/>
+          </a:fontRef>
+        </p:style>
+      </p:cxnSp>
+      <p:cxnSp>
+        <p:nvCxnSpPr>
+          <p:cNvPr id="16" name="Connecteur droit avec flèche 15"/>
+          <p:cNvCxnSpPr/>
+          <p:nvPr/>
+        </p:nvCxnSpPr>
+        <p:spPr>
+          <a:xfrm>
+            <a:off x="6601968" y="3493008"/>
+            <a:ext cx="9144" cy="328073"/>
+          </a:xfrm>
+          <a:prstGeom prst="straightConnector1">
+            <a:avLst/>
+          </a:prstGeom>
+          <a:ln>
+            <a:tailEnd type="triangle"/>
+          </a:ln>
+        </p:spPr>
+        <p:style>
+          <a:lnRef idx="1">
+            <a:schemeClr val="accent1"/>
+          </a:lnRef>
+          <a:fillRef idx="0">
+            <a:schemeClr val="accent1"/>
+          </a:fillRef>
+          <a:effectRef idx="0">
+            <a:schemeClr val="accent1"/>
+          </a:effectRef>
+          <a:fontRef idx="minor">
+            <a:schemeClr val="tx1"/>
+          </a:fontRef>
+        </p:style>
+      </p:cxnSp>
+      <p:cxnSp>
+        <p:nvCxnSpPr>
+          <p:cNvPr id="18" name="Connecteur droit avec flèche 17"/>
+          <p:cNvCxnSpPr/>
+          <p:nvPr/>
+        </p:nvCxnSpPr>
+        <p:spPr>
+          <a:xfrm>
+            <a:off x="7635240" y="3167343"/>
+            <a:ext cx="1143000" cy="489701"/>
+          </a:xfrm>
+          <a:prstGeom prst="straightConnector1">
+            <a:avLst/>
+          </a:prstGeom>
+          <a:ln>
+            <a:tailEnd type="triangle"/>
+          </a:ln>
+        </p:spPr>
+        <p:style>
+          <a:lnRef idx="1">
+            <a:schemeClr val="accent1"/>
+          </a:lnRef>
+          <a:fillRef idx="0">
+            <a:schemeClr val="accent1"/>
+          </a:fillRef>
+          <a:effectRef idx="0">
+            <a:schemeClr val="accent1"/>
+          </a:effectRef>
+          <a:fontRef idx="minor">
+            <a:schemeClr val="tx1"/>
+          </a:fontRef>
+        </p:style>
+      </p:cxnSp>
     </p:spTree>
     <p:extLst>
       <p:ext uri="{BB962C8B-B14F-4D97-AF65-F5344CB8AC3E}">
         <p14:creationId xmlns:p14="http://schemas.microsoft.com/office/powerpoint/2010/main" val="2913258762"/>
-      </p:ext>
-    </p:extLst>
-  </p:cSld>
-  <p:clrMapOvr>
-    <a:masterClrMapping/>
-  </p:clrMapOvr>
-  <p:timing>
-    <p:tnLst>
-      <p:par>
-        <p:cTn id="1" dur="indefinite" restart="never" nodeType="tmRoot">
-          <p:childTnLst>
-            <p:seq concurrent="1" nextAc="seek">
-              <p:cTn id="2" dur="indefinite" nodeType="mainSeq">
-                <p:childTnLst>
-                  <p:par>
-                    <p:cTn id="3" fill="hold">
-                      <p:stCondLst>
-                        <p:cond delay="indefinite"/>
-                      </p:stCondLst>
-                      <p:childTnLst>
-                        <p:par>
-                          <p:cTn id="4" fill="hold">
-                            <p:stCondLst>
-                              <p:cond delay="0"/>
-                            </p:stCondLst>
-                            <p:childTnLst>
-                              <p:par>
-                                <p:cTn id="5" presetID="21" presetClass="entr" presetSubtype="1" fill="hold" grpId="0" nodeType="clickEffect">
-                                  <p:stCondLst>
-                                    <p:cond delay="0"/>
-                                  </p:stCondLst>
-                                  <p:childTnLst>
-                                    <p:set>
-                                      <p:cBhvr>
-                                        <p:cTn id="6" dur="1" fill="hold">
-                                          <p:stCondLst>
-                                            <p:cond delay="0"/>
-                                          </p:stCondLst>
-                                        </p:cTn>
-                                        <p:tgtEl>
-                                          <p:spTgt spid="5"/>
-                                        </p:tgtEl>
-                                        <p:attrNameLst>
-                                          <p:attrName>style.visibility</p:attrName>
-                                        </p:attrNameLst>
-                                      </p:cBhvr>
-                                      <p:to>
-                                        <p:strVal val="visible"/>
-                                      </p:to>
-                                    </p:set>
-                                    <p:animEffect transition="in" filter="wheel(1)">
-                                      <p:cBhvr>
-                                        <p:cTn id="7" dur="750"/>
-                                        <p:tgtEl>
-                                          <p:spTgt spid="5"/>
-                                        </p:tgtEl>
-                                      </p:cBhvr>
-                                    </p:animEffect>
-                                  </p:childTnLst>
-                                </p:cTn>
-                              </p:par>
-                            </p:childTnLst>
-                          </p:cTn>
-                        </p:par>
-                      </p:childTnLst>
-                    </p:cTn>
-                  </p:par>
-                  <p:par>
-                    <p:cTn id="8" fill="hold">
-                      <p:stCondLst>
-                        <p:cond delay="indefinite"/>
-                      </p:stCondLst>
-                      <p:childTnLst>
-                        <p:par>
-                          <p:cTn id="9" fill="hold">
-                            <p:stCondLst>
-                              <p:cond delay="0"/>
-                            </p:stCondLst>
-                            <p:childTnLst>
-                              <p:par>
-                                <p:cTn id="10" presetID="21" presetClass="entr" presetSubtype="1" fill="hold" grpId="0" nodeType="clickEffect">
-                                  <p:stCondLst>
-                                    <p:cond delay="0"/>
-                                  </p:stCondLst>
-                                  <p:childTnLst>
-                                    <p:set>
-                                      <p:cBhvr>
-                                        <p:cTn id="11" dur="1" fill="hold">
-                                          <p:stCondLst>
-                                            <p:cond delay="0"/>
-                                          </p:stCondLst>
-                                        </p:cTn>
-                                        <p:tgtEl>
-                                          <p:spTgt spid="7"/>
-                                        </p:tgtEl>
-                                        <p:attrNameLst>
-                                          <p:attrName>style.visibility</p:attrName>
-                                        </p:attrNameLst>
-                                      </p:cBhvr>
-                                      <p:to>
-                                        <p:strVal val="visible"/>
-                                      </p:to>
-                                    </p:set>
-                                    <p:animEffect transition="in" filter="wheel(1)">
-                                      <p:cBhvr>
-                                        <p:cTn id="12" dur="2000"/>
-                                        <p:tgtEl>
-                                          <p:spTgt spid="7"/>
-                                        </p:tgtEl>
-                                      </p:cBhvr>
-                                    </p:animEffect>
-                                  </p:childTnLst>
-                                </p:cTn>
-                              </p:par>
-                            </p:childTnLst>
-                          </p:cTn>
-                        </p:par>
-                      </p:childTnLst>
-                    </p:cTn>
-                  </p:par>
-                  <p:par>
-                    <p:cTn id="13" fill="hold">
-                      <p:stCondLst>
-                        <p:cond delay="indefinite"/>
-                      </p:stCondLst>
-                      <p:childTnLst>
-                        <p:par>
-                          <p:cTn id="14" fill="hold">
-                            <p:stCondLst>
-                              <p:cond delay="0"/>
-                            </p:stCondLst>
-                            <p:childTnLst>
-                              <p:par>
-                                <p:cTn id="15" presetID="21" presetClass="entr" presetSubtype="1" fill="hold" grpId="0" nodeType="clickEffect">
-                                  <p:stCondLst>
-                                    <p:cond delay="0"/>
-                                  </p:stCondLst>
-                                  <p:childTnLst>
-                                    <p:set>
-                                      <p:cBhvr>
-                                        <p:cTn id="16" dur="1" fill="hold">
-                                          <p:stCondLst>
-                                            <p:cond delay="0"/>
-                                          </p:stCondLst>
-                                        </p:cTn>
-                                        <p:tgtEl>
-                                          <p:spTgt spid="8"/>
-                                        </p:tgtEl>
-                                        <p:attrNameLst>
-                                          <p:attrName>style.visibility</p:attrName>
-                                        </p:attrNameLst>
-                                      </p:cBhvr>
-                                      <p:to>
-                                        <p:strVal val="visible"/>
-                                      </p:to>
-                                    </p:set>
-                                    <p:animEffect transition="in" filter="wheel(1)">
-                                      <p:cBhvr>
-                                        <p:cTn id="17" dur="750"/>
-                                        <p:tgtEl>
-                                          <p:spTgt spid="8"/>
-                                        </p:tgtEl>
-                                      </p:cBhvr>
-                                    </p:animEffect>
-                                  </p:childTnLst>
-                                </p:cTn>
-                              </p:par>
-                            </p:childTnLst>
-                          </p:cTn>
-                        </p:par>
-                      </p:childTnLst>
-                    </p:cTn>
-                  </p:par>
-                  <p:par>
-                    <p:cTn id="18" fill="hold">
-                      <p:stCondLst>
-                        <p:cond delay="indefinite"/>
-                      </p:stCondLst>
-                      <p:childTnLst>
-                        <p:par>
-                          <p:cTn id="19" fill="hold">
-                            <p:stCondLst>
-                              <p:cond delay="0"/>
-                            </p:stCondLst>
-                            <p:childTnLst>
-                              <p:par>
-                                <p:cTn id="20" presetID="21" presetClass="entr" presetSubtype="1" fill="hold" nodeType="clickEffect">
-                                  <p:stCondLst>
-                                    <p:cond delay="0"/>
-                                  </p:stCondLst>
-                                  <p:childTnLst>
-                                    <p:set>
-                                      <p:cBhvr>
-                                        <p:cTn id="21" dur="1" fill="hold">
-                                          <p:stCondLst>
-                                            <p:cond delay="0"/>
-                                          </p:stCondLst>
-                                        </p:cTn>
-                                        <p:tgtEl>
-                                          <p:spTgt spid="4"/>
-                                        </p:tgtEl>
-                                        <p:attrNameLst>
-                                          <p:attrName>style.visibility</p:attrName>
-                                        </p:attrNameLst>
-                                      </p:cBhvr>
-                                      <p:to>
-                                        <p:strVal val="visible"/>
-                                      </p:to>
-                                    </p:set>
-                                    <p:animEffect transition="in" filter="wheel(1)">
-                                      <p:cBhvr>
-                                        <p:cTn id="22" dur="750"/>
-                                        <p:tgtEl>
-                                          <p:spTgt spid="4"/>
-                                        </p:tgtEl>
-                                      </p:cBhvr>
-                                    </p:animEffect>
-                                  </p:childTnLst>
-                                </p:cTn>
-                              </p:par>
-                            </p:childTnLst>
-                          </p:cTn>
-                        </p:par>
-                      </p:childTnLst>
-                    </p:cTn>
-                  </p:par>
-                </p:childTnLst>
-              </p:cTn>
-              <p:prevCondLst>
-                <p:cond evt="onPrev" delay="0">
-                  <p:tgtEl>
-                    <p:sldTgt/>
-                  </p:tgtEl>
-                </p:cond>
-              </p:prevCondLst>
-              <p:nextCondLst>
-                <p:cond evt="onNext" delay="0">
-                  <p:tgtEl>
-                    <p:sldTgt/>
-                  </p:tgtEl>
-                </p:cond>
-              </p:nextCondLst>
-            </p:seq>
-          </p:childTnLst>
-        </p:cTn>
-      </p:par>
-    </p:tnLst>
-    <p:bldLst>
-      <p:bldP spid="5" grpId="0"/>
-      <p:bldP spid="7" grpId="0"/>
-      <p:bldP spid="8" grpId="0"/>
-    </p:bldLst>
-  </p:timing>
-</p:sld>
-</file>
-
-<file path=ppt/slides/slide15.xml><?xml version="1.0" encoding="utf-8"?>
-<p:sld xmlns:a="http://schemas.openxmlformats.org/drawingml/2006/main" xmlns:r="http://schemas.openxmlformats.org/officeDocument/2006/relationships" xmlns:p="http://schemas.openxmlformats.org/presentationml/2006/main">
-  <p:cSld>
-    <p:spTree>
-      <p:nvGrpSpPr>
-        <p:cNvPr id="1" name=""/>
-        <p:cNvGrpSpPr/>
-        <p:nvPr/>
-      </p:nvGrpSpPr>
-      <p:grpSpPr>
-        <a:xfrm>
-          <a:off x="0" y="0"/>
-          <a:ext cx="0" cy="0"/>
-          <a:chOff x="0" y="0"/>
-          <a:chExt cx="0" cy="0"/>
-        </a:xfrm>
-      </p:grpSpPr>
-      <p:sp>
-        <p:nvSpPr>
-          <p:cNvPr id="2" name="Titre 1"/>
-          <p:cNvSpPr>
-            <a:spLocks noGrp="1"/>
-          </p:cNvSpPr>
-          <p:nvPr>
-            <p:ph type="title"/>
-          </p:nvPr>
-        </p:nvSpPr>
-        <p:spPr>
-          <a:xfrm>
-            <a:off x="3132676" y="454715"/>
-            <a:ext cx="6804954" cy="976312"/>
-          </a:xfrm>
-        </p:spPr>
-        <p:txBody>
-          <a:bodyPr>
-            <a:normAutofit fontScale="90000"/>
-          </a:bodyPr>
-          <a:lstStyle/>
-          <a:p>
-            <a:r>
-              <a:rPr lang="fr-FR" sz="4000" dirty="0"/>
-              <a:t>Rendu final de l’application</a:t>
-            </a:r>
-            <a:r>
-              <a:rPr lang="fr-FR" dirty="0"/>
-              <a:t/>
-            </a:r>
-            <a:br>
-              <a:rPr lang="fr-FR" dirty="0"/>
-            </a:br>
-            <a:r>
-              <a:rPr lang="fr-FR" sz="2200" dirty="0"/>
-              <a:t/>
-            </a:r>
-            <a:br>
-              <a:rPr lang="fr-FR" sz="2200" dirty="0"/>
-            </a:br>
-            <a:endParaRPr lang="fr-FR" dirty="0"/>
-          </a:p>
-        </p:txBody>
-      </p:sp>
-      <p:pic>
-        <p:nvPicPr>
-          <p:cNvPr id="3" name="Image 2">
-            <a:hlinkClick r:id="rId2" action="ppaction://hlinkfile"/>
-          </p:cNvPr>
-          <p:cNvPicPr>
-            <a:picLocks noChangeAspect="1"/>
-          </p:cNvPicPr>
-          <p:nvPr/>
-        </p:nvPicPr>
-        <p:blipFill>
-          <a:blip r:embed="rId3">
-            <a:extLst>
-              <a:ext uri="{28A0092B-C50C-407E-A947-70E740481C1C}">
-                <a14:useLocalDpi xmlns:a14="http://schemas.microsoft.com/office/drawing/2010/main" val="0"/>
-              </a:ext>
-            </a:extLst>
-          </a:blip>
-          <a:stretch>
-            <a:fillRect/>
-          </a:stretch>
-        </p:blipFill>
-        <p:spPr>
-          <a:xfrm>
-            <a:off x="4983383" y="1093839"/>
-            <a:ext cx="2349070" cy="5550885"/>
-          </a:xfrm>
-          <a:prstGeom prst="rect">
-            <a:avLst/>
-          </a:prstGeom>
-        </p:spPr>
-      </p:pic>
-    </p:spTree>
-    <p:extLst>
-      <p:ext uri="{BB962C8B-B14F-4D97-AF65-F5344CB8AC3E}">
-        <p14:creationId xmlns:p14="http://schemas.microsoft.com/office/powerpoint/2010/main" val="1724808349"/>
-      </p:ext>
-    </p:extLst>
-  </p:cSld>
-  <p:clrMapOvr>
-    <a:masterClrMapping/>
-  </p:clrMapOvr>
-  <p:timing>
-    <p:tnLst>
-      <p:par>
-        <p:cTn id="1" dur="indefinite" restart="never" nodeType="tmRoot"/>
-      </p:par>
-    </p:tnLst>
-  </p:timing>
-</p:sld>
-</file>
-
-<file path=ppt/slides/slide16.xml><?xml version="1.0" encoding="utf-8"?>
-<p:sld xmlns:a="http://schemas.openxmlformats.org/drawingml/2006/main" xmlns:r="http://schemas.openxmlformats.org/officeDocument/2006/relationships" xmlns:p="http://schemas.openxmlformats.org/presentationml/2006/main">
-  <p:cSld>
-    <p:spTree>
-      <p:nvGrpSpPr>
-        <p:cNvPr id="1" name=""/>
-        <p:cNvGrpSpPr/>
-        <p:nvPr/>
-      </p:nvGrpSpPr>
-      <p:grpSpPr>
-        <a:xfrm>
-          <a:off x="0" y="0"/>
-          <a:ext cx="0" cy="0"/>
-          <a:chOff x="0" y="0"/>
-          <a:chExt cx="0" cy="0"/>
-        </a:xfrm>
-      </p:grpSpPr>
-      <p:sp>
-        <p:nvSpPr>
-          <p:cNvPr id="2" name="Titre 1"/>
-          <p:cNvSpPr>
-            <a:spLocks noGrp="1"/>
-          </p:cNvSpPr>
-          <p:nvPr>
-            <p:ph type="title"/>
-          </p:nvPr>
-        </p:nvSpPr>
-        <p:spPr>
-          <a:xfrm>
-            <a:off x="3220885" y="437072"/>
-            <a:ext cx="8393926" cy="1529751"/>
-          </a:xfrm>
-        </p:spPr>
-        <p:txBody>
-          <a:bodyPr>
-            <a:normAutofit fontScale="90000"/>
-          </a:bodyPr>
-          <a:lstStyle/>
-          <a:p>
-            <a:r>
-              <a:rPr lang="fr-FR" dirty="0"/>
-              <a:t>Compatibilité navigateurs</a:t>
-            </a:r>
-            <a:br>
-              <a:rPr lang="fr-FR" dirty="0"/>
-            </a:br>
-            <a:endParaRPr lang="fr-FR" dirty="0"/>
-          </a:p>
-        </p:txBody>
-      </p:sp>
-      <p:pic>
-        <p:nvPicPr>
-          <p:cNvPr id="6" name="Image 5"/>
-          <p:cNvPicPr>
-            <a:picLocks noChangeAspect="1"/>
-          </p:cNvPicPr>
-          <p:nvPr/>
-        </p:nvPicPr>
-        <p:blipFill rotWithShape="1">
-          <a:blip r:embed="rId2">
-            <a:extLst>
-              <a:ext uri="{28A0092B-C50C-407E-A947-70E740481C1C}">
-                <a14:useLocalDpi xmlns:a14="http://schemas.microsoft.com/office/drawing/2010/main" val="0"/>
-              </a:ext>
-            </a:extLst>
-          </a:blip>
-          <a:srcRect l="23904" t="2576" r="24714" b="6608"/>
-          <a:stretch/>
-        </p:blipFill>
-        <p:spPr>
-          <a:xfrm>
-            <a:off x="1957098" y="1709784"/>
-            <a:ext cx="2140450" cy="2020824"/>
-          </a:xfrm>
-          <a:prstGeom prst="ellipse">
-            <a:avLst/>
-          </a:prstGeom>
-        </p:spPr>
-      </p:pic>
-      <p:pic>
-        <p:nvPicPr>
-          <p:cNvPr id="8" name="Image 7"/>
-          <p:cNvPicPr>
-            <a:picLocks noChangeAspect="1"/>
-          </p:cNvPicPr>
-          <p:nvPr/>
-        </p:nvPicPr>
-        <p:blipFill rotWithShape="1">
-          <a:blip r:embed="rId3">
-            <a:extLst>
-              <a:ext uri="{28A0092B-C50C-407E-A947-70E740481C1C}">
-                <a14:useLocalDpi xmlns:a14="http://schemas.microsoft.com/office/drawing/2010/main" val="0"/>
-              </a:ext>
-            </a:extLst>
-          </a:blip>
-          <a:srcRect l="4508" t="1270" r="4009" b="216"/>
-          <a:stretch/>
-        </p:blipFill>
-        <p:spPr>
-          <a:xfrm>
-            <a:off x="5067265" y="1709784"/>
-            <a:ext cx="2132232" cy="2020824"/>
-          </a:xfrm>
-          <a:prstGeom prst="flowChartConnector">
-            <a:avLst/>
-          </a:prstGeom>
-        </p:spPr>
-      </p:pic>
-      <p:pic>
-        <p:nvPicPr>
-          <p:cNvPr id="9" name="Image 8"/>
-          <p:cNvPicPr>
-            <a:picLocks noChangeAspect="1"/>
-          </p:cNvPicPr>
-          <p:nvPr/>
-        </p:nvPicPr>
-        <p:blipFill>
-          <a:blip r:embed="rId4">
-            <a:extLst>
-              <a:ext uri="{28A0092B-C50C-407E-A947-70E740481C1C}">
-                <a14:useLocalDpi xmlns:a14="http://schemas.microsoft.com/office/drawing/2010/main" val="0"/>
-              </a:ext>
-            </a:extLst>
-          </a:blip>
-          <a:stretch>
-            <a:fillRect/>
-          </a:stretch>
-        </p:blipFill>
-        <p:spPr>
-          <a:xfrm>
-            <a:off x="8842996" y="1709784"/>
-            <a:ext cx="2221992" cy="2020824"/>
-          </a:xfrm>
-          <a:prstGeom prst="rect">
-            <a:avLst/>
-          </a:prstGeom>
-        </p:spPr>
-      </p:pic>
-      <p:sp>
-        <p:nvSpPr>
-          <p:cNvPr id="10" name="ZoneTexte 9"/>
-          <p:cNvSpPr txBox="1"/>
-          <p:nvPr/>
-        </p:nvSpPr>
-        <p:spPr>
-          <a:xfrm>
-            <a:off x="4765962" y="5332935"/>
-            <a:ext cx="2734837" cy="369332"/>
-          </a:xfrm>
-          <a:prstGeom prst="rect">
-            <a:avLst/>
-          </a:prstGeom>
-          <a:noFill/>
-        </p:spPr>
-        <p:txBody>
-          <a:bodyPr wrap="square" rtlCol="0">
-            <a:spAutoFit/>
-          </a:bodyPr>
-          <a:lstStyle/>
-          <a:p>
-            <a:r>
-              <a:rPr lang="fr-FR" dirty="0" smtClean="0"/>
-              <a:t>Rendu final </a:t>
-            </a:r>
-            <a:r>
-              <a:rPr lang="fr-FR" dirty="0" smtClean="0"/>
-              <a:t>conforme </a:t>
-            </a:r>
-            <a:endParaRPr lang="fr-FR" dirty="0"/>
-          </a:p>
-        </p:txBody>
-      </p:sp>
-      <p:sp>
-        <p:nvSpPr>
-          <p:cNvPr id="3" name="ZoneTexte 2"/>
-          <p:cNvSpPr txBox="1"/>
-          <p:nvPr/>
-        </p:nvSpPr>
-        <p:spPr>
-          <a:xfrm>
-            <a:off x="5473460" y="3864634"/>
-            <a:ext cx="1319842" cy="369332"/>
-          </a:xfrm>
-          <a:prstGeom prst="rect">
-            <a:avLst/>
-          </a:prstGeom>
-          <a:noFill/>
-        </p:spPr>
-        <p:txBody>
-          <a:bodyPr wrap="square" rtlCol="0">
-            <a:spAutoFit/>
-          </a:bodyPr>
-          <a:lstStyle/>
-          <a:p>
-            <a:r>
-              <a:rPr lang="fr-FR" dirty="0" smtClean="0"/>
-              <a:t>Version 42</a:t>
-            </a:r>
-            <a:endParaRPr lang="fr-FR" dirty="0"/>
-          </a:p>
-        </p:txBody>
-      </p:sp>
-      <p:sp>
-        <p:nvSpPr>
-          <p:cNvPr id="11" name="ZoneTexte 10"/>
-          <p:cNvSpPr txBox="1"/>
-          <p:nvPr/>
-        </p:nvSpPr>
-        <p:spPr>
-          <a:xfrm>
-            <a:off x="2367402" y="3864634"/>
-            <a:ext cx="1319842" cy="369332"/>
-          </a:xfrm>
-          <a:prstGeom prst="rect">
-            <a:avLst/>
-          </a:prstGeom>
-          <a:noFill/>
-        </p:spPr>
-        <p:txBody>
-          <a:bodyPr wrap="square" rtlCol="0">
-            <a:spAutoFit/>
-          </a:bodyPr>
-          <a:lstStyle/>
-          <a:p>
-            <a:r>
-              <a:rPr lang="fr-FR" dirty="0" smtClean="0"/>
-              <a:t>Version 67</a:t>
-            </a:r>
-            <a:endParaRPr lang="fr-FR" dirty="0"/>
-          </a:p>
-        </p:txBody>
-      </p:sp>
-      <p:sp>
-        <p:nvSpPr>
-          <p:cNvPr id="12" name="ZoneTexte 11"/>
-          <p:cNvSpPr txBox="1"/>
-          <p:nvPr/>
-        </p:nvSpPr>
-        <p:spPr>
-          <a:xfrm>
-            <a:off x="9294071" y="3864634"/>
-            <a:ext cx="1319842" cy="369332"/>
-          </a:xfrm>
-          <a:prstGeom prst="rect">
-            <a:avLst/>
-          </a:prstGeom>
-          <a:noFill/>
-        </p:spPr>
-        <p:txBody>
-          <a:bodyPr wrap="square" rtlCol="0">
-            <a:spAutoFit/>
-          </a:bodyPr>
-          <a:lstStyle/>
-          <a:p>
-            <a:r>
-              <a:rPr lang="fr-FR" dirty="0" smtClean="0"/>
-              <a:t>Version 61</a:t>
-            </a:r>
-            <a:endParaRPr lang="fr-FR" dirty="0"/>
-          </a:p>
-        </p:txBody>
-      </p:sp>
-    </p:spTree>
-    <p:extLst>
-      <p:ext uri="{BB962C8B-B14F-4D97-AF65-F5344CB8AC3E}">
-        <p14:creationId xmlns:p14="http://schemas.microsoft.com/office/powerpoint/2010/main" val="3313535623"/>
-      </p:ext>
-    </p:extLst>
-  </p:cSld>
-  <p:clrMapOvr>
-    <a:masterClrMapping/>
-  </p:clrMapOvr>
-  <p:timing>
-    <p:tnLst>
-      <p:par>
-        <p:cTn id="1" dur="indefinite" restart="never" nodeType="tmRoot">
-          <p:childTnLst>
-            <p:seq concurrent="1" nextAc="seek">
-              <p:cTn id="2" dur="indefinite" nodeType="mainSeq">
-                <p:childTnLst>
-                  <p:par>
-                    <p:cTn id="3" fill="hold">
-                      <p:stCondLst>
-                        <p:cond delay="indefinite"/>
-                      </p:stCondLst>
-                      <p:childTnLst>
-                        <p:par>
-                          <p:cTn id="4" fill="hold">
-                            <p:stCondLst>
-                              <p:cond delay="0"/>
-                            </p:stCondLst>
-                            <p:childTnLst>
-                              <p:par>
-                                <p:cTn id="5" presetID="6" presetClass="entr" presetSubtype="16" fill="hold" nodeType="clickEffect">
-                                  <p:stCondLst>
-                                    <p:cond delay="0"/>
-                                  </p:stCondLst>
-                                  <p:childTnLst>
-                                    <p:set>
-                                      <p:cBhvr>
-                                        <p:cTn id="6" dur="1" fill="hold">
-                                          <p:stCondLst>
-                                            <p:cond delay="0"/>
-                                          </p:stCondLst>
-                                        </p:cTn>
-                                        <p:tgtEl>
-                                          <p:spTgt spid="6"/>
-                                        </p:tgtEl>
-                                        <p:attrNameLst>
-                                          <p:attrName>style.visibility</p:attrName>
-                                        </p:attrNameLst>
-                                      </p:cBhvr>
-                                      <p:to>
-                                        <p:strVal val="visible"/>
-                                      </p:to>
-                                    </p:set>
-                                    <p:animEffect transition="in" filter="circle(in)">
-                                      <p:cBhvr>
-                                        <p:cTn id="7" dur="750"/>
-                                        <p:tgtEl>
-                                          <p:spTgt spid="6"/>
-                                        </p:tgtEl>
-                                      </p:cBhvr>
-                                    </p:animEffect>
-                                  </p:childTnLst>
-                                </p:cTn>
-                              </p:par>
-                            </p:childTnLst>
-                          </p:cTn>
-                        </p:par>
-                      </p:childTnLst>
-                    </p:cTn>
-                  </p:par>
-                  <p:par>
-                    <p:cTn id="8" fill="hold">
-                      <p:stCondLst>
-                        <p:cond delay="indefinite"/>
-                      </p:stCondLst>
-                      <p:childTnLst>
-                        <p:par>
-                          <p:cTn id="9" fill="hold">
-                            <p:stCondLst>
-                              <p:cond delay="0"/>
-                            </p:stCondLst>
-                            <p:childTnLst>
-                              <p:par>
-                                <p:cTn id="10" presetID="6" presetClass="entr" presetSubtype="16" fill="hold" nodeType="clickEffect">
-                                  <p:stCondLst>
-                                    <p:cond delay="0"/>
-                                  </p:stCondLst>
-                                  <p:childTnLst>
-                                    <p:set>
-                                      <p:cBhvr>
-                                        <p:cTn id="11" dur="1" fill="hold">
-                                          <p:stCondLst>
-                                            <p:cond delay="0"/>
-                                          </p:stCondLst>
-                                        </p:cTn>
-                                        <p:tgtEl>
-                                          <p:spTgt spid="8"/>
-                                        </p:tgtEl>
-                                        <p:attrNameLst>
-                                          <p:attrName>style.visibility</p:attrName>
-                                        </p:attrNameLst>
-                                      </p:cBhvr>
-                                      <p:to>
-                                        <p:strVal val="visible"/>
-                                      </p:to>
-                                    </p:set>
-                                    <p:animEffect transition="in" filter="circle(in)">
-                                      <p:cBhvr>
-                                        <p:cTn id="12" dur="750"/>
-                                        <p:tgtEl>
-                                          <p:spTgt spid="8"/>
-                                        </p:tgtEl>
-                                      </p:cBhvr>
-                                    </p:animEffect>
-                                  </p:childTnLst>
-                                </p:cTn>
-                              </p:par>
-                            </p:childTnLst>
-                          </p:cTn>
-                        </p:par>
-                      </p:childTnLst>
-                    </p:cTn>
-                  </p:par>
-                  <p:par>
-                    <p:cTn id="13" fill="hold">
-                      <p:stCondLst>
-                        <p:cond delay="indefinite"/>
-                      </p:stCondLst>
-                      <p:childTnLst>
-                        <p:par>
-                          <p:cTn id="14" fill="hold">
-                            <p:stCondLst>
-                              <p:cond delay="0"/>
-                            </p:stCondLst>
-                            <p:childTnLst>
-                              <p:par>
-                                <p:cTn id="15" presetID="6" presetClass="entr" presetSubtype="16" fill="hold" nodeType="clickEffect">
-                                  <p:stCondLst>
-                                    <p:cond delay="0"/>
-                                  </p:stCondLst>
-                                  <p:childTnLst>
-                                    <p:set>
-                                      <p:cBhvr>
-                                        <p:cTn id="16" dur="1" fill="hold">
-                                          <p:stCondLst>
-                                            <p:cond delay="0"/>
-                                          </p:stCondLst>
-                                        </p:cTn>
-                                        <p:tgtEl>
-                                          <p:spTgt spid="9"/>
-                                        </p:tgtEl>
-                                        <p:attrNameLst>
-                                          <p:attrName>style.visibility</p:attrName>
-                                        </p:attrNameLst>
-                                      </p:cBhvr>
-                                      <p:to>
-                                        <p:strVal val="visible"/>
-                                      </p:to>
-                                    </p:set>
-                                    <p:animEffect transition="in" filter="circle(in)">
-                                      <p:cBhvr>
-                                        <p:cTn id="17" dur="750"/>
-                                        <p:tgtEl>
-                                          <p:spTgt spid="9"/>
-                                        </p:tgtEl>
-                                      </p:cBhvr>
-                                    </p:animEffect>
-                                  </p:childTnLst>
-                                </p:cTn>
-                              </p:par>
-                              <p:par>
-                                <p:cTn id="18" presetID="6" presetClass="entr" presetSubtype="16" fill="hold" grpId="0" nodeType="withEffect">
-                                  <p:stCondLst>
-                                    <p:cond delay="0"/>
-                                  </p:stCondLst>
-                                  <p:childTnLst>
-                                    <p:set>
-                                      <p:cBhvr>
-                                        <p:cTn id="19" dur="1" fill="hold">
-                                          <p:stCondLst>
-                                            <p:cond delay="0"/>
-                                          </p:stCondLst>
-                                        </p:cTn>
-                                        <p:tgtEl>
-                                          <p:spTgt spid="10"/>
-                                        </p:tgtEl>
-                                        <p:attrNameLst>
-                                          <p:attrName>style.visibility</p:attrName>
-                                        </p:attrNameLst>
-                                      </p:cBhvr>
-                                      <p:to>
-                                        <p:strVal val="visible"/>
-                                      </p:to>
-                                    </p:set>
-                                    <p:animEffect transition="in" filter="circle(in)">
-                                      <p:cBhvr>
-                                        <p:cTn id="20" dur="750"/>
-                                        <p:tgtEl>
-                                          <p:spTgt spid="10"/>
-                                        </p:tgtEl>
-                                      </p:cBhvr>
-                                    </p:animEffect>
-                                  </p:childTnLst>
-                                </p:cTn>
-                              </p:par>
-                            </p:childTnLst>
-                          </p:cTn>
-                        </p:par>
-                      </p:childTnLst>
-                    </p:cTn>
-                  </p:par>
-                </p:childTnLst>
-              </p:cTn>
-              <p:prevCondLst>
-                <p:cond evt="onPrev" delay="0">
-                  <p:tgtEl>
-                    <p:sldTgt/>
-                  </p:tgtEl>
-                </p:cond>
-              </p:prevCondLst>
-              <p:nextCondLst>
-                <p:cond evt="onNext" delay="0">
-                  <p:tgtEl>
-                    <p:sldTgt/>
-                  </p:tgtEl>
-                </p:cond>
-              </p:nextCondLst>
-            </p:seq>
-          </p:childTnLst>
-        </p:cTn>
-      </p:par>
-    </p:tnLst>
-    <p:bldLst>
-      <p:bldP spid="10" grpId="0"/>
-    </p:bldLst>
-  </p:timing>
-</p:sld>
-</file>
-
-<file path=ppt/slides/slide17.xml><?xml version="1.0" encoding="utf-8"?>
-<p:sld xmlns:a="http://schemas.openxmlformats.org/drawingml/2006/main" xmlns:r="http://schemas.openxmlformats.org/officeDocument/2006/relationships" xmlns:p="http://schemas.openxmlformats.org/presentationml/2006/main">
-  <p:cSld>
-    <p:spTree>
-      <p:nvGrpSpPr>
-        <p:cNvPr id="1" name=""/>
-        <p:cNvGrpSpPr/>
-        <p:nvPr/>
-      </p:nvGrpSpPr>
-      <p:grpSpPr>
-        <a:xfrm>
-          <a:off x="0" y="0"/>
-          <a:ext cx="0" cy="0"/>
-          <a:chOff x="0" y="0"/>
-          <a:chExt cx="0" cy="0"/>
-        </a:xfrm>
-      </p:grpSpPr>
-      <p:sp>
-        <p:nvSpPr>
-          <p:cNvPr id="5" name="Titre 1"/>
-          <p:cNvSpPr>
-            <a:spLocks noGrp="1"/>
-          </p:cNvSpPr>
-          <p:nvPr>
-            <p:ph type="title"/>
-          </p:nvPr>
-        </p:nvSpPr>
-        <p:spPr>
-          <a:xfrm>
-            <a:off x="1141413" y="618518"/>
-            <a:ext cx="9905998" cy="3435897"/>
-          </a:xfrm>
-        </p:spPr>
-        <p:txBody>
-          <a:bodyPr>
-            <a:normAutofit/>
-          </a:bodyPr>
-          <a:lstStyle/>
-          <a:p>
-            <a:pPr algn="ctr"/>
-            <a:r>
-              <a:rPr lang="fr-FR" sz="8800" b="1" i="1" dirty="0"/>
-              <a:t>Conclusion</a:t>
-            </a:r>
-            <a:endParaRPr lang="fr-FR" sz="8800" dirty="0"/>
-          </a:p>
-        </p:txBody>
-      </p:sp>
-    </p:spTree>
-    <p:extLst>
-      <p:ext uri="{BB962C8B-B14F-4D97-AF65-F5344CB8AC3E}">
-        <p14:creationId xmlns:p14="http://schemas.microsoft.com/office/powerpoint/2010/main" val="2017449376"/>
-      </p:ext>
-    </p:extLst>
-  </p:cSld>
-  <p:clrMapOvr>
-    <a:masterClrMapping/>
-  </p:clrMapOvr>
-  <p:timing>
-    <p:tnLst>
-      <p:par>
-        <p:cTn id="1" dur="indefinite" restart="never" nodeType="tmRoot"/>
-      </p:par>
-    </p:tnLst>
-  </p:timing>
-</p:sld>
-</file>
-
-<file path=ppt/slides/slide18.xml><?xml version="1.0" encoding="utf-8"?>
-<p:sld xmlns:a="http://schemas.openxmlformats.org/drawingml/2006/main" xmlns:r="http://schemas.openxmlformats.org/officeDocument/2006/relationships" xmlns:p="http://schemas.openxmlformats.org/presentationml/2006/main">
-  <p:cSld>
-    <p:spTree>
-      <p:nvGrpSpPr>
-        <p:cNvPr id="1" name=""/>
-        <p:cNvGrpSpPr/>
-        <p:nvPr/>
-      </p:nvGrpSpPr>
-      <p:grpSpPr>
-        <a:xfrm>
-          <a:off x="0" y="0"/>
-          <a:ext cx="0" cy="0"/>
-          <a:chOff x="0" y="0"/>
-          <a:chExt cx="0" cy="0"/>
-        </a:xfrm>
-      </p:grpSpPr>
-      <p:sp>
-        <p:nvSpPr>
-          <p:cNvPr id="2" name="Titre 1"/>
-          <p:cNvSpPr>
-            <a:spLocks noGrp="1"/>
-          </p:cNvSpPr>
-          <p:nvPr>
-            <p:ph type="title"/>
-          </p:nvPr>
-        </p:nvSpPr>
-        <p:spPr>
-          <a:xfrm>
-            <a:off x="3101884" y="624110"/>
-            <a:ext cx="8911687" cy="1280890"/>
-          </a:xfrm>
-        </p:spPr>
-        <p:txBody>
-          <a:bodyPr/>
-          <a:lstStyle/>
-          <a:p>
-            <a:r>
-              <a:rPr lang="fr-FR" dirty="0"/>
-              <a:t>Problématiques rencontrées</a:t>
-            </a:r>
-            <a:br>
-              <a:rPr lang="fr-FR" dirty="0"/>
-            </a:br>
-            <a:endParaRPr lang="fr-FR" dirty="0"/>
-          </a:p>
-        </p:txBody>
-      </p:sp>
-      <p:sp>
-        <p:nvSpPr>
-          <p:cNvPr id="3" name="ZoneTexte 2"/>
-          <p:cNvSpPr txBox="1"/>
-          <p:nvPr/>
-        </p:nvSpPr>
-        <p:spPr>
-          <a:xfrm>
-            <a:off x="5382883" y="2208362"/>
-            <a:ext cx="4675517" cy="369332"/>
-          </a:xfrm>
-          <a:prstGeom prst="rect">
-            <a:avLst/>
-          </a:prstGeom>
-          <a:noFill/>
-        </p:spPr>
-        <p:txBody>
-          <a:bodyPr wrap="square" rtlCol="0">
-            <a:spAutoFit/>
-          </a:bodyPr>
-          <a:lstStyle/>
-          <a:p>
-            <a:r>
-              <a:rPr lang="fr-FR" dirty="0" smtClean="0"/>
-              <a:t>ES6</a:t>
-            </a:r>
-            <a:endParaRPr lang="fr-FR" dirty="0"/>
-          </a:p>
-        </p:txBody>
-      </p:sp>
-      <p:sp>
-        <p:nvSpPr>
-          <p:cNvPr id="4" name="ZoneTexte 3"/>
-          <p:cNvSpPr txBox="1"/>
-          <p:nvPr/>
-        </p:nvSpPr>
-        <p:spPr>
-          <a:xfrm>
-            <a:off x="4390846" y="3312377"/>
-            <a:ext cx="4675517" cy="369332"/>
-          </a:xfrm>
-          <a:prstGeom prst="rect">
-            <a:avLst/>
-          </a:prstGeom>
-          <a:noFill/>
-        </p:spPr>
-        <p:txBody>
-          <a:bodyPr wrap="square" rtlCol="0">
-            <a:spAutoFit/>
-          </a:bodyPr>
-          <a:lstStyle/>
-          <a:p>
-            <a:r>
-              <a:rPr lang="fr-FR" dirty="0" smtClean="0"/>
-              <a:t>Scope des variables</a:t>
-            </a:r>
-            <a:endParaRPr lang="fr-FR" dirty="0"/>
-          </a:p>
-        </p:txBody>
-      </p:sp>
-      <p:sp>
-        <p:nvSpPr>
-          <p:cNvPr id="5" name="ZoneTexte 4"/>
-          <p:cNvSpPr txBox="1"/>
-          <p:nvPr/>
-        </p:nvSpPr>
-        <p:spPr>
-          <a:xfrm>
-            <a:off x="3968150" y="4719754"/>
-            <a:ext cx="3769744" cy="369332"/>
-          </a:xfrm>
-          <a:prstGeom prst="rect">
-            <a:avLst/>
-          </a:prstGeom>
-          <a:noFill/>
-        </p:spPr>
-        <p:txBody>
-          <a:bodyPr wrap="square" rtlCol="0">
-            <a:spAutoFit/>
-          </a:bodyPr>
-          <a:lstStyle/>
-          <a:p>
-            <a:r>
-              <a:rPr lang="fr-FR" smtClean="0"/>
-              <a:t>Programmation orientée objet</a:t>
-            </a:r>
-            <a:endParaRPr lang="fr-FR"/>
-          </a:p>
-        </p:txBody>
-      </p:sp>
-    </p:spTree>
-    <p:extLst>
-      <p:ext uri="{BB962C8B-B14F-4D97-AF65-F5344CB8AC3E}">
-        <p14:creationId xmlns:p14="http://schemas.microsoft.com/office/powerpoint/2010/main" val="811674002"/>
       </p:ext>
     </p:extLst>
   </p:cSld>
@@ -10239,7 +9419,7 @@
                                           </p:stCondLst>
                                         </p:cTn>
                                         <p:tgtEl>
-                                          <p:spTgt spid="4"/>
+                                          <p:spTgt spid="9"/>
                                         </p:tgtEl>
                                         <p:attrNameLst>
                                           <p:attrName>style.visibility</p:attrName>
@@ -10253,7 +9433,7 @@
                                       <p:cBhvr additive="base">
                                         <p:cTn id="13" dur="500" fill="hold"/>
                                         <p:tgtEl>
-                                          <p:spTgt spid="4"/>
+                                          <p:spTgt spid="9"/>
                                         </p:tgtEl>
                                         <p:attrNameLst>
                                           <p:attrName>ppt_x</p:attrName>
@@ -10276,7 +9456,7 @@
                                       <p:cBhvr additive="base">
                                         <p:cTn id="14" dur="500" fill="hold"/>
                                         <p:tgtEl>
-                                          <p:spTgt spid="4"/>
+                                          <p:spTgt spid="9"/>
                                         </p:tgtEl>
                                         <p:attrNameLst>
                                           <p:attrName>ppt_y</p:attrName>
@@ -10330,7 +9510,7 @@
                                           </p:stCondLst>
                                         </p:cTn>
                                         <p:tgtEl>
-                                          <p:spTgt spid="5"/>
+                                          <p:spTgt spid="10"/>
                                         </p:tgtEl>
                                         <p:attrNameLst>
                                           <p:attrName>style.visibility</p:attrName>
@@ -10344,7 +9524,7 @@
                                       <p:cBhvr additive="base">
                                         <p:cTn id="19" dur="500" fill="hold"/>
                                         <p:tgtEl>
-                                          <p:spTgt spid="5"/>
+                                          <p:spTgt spid="10"/>
                                         </p:tgtEl>
                                         <p:attrNameLst>
                                           <p:attrName>ppt_x</p:attrName>
@@ -10367,7 +9547,754 @@
                                       <p:cBhvr additive="base">
                                         <p:cTn id="20" dur="500" fill="hold"/>
                                         <p:tgtEl>
+                                          <p:spTgt spid="10"/>
+                                        </p:tgtEl>
+                                        <p:attrNameLst>
+                                          <p:attrName>ppt_y</p:attrName>
+                                        </p:attrNameLst>
+                                      </p:cBhvr>
+                                      <p:tavLst>
+                                        <p:tav tm="0">
+                                          <p:val>
+                                            <p:strVal val="1+#ppt_h/2"/>
+                                          </p:val>
+                                        </p:tav>
+                                        <p:tav tm="100000">
+                                          <p:val>
+                                            <p:strVal val="#ppt_y"/>
+                                          </p:val>
+                                        </p:tav>
+                                      </p:tavLst>
+                                    </p:anim>
+                                  </p:childTnLst>
+                                </p:cTn>
+                              </p:par>
+                            </p:childTnLst>
+                          </p:cTn>
+                        </p:par>
+                      </p:childTnLst>
+                    </p:cTn>
+                  </p:par>
+                  <p:par>
+                    <p:cTn id="21" fill="hold">
+                      <p:stCondLst>
+                        <p:cond delay="indefinite"/>
+                      </p:stCondLst>
+                      <p:childTnLst>
+                        <p:par>
+                          <p:cTn id="22" fill="hold">
+                            <p:stCondLst>
+                              <p:cond delay="0"/>
+                            </p:stCondLst>
+                            <p:childTnLst>
+                              <p:par>
+                                <p:cTn id="23" presetID="2" presetClass="entr" presetSubtype="4" fill="hold" grpId="0" nodeType="clickEffect">
+                                  <p:stCondLst>
+                                    <p:cond delay="0"/>
+                                  </p:stCondLst>
+                                  <p:childTnLst>
+                                    <p:set>
+                                      <p:cBhvr>
+                                        <p:cTn id="24" dur="1" fill="hold">
+                                          <p:stCondLst>
+                                            <p:cond delay="0"/>
+                                          </p:stCondLst>
+                                        </p:cTn>
+                                        <p:tgtEl>
+                                          <p:spTgt spid="12"/>
+                                        </p:tgtEl>
+                                        <p:attrNameLst>
+                                          <p:attrName>style.visibility</p:attrName>
+                                        </p:attrNameLst>
+                                      </p:cBhvr>
+                                      <p:to>
+                                        <p:strVal val="visible"/>
+                                      </p:to>
+                                    </p:set>
+                                    <p:anim calcmode="lin" valueType="num">
+                                      <p:cBhvr additive="base">
+                                        <p:cTn id="25" dur="500" fill="hold"/>
+                                        <p:tgtEl>
+                                          <p:spTgt spid="12"/>
+                                        </p:tgtEl>
+                                        <p:attrNameLst>
+                                          <p:attrName>ppt_x</p:attrName>
+                                        </p:attrNameLst>
+                                      </p:cBhvr>
+                                      <p:tavLst>
+                                        <p:tav tm="0">
+                                          <p:val>
+                                            <p:strVal val="#ppt_x"/>
+                                          </p:val>
+                                        </p:tav>
+                                        <p:tav tm="100000">
+                                          <p:val>
+                                            <p:strVal val="#ppt_x"/>
+                                          </p:val>
+                                        </p:tav>
+                                      </p:tavLst>
+                                    </p:anim>
+                                    <p:anim calcmode="lin" valueType="num">
+                                      <p:cBhvr additive="base">
+                                        <p:cTn id="26" dur="500" fill="hold"/>
+                                        <p:tgtEl>
+                                          <p:spTgt spid="12"/>
+                                        </p:tgtEl>
+                                        <p:attrNameLst>
+                                          <p:attrName>ppt_y</p:attrName>
+                                        </p:attrNameLst>
+                                      </p:cBhvr>
+                                      <p:tavLst>
+                                        <p:tav tm="0">
+                                          <p:val>
+                                            <p:strVal val="1+#ppt_h/2"/>
+                                          </p:val>
+                                        </p:tav>
+                                        <p:tav tm="100000">
+                                          <p:val>
+                                            <p:strVal val="#ppt_y"/>
+                                          </p:val>
+                                        </p:tav>
+                                      </p:tavLst>
+                                    </p:anim>
+                                  </p:childTnLst>
+                                </p:cTn>
+                              </p:par>
+                              <p:par>
+                                <p:cTn id="27" presetID="2" presetClass="entr" presetSubtype="4" fill="hold" grpId="0" nodeType="withEffect">
+                                  <p:stCondLst>
+                                    <p:cond delay="0"/>
+                                  </p:stCondLst>
+                                  <p:childTnLst>
+                                    <p:set>
+                                      <p:cBhvr>
+                                        <p:cTn id="28" dur="1" fill="hold">
+                                          <p:stCondLst>
+                                            <p:cond delay="0"/>
+                                          </p:stCondLst>
+                                        </p:cTn>
+                                        <p:tgtEl>
                                           <p:spTgt spid="5"/>
+                                        </p:tgtEl>
+                                        <p:attrNameLst>
+                                          <p:attrName>style.visibility</p:attrName>
+                                        </p:attrNameLst>
+                                      </p:cBhvr>
+                                      <p:to>
+                                        <p:strVal val="visible"/>
+                                      </p:to>
+                                    </p:set>
+                                    <p:anim calcmode="lin" valueType="num">
+                                      <p:cBhvr additive="base">
+                                        <p:cTn id="29" dur="500" fill="hold"/>
+                                        <p:tgtEl>
+                                          <p:spTgt spid="5"/>
+                                        </p:tgtEl>
+                                        <p:attrNameLst>
+                                          <p:attrName>ppt_x</p:attrName>
+                                        </p:attrNameLst>
+                                      </p:cBhvr>
+                                      <p:tavLst>
+                                        <p:tav tm="0">
+                                          <p:val>
+                                            <p:strVal val="#ppt_x"/>
+                                          </p:val>
+                                        </p:tav>
+                                        <p:tav tm="100000">
+                                          <p:val>
+                                            <p:strVal val="#ppt_x"/>
+                                          </p:val>
+                                        </p:tav>
+                                      </p:tavLst>
+                                    </p:anim>
+                                    <p:anim calcmode="lin" valueType="num">
+                                      <p:cBhvr additive="base">
+                                        <p:cTn id="30" dur="500" fill="hold"/>
+                                        <p:tgtEl>
+                                          <p:spTgt spid="5"/>
+                                        </p:tgtEl>
+                                        <p:attrNameLst>
+                                          <p:attrName>ppt_y</p:attrName>
+                                        </p:attrNameLst>
+                                      </p:cBhvr>
+                                      <p:tavLst>
+                                        <p:tav tm="0">
+                                          <p:val>
+                                            <p:strVal val="1+#ppt_h/2"/>
+                                          </p:val>
+                                        </p:tav>
+                                        <p:tav tm="100000">
+                                          <p:val>
+                                            <p:strVal val="#ppt_y"/>
+                                          </p:val>
+                                        </p:tav>
+                                      </p:tavLst>
+                                    </p:anim>
+                                  </p:childTnLst>
+                                </p:cTn>
+                              </p:par>
+                            </p:childTnLst>
+                          </p:cTn>
+                        </p:par>
+                      </p:childTnLst>
+                    </p:cTn>
+                  </p:par>
+                  <p:par>
+                    <p:cTn id="31" fill="hold">
+                      <p:stCondLst>
+                        <p:cond delay="indefinite"/>
+                      </p:stCondLst>
+                      <p:childTnLst>
+                        <p:par>
+                          <p:cTn id="32" fill="hold">
+                            <p:stCondLst>
+                              <p:cond delay="0"/>
+                            </p:stCondLst>
+                            <p:childTnLst>
+                              <p:par>
+                                <p:cTn id="33" presetID="2" presetClass="entr" presetSubtype="4" fill="hold" nodeType="clickEffect">
+                                  <p:stCondLst>
+                                    <p:cond delay="0"/>
+                                  </p:stCondLst>
+                                  <p:childTnLst>
+                                    <p:set>
+                                      <p:cBhvr>
+                                        <p:cTn id="34" dur="1" fill="hold">
+                                          <p:stCondLst>
+                                            <p:cond delay="0"/>
+                                          </p:stCondLst>
+                                        </p:cTn>
+                                        <p:tgtEl>
+                                          <p:spTgt spid="14"/>
+                                        </p:tgtEl>
+                                        <p:attrNameLst>
+                                          <p:attrName>style.visibility</p:attrName>
+                                        </p:attrNameLst>
+                                      </p:cBhvr>
+                                      <p:to>
+                                        <p:strVal val="visible"/>
+                                      </p:to>
+                                    </p:set>
+                                    <p:anim calcmode="lin" valueType="num">
+                                      <p:cBhvr additive="base">
+                                        <p:cTn id="35" dur="500" fill="hold"/>
+                                        <p:tgtEl>
+                                          <p:spTgt spid="14"/>
+                                        </p:tgtEl>
+                                        <p:attrNameLst>
+                                          <p:attrName>ppt_x</p:attrName>
+                                        </p:attrNameLst>
+                                      </p:cBhvr>
+                                      <p:tavLst>
+                                        <p:tav tm="0">
+                                          <p:val>
+                                            <p:strVal val="#ppt_x"/>
+                                          </p:val>
+                                        </p:tav>
+                                        <p:tav tm="100000">
+                                          <p:val>
+                                            <p:strVal val="#ppt_x"/>
+                                          </p:val>
+                                        </p:tav>
+                                      </p:tavLst>
+                                    </p:anim>
+                                    <p:anim calcmode="lin" valueType="num">
+                                      <p:cBhvr additive="base">
+                                        <p:cTn id="36" dur="500" fill="hold"/>
+                                        <p:tgtEl>
+                                          <p:spTgt spid="14"/>
+                                        </p:tgtEl>
+                                        <p:attrNameLst>
+                                          <p:attrName>ppt_y</p:attrName>
+                                        </p:attrNameLst>
+                                      </p:cBhvr>
+                                      <p:tavLst>
+                                        <p:tav tm="0">
+                                          <p:val>
+                                            <p:strVal val="1+#ppt_h/2"/>
+                                          </p:val>
+                                        </p:tav>
+                                        <p:tav tm="100000">
+                                          <p:val>
+                                            <p:strVal val="#ppt_y"/>
+                                          </p:val>
+                                        </p:tav>
+                                      </p:tavLst>
+                                    </p:anim>
+                                  </p:childTnLst>
+                                </p:cTn>
+                              </p:par>
+                              <p:par>
+                                <p:cTn id="37" presetID="2" presetClass="entr" presetSubtype="4" fill="hold" grpId="0" nodeType="withEffect">
+                                  <p:stCondLst>
+                                    <p:cond delay="0"/>
+                                  </p:stCondLst>
+                                  <p:childTnLst>
+                                    <p:set>
+                                      <p:cBhvr>
+                                        <p:cTn id="38" dur="1" fill="hold">
+                                          <p:stCondLst>
+                                            <p:cond delay="0"/>
+                                          </p:stCondLst>
+                                        </p:cTn>
+                                        <p:tgtEl>
+                                          <p:spTgt spid="7"/>
+                                        </p:tgtEl>
+                                        <p:attrNameLst>
+                                          <p:attrName>style.visibility</p:attrName>
+                                        </p:attrNameLst>
+                                      </p:cBhvr>
+                                      <p:to>
+                                        <p:strVal val="visible"/>
+                                      </p:to>
+                                    </p:set>
+                                    <p:anim calcmode="lin" valueType="num">
+                                      <p:cBhvr additive="base">
+                                        <p:cTn id="39" dur="500" fill="hold"/>
+                                        <p:tgtEl>
+                                          <p:spTgt spid="7"/>
+                                        </p:tgtEl>
+                                        <p:attrNameLst>
+                                          <p:attrName>ppt_x</p:attrName>
+                                        </p:attrNameLst>
+                                      </p:cBhvr>
+                                      <p:tavLst>
+                                        <p:tav tm="0">
+                                          <p:val>
+                                            <p:strVal val="#ppt_x"/>
+                                          </p:val>
+                                        </p:tav>
+                                        <p:tav tm="100000">
+                                          <p:val>
+                                            <p:strVal val="#ppt_x"/>
+                                          </p:val>
+                                        </p:tav>
+                                      </p:tavLst>
+                                    </p:anim>
+                                    <p:anim calcmode="lin" valueType="num">
+                                      <p:cBhvr additive="base">
+                                        <p:cTn id="40" dur="500" fill="hold"/>
+                                        <p:tgtEl>
+                                          <p:spTgt spid="7"/>
+                                        </p:tgtEl>
+                                        <p:attrNameLst>
+                                          <p:attrName>ppt_y</p:attrName>
+                                        </p:attrNameLst>
+                                      </p:cBhvr>
+                                      <p:tavLst>
+                                        <p:tav tm="0">
+                                          <p:val>
+                                            <p:strVal val="1+#ppt_h/2"/>
+                                          </p:val>
+                                        </p:tav>
+                                        <p:tav tm="100000">
+                                          <p:val>
+                                            <p:strVal val="#ppt_y"/>
+                                          </p:val>
+                                        </p:tav>
+                                      </p:tavLst>
+                                    </p:anim>
+                                  </p:childTnLst>
+                                </p:cTn>
+                              </p:par>
+                            </p:childTnLst>
+                          </p:cTn>
+                        </p:par>
+                      </p:childTnLst>
+                    </p:cTn>
+                  </p:par>
+                  <p:par>
+                    <p:cTn id="41" fill="hold">
+                      <p:stCondLst>
+                        <p:cond delay="indefinite"/>
+                      </p:stCondLst>
+                      <p:childTnLst>
+                        <p:par>
+                          <p:cTn id="42" fill="hold">
+                            <p:stCondLst>
+                              <p:cond delay="0"/>
+                            </p:stCondLst>
+                            <p:childTnLst>
+                              <p:par>
+                                <p:cTn id="43" presetID="2" presetClass="entr" presetSubtype="4" fill="hold" nodeType="clickEffect">
+                                  <p:stCondLst>
+                                    <p:cond delay="0"/>
+                                  </p:stCondLst>
+                                  <p:childTnLst>
+                                    <p:set>
+                                      <p:cBhvr>
+                                        <p:cTn id="44" dur="1" fill="hold">
+                                          <p:stCondLst>
+                                            <p:cond delay="0"/>
+                                          </p:stCondLst>
+                                        </p:cTn>
+                                        <p:tgtEl>
+                                          <p:spTgt spid="16"/>
+                                        </p:tgtEl>
+                                        <p:attrNameLst>
+                                          <p:attrName>style.visibility</p:attrName>
+                                        </p:attrNameLst>
+                                      </p:cBhvr>
+                                      <p:to>
+                                        <p:strVal val="visible"/>
+                                      </p:to>
+                                    </p:set>
+                                    <p:anim calcmode="lin" valueType="num">
+                                      <p:cBhvr additive="base">
+                                        <p:cTn id="45" dur="500" fill="hold"/>
+                                        <p:tgtEl>
+                                          <p:spTgt spid="16"/>
+                                        </p:tgtEl>
+                                        <p:attrNameLst>
+                                          <p:attrName>ppt_x</p:attrName>
+                                        </p:attrNameLst>
+                                      </p:cBhvr>
+                                      <p:tavLst>
+                                        <p:tav tm="0">
+                                          <p:val>
+                                            <p:strVal val="#ppt_x"/>
+                                          </p:val>
+                                        </p:tav>
+                                        <p:tav tm="100000">
+                                          <p:val>
+                                            <p:strVal val="#ppt_x"/>
+                                          </p:val>
+                                        </p:tav>
+                                      </p:tavLst>
+                                    </p:anim>
+                                    <p:anim calcmode="lin" valueType="num">
+                                      <p:cBhvr additive="base">
+                                        <p:cTn id="46" dur="500" fill="hold"/>
+                                        <p:tgtEl>
+                                          <p:spTgt spid="16"/>
+                                        </p:tgtEl>
+                                        <p:attrNameLst>
+                                          <p:attrName>ppt_y</p:attrName>
+                                        </p:attrNameLst>
+                                      </p:cBhvr>
+                                      <p:tavLst>
+                                        <p:tav tm="0">
+                                          <p:val>
+                                            <p:strVal val="1+#ppt_h/2"/>
+                                          </p:val>
+                                        </p:tav>
+                                        <p:tav tm="100000">
+                                          <p:val>
+                                            <p:strVal val="#ppt_y"/>
+                                          </p:val>
+                                        </p:tav>
+                                      </p:tavLst>
+                                    </p:anim>
+                                  </p:childTnLst>
+                                </p:cTn>
+                              </p:par>
+                              <p:par>
+                                <p:cTn id="47" presetID="2" presetClass="entr" presetSubtype="4" fill="hold" grpId="0" nodeType="withEffect">
+                                  <p:stCondLst>
+                                    <p:cond delay="0"/>
+                                  </p:stCondLst>
+                                  <p:childTnLst>
+                                    <p:set>
+                                      <p:cBhvr>
+                                        <p:cTn id="48" dur="1" fill="hold">
+                                          <p:stCondLst>
+                                            <p:cond delay="0"/>
+                                          </p:stCondLst>
+                                        </p:cTn>
+                                        <p:tgtEl>
+                                          <p:spTgt spid="11"/>
+                                        </p:tgtEl>
+                                        <p:attrNameLst>
+                                          <p:attrName>style.visibility</p:attrName>
+                                        </p:attrNameLst>
+                                      </p:cBhvr>
+                                      <p:to>
+                                        <p:strVal val="visible"/>
+                                      </p:to>
+                                    </p:set>
+                                    <p:anim calcmode="lin" valueType="num">
+                                      <p:cBhvr additive="base">
+                                        <p:cTn id="49" dur="500" fill="hold"/>
+                                        <p:tgtEl>
+                                          <p:spTgt spid="11"/>
+                                        </p:tgtEl>
+                                        <p:attrNameLst>
+                                          <p:attrName>ppt_x</p:attrName>
+                                        </p:attrNameLst>
+                                      </p:cBhvr>
+                                      <p:tavLst>
+                                        <p:tav tm="0">
+                                          <p:val>
+                                            <p:strVal val="#ppt_x"/>
+                                          </p:val>
+                                        </p:tav>
+                                        <p:tav tm="100000">
+                                          <p:val>
+                                            <p:strVal val="#ppt_x"/>
+                                          </p:val>
+                                        </p:tav>
+                                      </p:tavLst>
+                                    </p:anim>
+                                    <p:anim calcmode="lin" valueType="num">
+                                      <p:cBhvr additive="base">
+                                        <p:cTn id="50" dur="500" fill="hold"/>
+                                        <p:tgtEl>
+                                          <p:spTgt spid="11"/>
+                                        </p:tgtEl>
+                                        <p:attrNameLst>
+                                          <p:attrName>ppt_y</p:attrName>
+                                        </p:attrNameLst>
+                                      </p:cBhvr>
+                                      <p:tavLst>
+                                        <p:tav tm="0">
+                                          <p:val>
+                                            <p:strVal val="1+#ppt_h/2"/>
+                                          </p:val>
+                                        </p:tav>
+                                        <p:tav tm="100000">
+                                          <p:val>
+                                            <p:strVal val="#ppt_y"/>
+                                          </p:val>
+                                        </p:tav>
+                                      </p:tavLst>
+                                    </p:anim>
+                                  </p:childTnLst>
+                                </p:cTn>
+                              </p:par>
+                            </p:childTnLst>
+                          </p:cTn>
+                        </p:par>
+                      </p:childTnLst>
+                    </p:cTn>
+                  </p:par>
+                  <p:par>
+                    <p:cTn id="51" fill="hold">
+                      <p:stCondLst>
+                        <p:cond delay="indefinite"/>
+                      </p:stCondLst>
+                      <p:childTnLst>
+                        <p:par>
+                          <p:cTn id="52" fill="hold">
+                            <p:stCondLst>
+                              <p:cond delay="0"/>
+                            </p:stCondLst>
+                            <p:childTnLst>
+                              <p:par>
+                                <p:cTn id="53" presetID="2" presetClass="entr" presetSubtype="4" fill="hold" nodeType="clickEffect">
+                                  <p:stCondLst>
+                                    <p:cond delay="0"/>
+                                  </p:stCondLst>
+                                  <p:childTnLst>
+                                    <p:set>
+                                      <p:cBhvr>
+                                        <p:cTn id="54" dur="1" fill="hold">
+                                          <p:stCondLst>
+                                            <p:cond delay="0"/>
+                                          </p:stCondLst>
+                                        </p:cTn>
+                                        <p:tgtEl>
+                                          <p:spTgt spid="18"/>
+                                        </p:tgtEl>
+                                        <p:attrNameLst>
+                                          <p:attrName>style.visibility</p:attrName>
+                                        </p:attrNameLst>
+                                      </p:cBhvr>
+                                      <p:to>
+                                        <p:strVal val="visible"/>
+                                      </p:to>
+                                    </p:set>
+                                    <p:anim calcmode="lin" valueType="num">
+                                      <p:cBhvr additive="base">
+                                        <p:cTn id="55" dur="500" fill="hold"/>
+                                        <p:tgtEl>
+                                          <p:spTgt spid="18"/>
+                                        </p:tgtEl>
+                                        <p:attrNameLst>
+                                          <p:attrName>ppt_x</p:attrName>
+                                        </p:attrNameLst>
+                                      </p:cBhvr>
+                                      <p:tavLst>
+                                        <p:tav tm="0">
+                                          <p:val>
+                                            <p:strVal val="#ppt_x"/>
+                                          </p:val>
+                                        </p:tav>
+                                        <p:tav tm="100000">
+                                          <p:val>
+                                            <p:strVal val="#ppt_x"/>
+                                          </p:val>
+                                        </p:tav>
+                                      </p:tavLst>
+                                    </p:anim>
+                                    <p:anim calcmode="lin" valueType="num">
+                                      <p:cBhvr additive="base">
+                                        <p:cTn id="56" dur="500" fill="hold"/>
+                                        <p:tgtEl>
+                                          <p:spTgt spid="18"/>
+                                        </p:tgtEl>
+                                        <p:attrNameLst>
+                                          <p:attrName>ppt_y</p:attrName>
+                                        </p:attrNameLst>
+                                      </p:cBhvr>
+                                      <p:tavLst>
+                                        <p:tav tm="0">
+                                          <p:val>
+                                            <p:strVal val="1+#ppt_h/2"/>
+                                          </p:val>
+                                        </p:tav>
+                                        <p:tav tm="100000">
+                                          <p:val>
+                                            <p:strVal val="#ppt_y"/>
+                                          </p:val>
+                                        </p:tav>
+                                      </p:tavLst>
+                                    </p:anim>
+                                  </p:childTnLst>
+                                </p:cTn>
+                              </p:par>
+                              <p:par>
+                                <p:cTn id="57" presetID="2" presetClass="entr" presetSubtype="4" fill="hold" grpId="0" nodeType="withEffect">
+                                  <p:stCondLst>
+                                    <p:cond delay="0"/>
+                                  </p:stCondLst>
+                                  <p:childTnLst>
+                                    <p:set>
+                                      <p:cBhvr>
+                                        <p:cTn id="58" dur="1" fill="hold">
+                                          <p:stCondLst>
+                                            <p:cond delay="0"/>
+                                          </p:stCondLst>
+                                        </p:cTn>
+                                        <p:tgtEl>
+                                          <p:spTgt spid="8"/>
+                                        </p:tgtEl>
+                                        <p:attrNameLst>
+                                          <p:attrName>style.visibility</p:attrName>
+                                        </p:attrNameLst>
+                                      </p:cBhvr>
+                                      <p:to>
+                                        <p:strVal val="visible"/>
+                                      </p:to>
+                                    </p:set>
+                                    <p:anim calcmode="lin" valueType="num">
+                                      <p:cBhvr additive="base">
+                                        <p:cTn id="59" dur="500" fill="hold"/>
+                                        <p:tgtEl>
+                                          <p:spTgt spid="8"/>
+                                        </p:tgtEl>
+                                        <p:attrNameLst>
+                                          <p:attrName>ppt_x</p:attrName>
+                                        </p:attrNameLst>
+                                      </p:cBhvr>
+                                      <p:tavLst>
+                                        <p:tav tm="0">
+                                          <p:val>
+                                            <p:strVal val="#ppt_x"/>
+                                          </p:val>
+                                        </p:tav>
+                                        <p:tav tm="100000">
+                                          <p:val>
+                                            <p:strVal val="#ppt_x"/>
+                                          </p:val>
+                                        </p:tav>
+                                      </p:tavLst>
+                                    </p:anim>
+                                    <p:anim calcmode="lin" valueType="num">
+                                      <p:cBhvr additive="base">
+                                        <p:cTn id="60" dur="500" fill="hold"/>
+                                        <p:tgtEl>
+                                          <p:spTgt spid="8"/>
+                                        </p:tgtEl>
+                                        <p:attrNameLst>
+                                          <p:attrName>ppt_y</p:attrName>
+                                        </p:attrNameLst>
+                                      </p:cBhvr>
+                                      <p:tavLst>
+                                        <p:tav tm="0">
+                                          <p:val>
+                                            <p:strVal val="1+#ppt_h/2"/>
+                                          </p:val>
+                                        </p:tav>
+                                        <p:tav tm="100000">
+                                          <p:val>
+                                            <p:strVal val="#ppt_y"/>
+                                          </p:val>
+                                        </p:tav>
+                                      </p:tavLst>
+                                    </p:anim>
+                                  </p:childTnLst>
+                                </p:cTn>
+                              </p:par>
+                            </p:childTnLst>
+                          </p:cTn>
+                        </p:par>
+                      </p:childTnLst>
+                    </p:cTn>
+                  </p:par>
+                  <p:par>
+                    <p:cTn id="61" fill="hold">
+                      <p:stCondLst>
+                        <p:cond delay="indefinite"/>
+                      </p:stCondLst>
+                      <p:childTnLst>
+                        <p:par>
+                          <p:cTn id="62" fill="hold">
+                            <p:stCondLst>
+                              <p:cond delay="0"/>
+                            </p:stCondLst>
+                            <p:childTnLst>
+                              <p:par>
+                                <p:cTn id="63" presetID="2" presetClass="entr" presetSubtype="4" fill="hold" nodeType="clickEffect">
+                                  <p:stCondLst>
+                                    <p:cond delay="0"/>
+                                  </p:stCondLst>
+                                  <p:childTnLst>
+                                    <p:set>
+                                      <p:cBhvr>
+                                        <p:cTn id="64" dur="1" fill="hold">
+                                          <p:stCondLst>
+                                            <p:cond delay="0"/>
+                                          </p:stCondLst>
+                                        </p:cTn>
+                                        <p:tgtEl>
+                                          <p:spTgt spid="4"/>
+                                        </p:tgtEl>
+                                        <p:attrNameLst>
+                                          <p:attrName>style.visibility</p:attrName>
+                                        </p:attrNameLst>
+                                      </p:cBhvr>
+                                      <p:to>
+                                        <p:strVal val="visible"/>
+                                      </p:to>
+                                    </p:set>
+                                    <p:anim calcmode="lin" valueType="num">
+                                      <p:cBhvr additive="base">
+                                        <p:cTn id="65" dur="500" fill="hold"/>
+                                        <p:tgtEl>
+                                          <p:spTgt spid="4"/>
+                                        </p:tgtEl>
+                                        <p:attrNameLst>
+                                          <p:attrName>ppt_x</p:attrName>
+                                        </p:attrNameLst>
+                                      </p:cBhvr>
+                                      <p:tavLst>
+                                        <p:tav tm="0">
+                                          <p:val>
+                                            <p:strVal val="#ppt_x"/>
+                                          </p:val>
+                                        </p:tav>
+                                        <p:tav tm="100000">
+                                          <p:val>
+                                            <p:strVal val="#ppt_x"/>
+                                          </p:val>
+                                        </p:tav>
+                                      </p:tavLst>
+                                    </p:anim>
+                                    <p:anim calcmode="lin" valueType="num">
+                                      <p:cBhvr additive="base">
+                                        <p:cTn id="66" dur="500" fill="hold"/>
+                                        <p:tgtEl>
+                                          <p:spTgt spid="4"/>
                                         </p:tgtEl>
                                         <p:attrNameLst>
                                           <p:attrName>ppt_y</p:attrName>
@@ -10417,15 +10344,20 @@
       </p:par>
     </p:tnLst>
     <p:bldLst>
+      <p:bldP spid="5" grpId="0"/>
+      <p:bldP spid="7" grpId="0"/>
+      <p:bldP spid="8" grpId="0"/>
       <p:bldP spid="3" grpId="0"/>
-      <p:bldP spid="4" grpId="0"/>
-      <p:bldP spid="5" grpId="0"/>
+      <p:bldP spid="9" grpId="0"/>
+      <p:bldP spid="10" grpId="0"/>
+      <p:bldP spid="11" grpId="0"/>
+      <p:bldP spid="12" grpId="0" animBg="1"/>
     </p:bldLst>
   </p:timing>
 </p:sld>
 </file>
 
-<file path=ppt/slides/slide19.xml><?xml version="1.0" encoding="utf-8"?>
+<file path=ppt/slides/slide15.xml><?xml version="1.0" encoding="utf-8"?>
 <p:sld xmlns:a="http://schemas.openxmlformats.org/drawingml/2006/main" xmlns:r="http://schemas.openxmlformats.org/officeDocument/2006/relationships" xmlns:p="http://schemas.openxmlformats.org/presentationml/2006/main">
   <p:cSld>
     <p:spTree>
@@ -10454,8 +10386,8 @@
         </p:nvSpPr>
         <p:spPr>
           <a:xfrm>
-            <a:off x="3255390" y="212785"/>
-            <a:ext cx="8393926" cy="1253706"/>
+            <a:off x="3132676" y="454715"/>
+            <a:ext cx="6804954" cy="976312"/>
           </a:xfrm>
         </p:spPr>
         <p:txBody>
@@ -10465,26 +10397,39 @@
           <a:lstStyle/>
           <a:p>
             <a:r>
+              <a:rPr lang="fr-FR" sz="4000" dirty="0"/>
+              <a:t>Rendu final de l’application</a:t>
+            </a:r>
+            <a:r>
               <a:rPr lang="fr-FR" dirty="0"/>
-              <a:t>Vérification du site</a:t>
+              <a:t/>
             </a:r>
             <a:br>
               <a:rPr lang="fr-FR" dirty="0"/>
             </a:br>
+            <a:r>
+              <a:rPr lang="fr-FR" sz="2200" dirty="0"/>
+              <a:t/>
+            </a:r>
+            <a:br>
+              <a:rPr lang="fr-FR" sz="2200" dirty="0"/>
+            </a:br>
             <a:endParaRPr lang="fr-FR" dirty="0"/>
           </a:p>
         </p:txBody>
       </p:sp>
       <p:pic>
         <p:nvPicPr>
-          <p:cNvPr id="5" name="Image 4"/>
+          <p:cNvPr id="3" name="Image 2">
+            <a:hlinkClick r:id="rId2" action="ppaction://hlinkfile"/>
+          </p:cNvPr>
           <p:cNvPicPr>
             <a:picLocks noChangeAspect="1"/>
           </p:cNvPicPr>
           <p:nvPr/>
         </p:nvPicPr>
         <p:blipFill>
-          <a:blip r:embed="rId2">
+          <a:blip r:embed="rId3">
             <a:extLst>
               <a:ext uri="{28A0092B-C50C-407E-A947-70E740481C1C}">
                 <a14:useLocalDpi xmlns:a14="http://schemas.microsoft.com/office/drawing/2010/main" val="0"/>
@@ -10497,47 +10442,116 @@
         </p:blipFill>
         <p:spPr>
           <a:xfrm>
-            <a:off x="534839" y="2146344"/>
-            <a:ext cx="5193101" cy="2962128"/>
+            <a:off x="4983383" y="1093839"/>
+            <a:ext cx="2349070" cy="5550885"/>
           </a:xfrm>
           <a:prstGeom prst="rect">
             <a:avLst/>
           </a:prstGeom>
         </p:spPr>
       </p:pic>
-      <p:sp>
-        <p:nvSpPr>
-          <p:cNvPr id="6" name="ZoneTexte 5"/>
-          <p:cNvSpPr txBox="1"/>
-          <p:nvPr/>
+    </p:spTree>
+    <p:extLst>
+      <p:ext uri="{BB962C8B-B14F-4D97-AF65-F5344CB8AC3E}">
+        <p14:creationId xmlns:p14="http://schemas.microsoft.com/office/powerpoint/2010/main" val="1724808349"/>
+      </p:ext>
+    </p:extLst>
+  </p:cSld>
+  <p:clrMapOvr>
+    <a:masterClrMapping/>
+  </p:clrMapOvr>
+  <p:timing>
+    <p:tnLst>
+      <p:par>
+        <p:cTn id="1" dur="indefinite" restart="never" nodeType="tmRoot"/>
+      </p:par>
+    </p:tnLst>
+  </p:timing>
+</p:sld>
+</file>
+
+<file path=ppt/slides/slide16.xml><?xml version="1.0" encoding="utf-8"?>
+<p:sld xmlns:a="http://schemas.openxmlformats.org/drawingml/2006/main" xmlns:r="http://schemas.openxmlformats.org/officeDocument/2006/relationships" xmlns:p="http://schemas.openxmlformats.org/presentationml/2006/main">
+  <p:cSld>
+    <p:spTree>
+      <p:nvGrpSpPr>
+        <p:cNvPr id="1" name=""/>
+        <p:cNvGrpSpPr/>
+        <p:nvPr/>
+      </p:nvGrpSpPr>
+      <p:grpSpPr>
+        <a:xfrm>
+          <a:off x="0" y="0"/>
+          <a:ext cx="0" cy="0"/>
+          <a:chOff x="0" y="0"/>
+          <a:chExt cx="0" cy="0"/>
+        </a:xfrm>
+      </p:grpSpPr>
+      <p:sp>
+        <p:nvSpPr>
+          <p:cNvPr id="2" name="Titre 1"/>
+          <p:cNvSpPr>
+            <a:spLocks noGrp="1"/>
+          </p:cNvSpPr>
+          <p:nvPr>
+            <p:ph type="title"/>
+          </p:nvPr>
         </p:nvSpPr>
         <p:spPr>
           <a:xfrm>
-            <a:off x="2191109" y="5788325"/>
-            <a:ext cx="7789653" cy="369332"/>
-          </a:xfrm>
-          <a:prstGeom prst="rect">
+            <a:off x="3220885" y="437072"/>
+            <a:ext cx="8393926" cy="1529751"/>
+          </a:xfrm>
+        </p:spPr>
+        <p:txBody>
+          <a:bodyPr>
+            <a:normAutofit fontScale="90000"/>
+          </a:bodyPr>
+          <a:lstStyle/>
+          <a:p>
+            <a:r>
+              <a:rPr lang="fr-FR" dirty="0"/>
+              <a:t>Compatibilité navigateurs</a:t>
+            </a:r>
+            <a:br>
+              <a:rPr lang="fr-FR" dirty="0"/>
+            </a:br>
+            <a:endParaRPr lang="fr-FR" dirty="0"/>
+          </a:p>
+        </p:txBody>
+      </p:sp>
+      <p:pic>
+        <p:nvPicPr>
+          <p:cNvPr id="6" name="Image 5"/>
+          <p:cNvPicPr>
+            <a:picLocks noChangeAspect="1"/>
+          </p:cNvPicPr>
+          <p:nvPr/>
+        </p:nvPicPr>
+        <p:blipFill rotWithShape="1">
+          <a:blip r:embed="rId2">
+            <a:extLst>
+              <a:ext uri="{28A0092B-C50C-407E-A947-70E740481C1C}">
+                <a14:useLocalDpi xmlns:a14="http://schemas.microsoft.com/office/drawing/2010/main" val="0"/>
+              </a:ext>
+            </a:extLst>
+          </a:blip>
+          <a:srcRect l="23904" t="2576" r="24714" b="6608"/>
+          <a:stretch/>
+        </p:blipFill>
+        <p:spPr>
+          <a:xfrm>
+            <a:off x="1957098" y="1709784"/>
+            <a:ext cx="2140450" cy="2020824"/>
+          </a:xfrm>
+          <a:prstGeom prst="ellipse">
             <a:avLst/>
           </a:prstGeom>
-          <a:noFill/>
-        </p:spPr>
-        <p:txBody>
-          <a:bodyPr wrap="square" rtlCol="0">
-            <a:spAutoFit/>
-          </a:bodyPr>
-          <a:lstStyle/>
-          <a:p>
-            <a:r>
-              <a:rPr lang="fr-FR" dirty="0" smtClean="0"/>
-              <a:t>3 erreurs corrigées</a:t>
-            </a:r>
-            <a:endParaRPr lang="fr-FR" dirty="0"/>
-          </a:p>
-        </p:txBody>
-      </p:sp>
+        </p:spPr>
+      </p:pic>
       <p:pic>
         <p:nvPicPr>
-          <p:cNvPr id="3" name="Image 2"/>
+          <p:cNvPr id="8" name="Image 7"/>
           <p:cNvPicPr>
             <a:picLocks noChangeAspect="1"/>
           </p:cNvPicPr>
@@ -10551,13 +10565,43 @@
               </a:ext>
             </a:extLst>
           </a:blip>
-          <a:srcRect r="30275"/>
+          <a:srcRect l="4508" t="1270" r="4009" b="216"/>
           <a:stretch/>
         </p:blipFill>
         <p:spPr>
           <a:xfrm>
-            <a:off x="6262778" y="2586291"/>
-            <a:ext cx="5628078" cy="1822332"/>
+            <a:off x="5067265" y="1709784"/>
+            <a:ext cx="2132232" cy="2020824"/>
+          </a:xfrm>
+          <a:prstGeom prst="flowChartConnector">
+            <a:avLst/>
+          </a:prstGeom>
+        </p:spPr>
+      </p:pic>
+      <p:pic>
+        <p:nvPicPr>
+          <p:cNvPr id="9" name="Image 8"/>
+          <p:cNvPicPr>
+            <a:picLocks noChangeAspect="1"/>
+          </p:cNvPicPr>
+          <p:nvPr/>
+        </p:nvPicPr>
+        <p:blipFill>
+          <a:blip r:embed="rId4">
+            <a:extLst>
+              <a:ext uri="{28A0092B-C50C-407E-A947-70E740481C1C}">
+                <a14:useLocalDpi xmlns:a14="http://schemas.microsoft.com/office/drawing/2010/main" val="0"/>
+              </a:ext>
+            </a:extLst>
+          </a:blip>
+          <a:stretch>
+            <a:fillRect/>
+          </a:stretch>
+        </p:blipFill>
+        <p:spPr>
+          <a:xfrm>
+            <a:off x="8842996" y="1709784"/>
+            <a:ext cx="2221992" cy="2020824"/>
           </a:xfrm>
           <a:prstGeom prst="rect">
             <a:avLst/>
@@ -10566,14 +10610,14 @@
       </p:pic>
       <p:sp>
         <p:nvSpPr>
-          <p:cNvPr id="4" name="ZoneTexte 3"/>
+          <p:cNvPr id="10" name="ZoneTexte 9"/>
           <p:cNvSpPr txBox="1"/>
           <p:nvPr/>
         </p:nvSpPr>
         <p:spPr>
           <a:xfrm>
-            <a:off x="7513607" y="5788325"/>
-            <a:ext cx="3657600" cy="369332"/>
+            <a:off x="4765962" y="5332935"/>
+            <a:ext cx="2734837" cy="369332"/>
           </a:xfrm>
           <a:prstGeom prst="rect">
             <a:avLst/>
@@ -10588,7 +10632,97 @@
           <a:p>
             <a:r>
               <a:rPr lang="fr-FR" dirty="0" smtClean="0"/>
-              <a:t>1 erreur et avertissements</a:t>
+              <a:t>Rendu final conforme </a:t>
+            </a:r>
+            <a:endParaRPr lang="fr-FR" dirty="0"/>
+          </a:p>
+        </p:txBody>
+      </p:sp>
+      <p:sp>
+        <p:nvSpPr>
+          <p:cNvPr id="3" name="ZoneTexte 2"/>
+          <p:cNvSpPr txBox="1"/>
+          <p:nvPr/>
+        </p:nvSpPr>
+        <p:spPr>
+          <a:xfrm>
+            <a:off x="5473460" y="3864634"/>
+            <a:ext cx="1319842" cy="369332"/>
+          </a:xfrm>
+          <a:prstGeom prst="rect">
+            <a:avLst/>
+          </a:prstGeom>
+          <a:noFill/>
+        </p:spPr>
+        <p:txBody>
+          <a:bodyPr wrap="square" rtlCol="0">
+            <a:spAutoFit/>
+          </a:bodyPr>
+          <a:lstStyle/>
+          <a:p>
+            <a:r>
+              <a:rPr lang="fr-FR" dirty="0" smtClean="0"/>
+              <a:t>Version 42</a:t>
+            </a:r>
+            <a:endParaRPr lang="fr-FR" dirty="0"/>
+          </a:p>
+        </p:txBody>
+      </p:sp>
+      <p:sp>
+        <p:nvSpPr>
+          <p:cNvPr id="11" name="ZoneTexte 10"/>
+          <p:cNvSpPr txBox="1"/>
+          <p:nvPr/>
+        </p:nvSpPr>
+        <p:spPr>
+          <a:xfrm>
+            <a:off x="2367402" y="3864634"/>
+            <a:ext cx="1319842" cy="369332"/>
+          </a:xfrm>
+          <a:prstGeom prst="rect">
+            <a:avLst/>
+          </a:prstGeom>
+          <a:noFill/>
+        </p:spPr>
+        <p:txBody>
+          <a:bodyPr wrap="square" rtlCol="0">
+            <a:spAutoFit/>
+          </a:bodyPr>
+          <a:lstStyle/>
+          <a:p>
+            <a:r>
+              <a:rPr lang="fr-FR" dirty="0" smtClean="0"/>
+              <a:t>Version 67</a:t>
+            </a:r>
+            <a:endParaRPr lang="fr-FR" dirty="0"/>
+          </a:p>
+        </p:txBody>
+      </p:sp>
+      <p:sp>
+        <p:nvSpPr>
+          <p:cNvPr id="12" name="ZoneTexte 11"/>
+          <p:cNvSpPr txBox="1"/>
+          <p:nvPr/>
+        </p:nvSpPr>
+        <p:spPr>
+          <a:xfrm>
+            <a:off x="9294071" y="3864634"/>
+            <a:ext cx="1319842" cy="369332"/>
+          </a:xfrm>
+          <a:prstGeom prst="rect">
+            <a:avLst/>
+          </a:prstGeom>
+          <a:noFill/>
+        </p:spPr>
+        <p:txBody>
+          <a:bodyPr wrap="square" rtlCol="0">
+            <a:spAutoFit/>
+          </a:bodyPr>
+          <a:lstStyle/>
+          <a:p>
+            <a:r>
+              <a:rPr lang="fr-FR" dirty="0" smtClean="0"/>
+              <a:t>Version 61</a:t>
             </a:r>
             <a:endParaRPr lang="fr-FR" dirty="0"/>
           </a:p>
@@ -10597,7 +10731,7 @@
     </p:spTree>
     <p:extLst>
       <p:ext uri="{BB962C8B-B14F-4D97-AF65-F5344CB8AC3E}">
-        <p14:creationId xmlns:p14="http://schemas.microsoft.com/office/powerpoint/2010/main" val="3719449094"/>
+        <p14:creationId xmlns:p14="http://schemas.microsoft.com/office/powerpoint/2010/main" val="3313535623"/>
       </p:ext>
     </p:extLst>
   </p:cSld>
@@ -10625,7 +10759,7 @@
                             </p:stCondLst>
                             <p:childTnLst>
                               <p:par>
-                                <p:cTn id="5" presetID="42" presetClass="entr" presetSubtype="0" fill="hold" nodeType="clickEffect">
+                                <p:cTn id="5" presetID="6" presetClass="entr" presetSubtype="16" fill="hold" nodeType="clickEffect">
                                   <p:stCondLst>
                                     <p:cond delay="0"/>
                                   </p:stCondLst>
@@ -10638,7 +10772,7 @@
                                           </p:stCondLst>
                                         </p:cTn>
                                         <p:tgtEl>
-                                          <p:spTgt spid="5"/>
+                                          <p:spTgt spid="6"/>
                                         </p:tgtEl>
                                         <p:attrNameLst>
                                           <p:attrName>style.visibility</p:attrName>
@@ -10648,19 +10782,681 @@
                                         <p:strVal val="visible"/>
                                       </p:to>
                                     </p:set>
-                                    <p:animEffect transition="in" filter="fade">
+                                    <p:animEffect transition="in" filter="circle(in)">
                                       <p:cBhvr>
-                                        <p:cTn id="7" dur="500"/>
-                                        <p:tgtEl>
-                                          <p:spTgt spid="5"/>
+                                        <p:cTn id="7" dur="750"/>
+                                        <p:tgtEl>
+                                          <p:spTgt spid="6"/>
                                         </p:tgtEl>
                                       </p:cBhvr>
                                     </p:animEffect>
+                                  </p:childTnLst>
+                                </p:cTn>
+                              </p:par>
+                              <p:par>
+                                <p:cTn id="8" presetID="6" presetClass="entr" presetSubtype="16" fill="hold" grpId="0" nodeType="withEffect">
+                                  <p:stCondLst>
+                                    <p:cond delay="0"/>
+                                  </p:stCondLst>
+                                  <p:childTnLst>
+                                    <p:set>
+                                      <p:cBhvr>
+                                        <p:cTn id="9" dur="1" fill="hold">
+                                          <p:stCondLst>
+                                            <p:cond delay="0"/>
+                                          </p:stCondLst>
+                                        </p:cTn>
+                                        <p:tgtEl>
+                                          <p:spTgt spid="11"/>
+                                        </p:tgtEl>
+                                        <p:attrNameLst>
+                                          <p:attrName>style.visibility</p:attrName>
+                                        </p:attrNameLst>
+                                      </p:cBhvr>
+                                      <p:to>
+                                        <p:strVal val="visible"/>
+                                      </p:to>
+                                    </p:set>
+                                    <p:animEffect transition="in" filter="circle(in)">
+                                      <p:cBhvr>
+                                        <p:cTn id="10" dur="750"/>
+                                        <p:tgtEl>
+                                          <p:spTgt spid="11"/>
+                                        </p:tgtEl>
+                                      </p:cBhvr>
+                                    </p:animEffect>
+                                  </p:childTnLst>
+                                </p:cTn>
+                              </p:par>
+                            </p:childTnLst>
+                          </p:cTn>
+                        </p:par>
+                      </p:childTnLst>
+                    </p:cTn>
+                  </p:par>
+                  <p:par>
+                    <p:cTn id="11" fill="hold">
+                      <p:stCondLst>
+                        <p:cond delay="indefinite"/>
+                      </p:stCondLst>
+                      <p:childTnLst>
+                        <p:par>
+                          <p:cTn id="12" fill="hold">
+                            <p:stCondLst>
+                              <p:cond delay="0"/>
+                            </p:stCondLst>
+                            <p:childTnLst>
+                              <p:par>
+                                <p:cTn id="13" presetID="6" presetClass="entr" presetSubtype="16" fill="hold" nodeType="clickEffect">
+                                  <p:stCondLst>
+                                    <p:cond delay="0"/>
+                                  </p:stCondLst>
+                                  <p:childTnLst>
+                                    <p:set>
+                                      <p:cBhvr>
+                                        <p:cTn id="14" dur="1" fill="hold">
+                                          <p:stCondLst>
+                                            <p:cond delay="0"/>
+                                          </p:stCondLst>
+                                        </p:cTn>
+                                        <p:tgtEl>
+                                          <p:spTgt spid="8"/>
+                                        </p:tgtEl>
+                                        <p:attrNameLst>
+                                          <p:attrName>style.visibility</p:attrName>
+                                        </p:attrNameLst>
+                                      </p:cBhvr>
+                                      <p:to>
+                                        <p:strVal val="visible"/>
+                                      </p:to>
+                                    </p:set>
+                                    <p:animEffect transition="in" filter="circle(in)">
+                                      <p:cBhvr>
+                                        <p:cTn id="15" dur="750"/>
+                                        <p:tgtEl>
+                                          <p:spTgt spid="8"/>
+                                        </p:tgtEl>
+                                      </p:cBhvr>
+                                    </p:animEffect>
+                                  </p:childTnLst>
+                                </p:cTn>
+                              </p:par>
+                              <p:par>
+                                <p:cTn id="16" presetID="6" presetClass="entr" presetSubtype="16" fill="hold" grpId="0" nodeType="withEffect">
+                                  <p:stCondLst>
+                                    <p:cond delay="0"/>
+                                  </p:stCondLst>
+                                  <p:childTnLst>
+                                    <p:set>
+                                      <p:cBhvr>
+                                        <p:cTn id="17" dur="1" fill="hold">
+                                          <p:stCondLst>
+                                            <p:cond delay="0"/>
+                                          </p:stCondLst>
+                                        </p:cTn>
+                                        <p:tgtEl>
+                                          <p:spTgt spid="3"/>
+                                        </p:tgtEl>
+                                        <p:attrNameLst>
+                                          <p:attrName>style.visibility</p:attrName>
+                                        </p:attrNameLst>
+                                      </p:cBhvr>
+                                      <p:to>
+                                        <p:strVal val="visible"/>
+                                      </p:to>
+                                    </p:set>
+                                    <p:animEffect transition="in" filter="circle(in)">
+                                      <p:cBhvr>
+                                        <p:cTn id="18" dur="750"/>
+                                        <p:tgtEl>
+                                          <p:spTgt spid="3"/>
+                                        </p:tgtEl>
+                                      </p:cBhvr>
+                                    </p:animEffect>
+                                  </p:childTnLst>
+                                </p:cTn>
+                              </p:par>
+                            </p:childTnLst>
+                          </p:cTn>
+                        </p:par>
+                      </p:childTnLst>
+                    </p:cTn>
+                  </p:par>
+                  <p:par>
+                    <p:cTn id="19" fill="hold">
+                      <p:stCondLst>
+                        <p:cond delay="indefinite"/>
+                      </p:stCondLst>
+                      <p:childTnLst>
+                        <p:par>
+                          <p:cTn id="20" fill="hold">
+                            <p:stCondLst>
+                              <p:cond delay="0"/>
+                            </p:stCondLst>
+                            <p:childTnLst>
+                              <p:par>
+                                <p:cTn id="21" presetID="6" presetClass="entr" presetSubtype="16" fill="hold" nodeType="clickEffect">
+                                  <p:stCondLst>
+                                    <p:cond delay="0"/>
+                                  </p:stCondLst>
+                                  <p:childTnLst>
+                                    <p:set>
+                                      <p:cBhvr>
+                                        <p:cTn id="22" dur="1" fill="hold">
+                                          <p:stCondLst>
+                                            <p:cond delay="0"/>
+                                          </p:stCondLst>
+                                        </p:cTn>
+                                        <p:tgtEl>
+                                          <p:spTgt spid="9"/>
+                                        </p:tgtEl>
+                                        <p:attrNameLst>
+                                          <p:attrName>style.visibility</p:attrName>
+                                        </p:attrNameLst>
+                                      </p:cBhvr>
+                                      <p:to>
+                                        <p:strVal val="visible"/>
+                                      </p:to>
+                                    </p:set>
+                                    <p:animEffect transition="in" filter="circle(in)">
+                                      <p:cBhvr>
+                                        <p:cTn id="23" dur="750"/>
+                                        <p:tgtEl>
+                                          <p:spTgt spid="9"/>
+                                        </p:tgtEl>
+                                      </p:cBhvr>
+                                    </p:animEffect>
+                                  </p:childTnLst>
+                                </p:cTn>
+                              </p:par>
+                              <p:par>
+                                <p:cTn id="24" presetID="6" presetClass="entr" presetSubtype="16" fill="hold" grpId="0" nodeType="withEffect">
+                                  <p:stCondLst>
+                                    <p:cond delay="0"/>
+                                  </p:stCondLst>
+                                  <p:childTnLst>
+                                    <p:set>
+                                      <p:cBhvr>
+                                        <p:cTn id="25" dur="1" fill="hold">
+                                          <p:stCondLst>
+                                            <p:cond delay="0"/>
+                                          </p:stCondLst>
+                                        </p:cTn>
+                                        <p:tgtEl>
+                                          <p:spTgt spid="12"/>
+                                        </p:tgtEl>
+                                        <p:attrNameLst>
+                                          <p:attrName>style.visibility</p:attrName>
+                                        </p:attrNameLst>
+                                      </p:cBhvr>
+                                      <p:to>
+                                        <p:strVal val="visible"/>
+                                      </p:to>
+                                    </p:set>
+                                    <p:animEffect transition="in" filter="circle(in)">
+                                      <p:cBhvr>
+                                        <p:cTn id="26" dur="750"/>
+                                        <p:tgtEl>
+                                          <p:spTgt spid="12"/>
+                                        </p:tgtEl>
+                                      </p:cBhvr>
+                                    </p:animEffect>
+                                  </p:childTnLst>
+                                </p:cTn>
+                              </p:par>
+                            </p:childTnLst>
+                          </p:cTn>
+                        </p:par>
+                      </p:childTnLst>
+                    </p:cTn>
+                  </p:par>
+                  <p:par>
+                    <p:cTn id="27" fill="hold">
+                      <p:stCondLst>
+                        <p:cond delay="indefinite"/>
+                      </p:stCondLst>
+                      <p:childTnLst>
+                        <p:par>
+                          <p:cTn id="28" fill="hold">
+                            <p:stCondLst>
+                              <p:cond delay="0"/>
+                            </p:stCondLst>
+                            <p:childTnLst>
+                              <p:par>
+                                <p:cTn id="29" presetID="6" presetClass="entr" presetSubtype="16" fill="hold" grpId="0" nodeType="clickEffect">
+                                  <p:stCondLst>
+                                    <p:cond delay="0"/>
+                                  </p:stCondLst>
+                                  <p:childTnLst>
+                                    <p:set>
+                                      <p:cBhvr>
+                                        <p:cTn id="30" dur="1" fill="hold">
+                                          <p:stCondLst>
+                                            <p:cond delay="0"/>
+                                          </p:stCondLst>
+                                        </p:cTn>
+                                        <p:tgtEl>
+                                          <p:spTgt spid="10"/>
+                                        </p:tgtEl>
+                                        <p:attrNameLst>
+                                          <p:attrName>style.visibility</p:attrName>
+                                        </p:attrNameLst>
+                                      </p:cBhvr>
+                                      <p:to>
+                                        <p:strVal val="visible"/>
+                                      </p:to>
+                                    </p:set>
+                                    <p:animEffect transition="in" filter="circle(in)">
+                                      <p:cBhvr>
+                                        <p:cTn id="31" dur="750"/>
+                                        <p:tgtEl>
+                                          <p:spTgt spid="10"/>
+                                        </p:tgtEl>
+                                      </p:cBhvr>
+                                    </p:animEffect>
+                                  </p:childTnLst>
+                                </p:cTn>
+                              </p:par>
+                            </p:childTnLst>
+                          </p:cTn>
+                        </p:par>
+                      </p:childTnLst>
+                    </p:cTn>
+                  </p:par>
+                </p:childTnLst>
+              </p:cTn>
+              <p:prevCondLst>
+                <p:cond evt="onPrev" delay="0">
+                  <p:tgtEl>
+                    <p:sldTgt/>
+                  </p:tgtEl>
+                </p:cond>
+              </p:prevCondLst>
+              <p:nextCondLst>
+                <p:cond evt="onNext" delay="0">
+                  <p:tgtEl>
+                    <p:sldTgt/>
+                  </p:tgtEl>
+                </p:cond>
+              </p:nextCondLst>
+            </p:seq>
+          </p:childTnLst>
+        </p:cTn>
+      </p:par>
+    </p:tnLst>
+    <p:bldLst>
+      <p:bldP spid="10" grpId="0"/>
+      <p:bldP spid="3" grpId="0"/>
+      <p:bldP spid="11" grpId="0"/>
+      <p:bldP spid="12" grpId="0"/>
+    </p:bldLst>
+  </p:timing>
+</p:sld>
+</file>
+
+<file path=ppt/slides/slide17.xml><?xml version="1.0" encoding="utf-8"?>
+<p:sld xmlns:a="http://schemas.openxmlformats.org/drawingml/2006/main" xmlns:r="http://schemas.openxmlformats.org/officeDocument/2006/relationships" xmlns:p="http://schemas.openxmlformats.org/presentationml/2006/main">
+  <p:cSld>
+    <p:spTree>
+      <p:nvGrpSpPr>
+        <p:cNvPr id="1" name=""/>
+        <p:cNvGrpSpPr/>
+        <p:nvPr/>
+      </p:nvGrpSpPr>
+      <p:grpSpPr>
+        <a:xfrm>
+          <a:off x="0" y="0"/>
+          <a:ext cx="0" cy="0"/>
+          <a:chOff x="0" y="0"/>
+          <a:chExt cx="0" cy="0"/>
+        </a:xfrm>
+      </p:grpSpPr>
+      <p:sp>
+        <p:nvSpPr>
+          <p:cNvPr id="5" name="Titre 1"/>
+          <p:cNvSpPr>
+            <a:spLocks noGrp="1"/>
+          </p:cNvSpPr>
+          <p:nvPr>
+            <p:ph type="title"/>
+          </p:nvPr>
+        </p:nvSpPr>
+        <p:spPr>
+          <a:xfrm>
+            <a:off x="1141413" y="618518"/>
+            <a:ext cx="9905998" cy="3435897"/>
+          </a:xfrm>
+        </p:spPr>
+        <p:txBody>
+          <a:bodyPr>
+            <a:normAutofit/>
+          </a:bodyPr>
+          <a:lstStyle/>
+          <a:p>
+            <a:pPr algn="ctr"/>
+            <a:r>
+              <a:rPr lang="fr-FR" sz="8800" b="1" i="1" dirty="0"/>
+              <a:t>Conclusion</a:t>
+            </a:r>
+            <a:endParaRPr lang="fr-FR" sz="8800" dirty="0"/>
+          </a:p>
+        </p:txBody>
+      </p:sp>
+    </p:spTree>
+    <p:extLst>
+      <p:ext uri="{BB962C8B-B14F-4D97-AF65-F5344CB8AC3E}">
+        <p14:creationId xmlns:p14="http://schemas.microsoft.com/office/powerpoint/2010/main" val="2017449376"/>
+      </p:ext>
+    </p:extLst>
+  </p:cSld>
+  <p:clrMapOvr>
+    <a:masterClrMapping/>
+  </p:clrMapOvr>
+  <p:timing>
+    <p:tnLst>
+      <p:par>
+        <p:cTn id="1" dur="indefinite" restart="never" nodeType="tmRoot"/>
+      </p:par>
+    </p:tnLst>
+  </p:timing>
+</p:sld>
+</file>
+
+<file path=ppt/slides/slide18.xml><?xml version="1.0" encoding="utf-8"?>
+<p:sld xmlns:a="http://schemas.openxmlformats.org/drawingml/2006/main" xmlns:r="http://schemas.openxmlformats.org/officeDocument/2006/relationships" xmlns:p="http://schemas.openxmlformats.org/presentationml/2006/main">
+  <p:cSld>
+    <p:spTree>
+      <p:nvGrpSpPr>
+        <p:cNvPr id="1" name=""/>
+        <p:cNvGrpSpPr/>
+        <p:nvPr/>
+      </p:nvGrpSpPr>
+      <p:grpSpPr>
+        <a:xfrm>
+          <a:off x="0" y="0"/>
+          <a:ext cx="0" cy="0"/>
+          <a:chOff x="0" y="0"/>
+          <a:chExt cx="0" cy="0"/>
+        </a:xfrm>
+      </p:grpSpPr>
+      <p:sp>
+        <p:nvSpPr>
+          <p:cNvPr id="2" name="Titre 1"/>
+          <p:cNvSpPr>
+            <a:spLocks noGrp="1"/>
+          </p:cNvSpPr>
+          <p:nvPr>
+            <p:ph type="title"/>
+          </p:nvPr>
+        </p:nvSpPr>
+        <p:spPr>
+          <a:xfrm>
+            <a:off x="2827564" y="587678"/>
+            <a:ext cx="8911687" cy="1280890"/>
+          </a:xfrm>
+        </p:spPr>
+        <p:txBody>
+          <a:bodyPr/>
+          <a:lstStyle/>
+          <a:p>
+            <a:r>
+              <a:rPr lang="fr-FR" dirty="0"/>
+              <a:t>Problématiques rencontrées</a:t>
+            </a:r>
+            <a:br>
+              <a:rPr lang="fr-FR" dirty="0"/>
+            </a:br>
+            <a:endParaRPr lang="fr-FR" dirty="0"/>
+          </a:p>
+        </p:txBody>
+      </p:sp>
+      <p:sp>
+        <p:nvSpPr>
+          <p:cNvPr id="3" name="ZoneTexte 2"/>
+          <p:cNvSpPr txBox="1"/>
+          <p:nvPr/>
+        </p:nvSpPr>
+        <p:spPr>
+          <a:xfrm>
+            <a:off x="5382883" y="2042358"/>
+            <a:ext cx="4675517" cy="369332"/>
+          </a:xfrm>
+          <a:prstGeom prst="rect">
+            <a:avLst/>
+          </a:prstGeom>
+          <a:noFill/>
+        </p:spPr>
+        <p:txBody>
+          <a:bodyPr wrap="square" rtlCol="0">
+            <a:spAutoFit/>
+          </a:bodyPr>
+          <a:lstStyle/>
+          <a:p>
+            <a:r>
+              <a:rPr lang="fr-FR" dirty="0" smtClean="0"/>
+              <a:t>ES6</a:t>
+            </a:r>
+            <a:endParaRPr lang="fr-FR" dirty="0"/>
+          </a:p>
+        </p:txBody>
+      </p:sp>
+      <p:sp>
+        <p:nvSpPr>
+          <p:cNvPr id="4" name="ZoneTexte 3"/>
+          <p:cNvSpPr txBox="1"/>
+          <p:nvPr/>
+        </p:nvSpPr>
+        <p:spPr>
+          <a:xfrm>
+            <a:off x="4473142" y="3670833"/>
+            <a:ext cx="4675517" cy="369332"/>
+          </a:xfrm>
+          <a:prstGeom prst="rect">
+            <a:avLst/>
+          </a:prstGeom>
+          <a:noFill/>
+        </p:spPr>
+        <p:txBody>
+          <a:bodyPr wrap="square" rtlCol="0">
+            <a:spAutoFit/>
+          </a:bodyPr>
+          <a:lstStyle/>
+          <a:p>
+            <a:r>
+              <a:rPr lang="fr-FR" dirty="0" smtClean="0"/>
+              <a:t>Scope des variables</a:t>
+            </a:r>
+            <a:endParaRPr lang="fr-FR" dirty="0"/>
+          </a:p>
+        </p:txBody>
+      </p:sp>
+      <p:sp>
+        <p:nvSpPr>
+          <p:cNvPr id="5" name="ZoneTexte 4"/>
+          <p:cNvSpPr txBox="1"/>
+          <p:nvPr/>
+        </p:nvSpPr>
+        <p:spPr>
+          <a:xfrm>
+            <a:off x="3840134" y="5456260"/>
+            <a:ext cx="3769744" cy="369332"/>
+          </a:xfrm>
+          <a:prstGeom prst="rect">
+            <a:avLst/>
+          </a:prstGeom>
+          <a:noFill/>
+        </p:spPr>
+        <p:txBody>
+          <a:bodyPr wrap="square" rtlCol="0">
+            <a:spAutoFit/>
+          </a:bodyPr>
+          <a:lstStyle/>
+          <a:p>
+            <a:r>
+              <a:rPr lang="fr-FR" dirty="0" smtClean="0"/>
+              <a:t>Programmation orientée objet</a:t>
+            </a:r>
+            <a:endParaRPr lang="fr-FR" dirty="0"/>
+          </a:p>
+        </p:txBody>
+      </p:sp>
+      <p:sp>
+        <p:nvSpPr>
+          <p:cNvPr id="6" name="Chevron 5"/>
+          <p:cNvSpPr/>
+          <p:nvPr/>
+        </p:nvSpPr>
+        <p:spPr>
+          <a:xfrm rot="5400000">
+            <a:off x="5382883" y="2827745"/>
+            <a:ext cx="484632" cy="484632"/>
+          </a:xfrm>
+          <a:prstGeom prst="chevron">
+            <a:avLst/>
+          </a:prstGeom>
+          <a:ln>
+            <a:solidFill>
+              <a:srgbClr val="C00000"/>
+            </a:solidFill>
+          </a:ln>
+        </p:spPr>
+        <p:style>
+          <a:lnRef idx="2">
+            <a:schemeClr val="accent1">
+              <a:shade val="50000"/>
+            </a:schemeClr>
+          </a:lnRef>
+          <a:fillRef idx="1">
+            <a:schemeClr val="accent1"/>
+          </a:fillRef>
+          <a:effectRef idx="0">
+            <a:schemeClr val="accent1"/>
+          </a:effectRef>
+          <a:fontRef idx="minor">
+            <a:schemeClr val="lt1"/>
+          </a:fontRef>
+        </p:style>
+        <p:txBody>
+          <a:bodyPr rtlCol="0" anchor="ctr"/>
+          <a:lstStyle/>
+          <a:p>
+            <a:pPr algn="ctr"/>
+            <a:endParaRPr lang="fr-FR">
+              <a:solidFill>
+                <a:schemeClr val="tx1"/>
+              </a:solidFill>
+            </a:endParaRPr>
+          </a:p>
+        </p:txBody>
+      </p:sp>
+      <p:sp>
+        <p:nvSpPr>
+          <p:cNvPr id="7" name="Chevron 6"/>
+          <p:cNvSpPr/>
+          <p:nvPr/>
+        </p:nvSpPr>
+        <p:spPr>
+          <a:xfrm rot="5400000">
+            <a:off x="5382883" y="4594884"/>
+            <a:ext cx="484632" cy="484632"/>
+          </a:xfrm>
+          <a:prstGeom prst="chevron">
+            <a:avLst/>
+          </a:prstGeom>
+          <a:ln>
+            <a:solidFill>
+              <a:srgbClr val="C00000"/>
+            </a:solidFill>
+          </a:ln>
+        </p:spPr>
+        <p:style>
+          <a:lnRef idx="2">
+            <a:schemeClr val="accent1">
+              <a:shade val="50000"/>
+            </a:schemeClr>
+          </a:lnRef>
+          <a:fillRef idx="1">
+            <a:schemeClr val="accent1"/>
+          </a:fillRef>
+          <a:effectRef idx="0">
+            <a:schemeClr val="accent1"/>
+          </a:effectRef>
+          <a:fontRef idx="minor">
+            <a:schemeClr val="lt1"/>
+          </a:fontRef>
+        </p:style>
+        <p:txBody>
+          <a:bodyPr rtlCol="0" anchor="ctr"/>
+          <a:lstStyle/>
+          <a:p>
+            <a:pPr algn="ctr"/>
+            <a:endParaRPr lang="fr-FR">
+              <a:solidFill>
+                <a:schemeClr val="tx1"/>
+              </a:solidFill>
+            </a:endParaRPr>
+          </a:p>
+        </p:txBody>
+      </p:sp>
+    </p:spTree>
+    <p:extLst>
+      <p:ext uri="{BB962C8B-B14F-4D97-AF65-F5344CB8AC3E}">
+        <p14:creationId xmlns:p14="http://schemas.microsoft.com/office/powerpoint/2010/main" val="811674002"/>
+      </p:ext>
+    </p:extLst>
+  </p:cSld>
+  <p:clrMapOvr>
+    <a:masterClrMapping/>
+  </p:clrMapOvr>
+  <p:timing>
+    <p:tnLst>
+      <p:par>
+        <p:cTn id="1" dur="indefinite" restart="never" nodeType="tmRoot">
+          <p:childTnLst>
+            <p:seq concurrent="1" nextAc="seek">
+              <p:cTn id="2" dur="indefinite" nodeType="mainSeq">
+                <p:childTnLst>
+                  <p:par>
+                    <p:cTn id="3" fill="hold">
+                      <p:stCondLst>
+                        <p:cond delay="indefinite"/>
+                      </p:stCondLst>
+                      <p:childTnLst>
+                        <p:par>
+                          <p:cTn id="4" fill="hold">
+                            <p:stCondLst>
+                              <p:cond delay="0"/>
+                            </p:stCondLst>
+                            <p:childTnLst>
+                              <p:par>
+                                <p:cTn id="5" presetID="2" presetClass="entr" presetSubtype="1" fill="hold" grpId="0" nodeType="clickEffect">
+                                  <p:stCondLst>
+                                    <p:cond delay="0"/>
+                                  </p:stCondLst>
+                                  <p:childTnLst>
+                                    <p:set>
+                                      <p:cBhvr>
+                                        <p:cTn id="6" dur="1" fill="hold">
+                                          <p:stCondLst>
+                                            <p:cond delay="0"/>
+                                          </p:stCondLst>
+                                        </p:cTn>
+                                        <p:tgtEl>
+                                          <p:spTgt spid="3"/>
+                                        </p:tgtEl>
+                                        <p:attrNameLst>
+                                          <p:attrName>style.visibility</p:attrName>
+                                        </p:attrNameLst>
+                                      </p:cBhvr>
+                                      <p:to>
+                                        <p:strVal val="visible"/>
+                                      </p:to>
+                                    </p:set>
                                     <p:anim calcmode="lin" valueType="num">
-                                      <p:cBhvr>
-                                        <p:cTn id="8" dur="500" fill="hold"/>
-                                        <p:tgtEl>
-                                          <p:spTgt spid="5"/>
+                                      <p:cBhvr additive="base">
+                                        <p:cTn id="7" dur="500" fill="hold"/>
+                                        <p:tgtEl>
+                                          <p:spTgt spid="3"/>
                                         </p:tgtEl>
                                         <p:attrNameLst>
                                           <p:attrName>ppt_x</p:attrName>
@@ -10680,10 +11476,10 @@
                                       </p:tavLst>
                                     </p:anim>
                                     <p:anim calcmode="lin" valueType="num">
-                                      <p:cBhvr>
-                                        <p:cTn id="9" dur="500" fill="hold"/>
-                                        <p:tgtEl>
-                                          <p:spTgt spid="5"/>
+                                      <p:cBhvr additive="base">
+                                        <p:cTn id="8" dur="500" fill="hold"/>
+                                        <p:tgtEl>
+                                          <p:spTgt spid="3"/>
                                         </p:tgtEl>
                                         <p:attrNameLst>
                                           <p:attrName>ppt_y</p:attrName>
@@ -10692,88 +11488,7 @@
                                       <p:tavLst>
                                         <p:tav tm="0">
                                           <p:val>
-                                            <p:strVal val="#ppt_y+.1"/>
-                                          </p:val>
-                                        </p:tav>
-                                        <p:tav tm="100000">
-                                          <p:val>
-                                            <p:strVal val="#ppt_y"/>
-                                          </p:val>
-                                        </p:tav>
-                                      </p:tavLst>
-                                    </p:anim>
-                                  </p:childTnLst>
-                                </p:cTn>
-                              </p:par>
-                              <p:par>
-                                <p:cTn id="10" presetID="42" presetClass="entr" presetSubtype="0" fill="hold" grpId="0" nodeType="withEffect">
-                                  <p:stCondLst>
-                                    <p:cond delay="0"/>
-                                  </p:stCondLst>
-                                  <p:childTnLst>
-                                    <p:set>
-                                      <p:cBhvr>
-                                        <p:cTn id="11" dur="1" fill="hold">
-                                          <p:stCondLst>
-                                            <p:cond delay="0"/>
-                                          </p:stCondLst>
-                                        </p:cTn>
-                                        <p:tgtEl>
-                                          <p:spTgt spid="6"/>
-                                        </p:tgtEl>
-                                        <p:attrNameLst>
-                                          <p:attrName>style.visibility</p:attrName>
-                                        </p:attrNameLst>
-                                      </p:cBhvr>
-                                      <p:to>
-                                        <p:strVal val="visible"/>
-                                      </p:to>
-                                    </p:set>
-                                    <p:animEffect transition="in" filter="fade">
-                                      <p:cBhvr>
-                                        <p:cTn id="12" dur="500"/>
-                                        <p:tgtEl>
-                                          <p:spTgt spid="6"/>
-                                        </p:tgtEl>
-                                      </p:cBhvr>
-                                    </p:animEffect>
-                                    <p:anim calcmode="lin" valueType="num">
-                                      <p:cBhvr>
-                                        <p:cTn id="13" dur="500" fill="hold"/>
-                                        <p:tgtEl>
-                                          <p:spTgt spid="6"/>
-                                        </p:tgtEl>
-                                        <p:attrNameLst>
-                                          <p:attrName>ppt_x</p:attrName>
-                                        </p:attrNameLst>
-                                      </p:cBhvr>
-                                      <p:tavLst>
-                                        <p:tav tm="0">
-                                          <p:val>
-                                            <p:strVal val="#ppt_x"/>
-                                          </p:val>
-                                        </p:tav>
-                                        <p:tav tm="100000">
-                                          <p:val>
-                                            <p:strVal val="#ppt_x"/>
-                                          </p:val>
-                                        </p:tav>
-                                      </p:tavLst>
-                                    </p:anim>
-                                    <p:anim calcmode="lin" valueType="num">
-                                      <p:cBhvr>
-                                        <p:cTn id="14" dur="500" fill="hold"/>
-                                        <p:tgtEl>
-                                          <p:spTgt spid="6"/>
-                                        </p:tgtEl>
-                                        <p:attrNameLst>
-                                          <p:attrName>ppt_y</p:attrName>
-                                        </p:attrNameLst>
-                                      </p:cBhvr>
-                                      <p:tavLst>
-                                        <p:tav tm="0">
-                                          <p:val>
-                                            <p:strVal val="#ppt_y+.1"/>
+                                            <p:strVal val="0-#ppt_h/2"/>
                                           </p:val>
                                         </p:tav>
                                         <p:tav tm="100000">
@@ -10793,32 +11508,32 @@
                     </p:cTn>
                   </p:par>
                   <p:par>
-                    <p:cTn id="15" fill="hold">
+                    <p:cTn id="9" fill="hold">
                       <p:stCondLst>
                         <p:cond delay="indefinite"/>
                       </p:stCondLst>
                       <p:childTnLst>
                         <p:par>
-                          <p:cTn id="16" fill="hold">
+                          <p:cTn id="10" fill="hold">
                             <p:stCondLst>
                               <p:cond delay="0"/>
                             </p:stCondLst>
                             <p:childTnLst>
                               <p:par>
-                                <p:cTn id="17" presetID="42" presetClass="entr" presetSubtype="0" fill="hold" nodeType="clickEffect">
+                                <p:cTn id="11" presetID="2" presetClass="entr" presetSubtype="1" fill="hold" grpId="0" nodeType="clickEffect">
                                   <p:stCondLst>
                                     <p:cond delay="0"/>
                                   </p:stCondLst>
                                   <p:childTnLst>
                                     <p:set>
                                       <p:cBhvr>
-                                        <p:cTn id="18" dur="1" fill="hold">
+                                        <p:cTn id="12" dur="1" fill="hold">
                                           <p:stCondLst>
                                             <p:cond delay="0"/>
                                           </p:stCondLst>
                                         </p:cTn>
                                         <p:tgtEl>
-                                          <p:spTgt spid="3"/>
+                                          <p:spTgt spid="6"/>
                                         </p:tgtEl>
                                         <p:attrNameLst>
                                           <p:attrName>style.visibility</p:attrName>
@@ -10828,19 +11543,11 @@
                                         <p:strVal val="visible"/>
                                       </p:to>
                                     </p:set>
-                                    <p:animEffect transition="in" filter="fade">
-                                      <p:cBhvr>
-                                        <p:cTn id="19" dur="500"/>
-                                        <p:tgtEl>
-                                          <p:spTgt spid="3"/>
-                                        </p:tgtEl>
-                                      </p:cBhvr>
-                                    </p:animEffect>
                                     <p:anim calcmode="lin" valueType="num">
-                                      <p:cBhvr>
-                                        <p:cTn id="20" dur="500" fill="hold"/>
-                                        <p:tgtEl>
-                                          <p:spTgt spid="3"/>
+                                      <p:cBhvr additive="base">
+                                        <p:cTn id="13" dur="500" fill="hold"/>
+                                        <p:tgtEl>
+                                          <p:spTgt spid="6"/>
                                         </p:tgtEl>
                                         <p:attrNameLst>
                                           <p:attrName>ppt_x</p:attrName>
@@ -10860,10 +11567,10 @@
                                       </p:tavLst>
                                     </p:anim>
                                     <p:anim calcmode="lin" valueType="num">
-                                      <p:cBhvr>
-                                        <p:cTn id="21" dur="500" fill="hold"/>
-                                        <p:tgtEl>
-                                          <p:spTgt spid="3"/>
+                                      <p:cBhvr additive="base">
+                                        <p:cTn id="14" dur="500" fill="hold"/>
+                                        <p:tgtEl>
+                                          <p:spTgt spid="6"/>
                                         </p:tgtEl>
                                         <p:attrNameLst>
                                           <p:attrName>ppt_y</p:attrName>
@@ -10872,7 +11579,7 @@
                                       <p:tavLst>
                                         <p:tav tm="0">
                                           <p:val>
-                                            <p:strVal val="#ppt_y+.1"/>
+                                            <p:strVal val="0-#ppt_h/2"/>
                                           </p:val>
                                         </p:tav>
                                         <p:tav tm="100000">
@@ -10886,14 +11593,14 @@
                                 </p:cTn>
                               </p:par>
                               <p:par>
-                                <p:cTn id="22" presetID="42" presetClass="entr" presetSubtype="0" fill="hold" grpId="0" nodeType="withEffect">
+                                <p:cTn id="15" presetID="2" presetClass="entr" presetSubtype="1" fill="hold" grpId="0" nodeType="withEffect">
                                   <p:stCondLst>
                                     <p:cond delay="0"/>
                                   </p:stCondLst>
                                   <p:childTnLst>
                                     <p:set>
                                       <p:cBhvr>
-                                        <p:cTn id="23" dur="1" fill="hold">
+                                        <p:cTn id="16" dur="1" fill="hold">
                                           <p:stCondLst>
                                             <p:cond delay="0"/>
                                           </p:stCondLst>
@@ -10909,17 +11616,9 @@
                                         <p:strVal val="visible"/>
                                       </p:to>
                                     </p:set>
-                                    <p:animEffect transition="in" filter="fade">
-                                      <p:cBhvr>
-                                        <p:cTn id="24" dur="500"/>
-                                        <p:tgtEl>
-                                          <p:spTgt spid="4"/>
-                                        </p:tgtEl>
-                                      </p:cBhvr>
-                                    </p:animEffect>
                                     <p:anim calcmode="lin" valueType="num">
-                                      <p:cBhvr>
-                                        <p:cTn id="25" dur="500" fill="hold"/>
+                                      <p:cBhvr additive="base">
+                                        <p:cTn id="17" dur="500" fill="hold"/>
                                         <p:tgtEl>
                                           <p:spTgt spid="4"/>
                                         </p:tgtEl>
@@ -10941,8 +11640,8 @@
                                       </p:tavLst>
                                     </p:anim>
                                     <p:anim calcmode="lin" valueType="num">
-                                      <p:cBhvr>
-                                        <p:cTn id="26" dur="500" fill="hold"/>
+                                      <p:cBhvr additive="base">
+                                        <p:cTn id="18" dur="500" fill="hold"/>
                                         <p:tgtEl>
                                           <p:spTgt spid="4"/>
                                         </p:tgtEl>
@@ -10953,7 +11652,171 @@
                                       <p:tavLst>
                                         <p:tav tm="0">
                                           <p:val>
-                                            <p:strVal val="#ppt_y+.1"/>
+                                            <p:strVal val="0-#ppt_h/2"/>
+                                          </p:val>
+                                        </p:tav>
+                                        <p:tav tm="100000">
+                                          <p:val>
+                                            <p:strVal val="#ppt_y"/>
+                                          </p:val>
+                                        </p:tav>
+                                      </p:tavLst>
+                                    </p:anim>
+                                  </p:childTnLst>
+                                </p:cTn>
+                              </p:par>
+                            </p:childTnLst>
+                          </p:cTn>
+                        </p:par>
+                      </p:childTnLst>
+                    </p:cTn>
+                  </p:par>
+                  <p:par>
+                    <p:cTn id="19" fill="hold">
+                      <p:stCondLst>
+                        <p:cond delay="indefinite"/>
+                      </p:stCondLst>
+                      <p:childTnLst>
+                        <p:par>
+                          <p:cTn id="20" fill="hold">
+                            <p:stCondLst>
+                              <p:cond delay="0"/>
+                            </p:stCondLst>
+                            <p:childTnLst>
+                              <p:par>
+                                <p:cTn id="21" presetID="2" presetClass="entr" presetSubtype="1" fill="hold" grpId="0" nodeType="clickEffect">
+                                  <p:stCondLst>
+                                    <p:cond delay="0"/>
+                                  </p:stCondLst>
+                                  <p:childTnLst>
+                                    <p:set>
+                                      <p:cBhvr>
+                                        <p:cTn id="22" dur="1" fill="hold">
+                                          <p:stCondLst>
+                                            <p:cond delay="0"/>
+                                          </p:stCondLst>
+                                        </p:cTn>
+                                        <p:tgtEl>
+                                          <p:spTgt spid="7"/>
+                                        </p:tgtEl>
+                                        <p:attrNameLst>
+                                          <p:attrName>style.visibility</p:attrName>
+                                        </p:attrNameLst>
+                                      </p:cBhvr>
+                                      <p:to>
+                                        <p:strVal val="visible"/>
+                                      </p:to>
+                                    </p:set>
+                                    <p:anim calcmode="lin" valueType="num">
+                                      <p:cBhvr additive="base">
+                                        <p:cTn id="23" dur="500" fill="hold"/>
+                                        <p:tgtEl>
+                                          <p:spTgt spid="7"/>
+                                        </p:tgtEl>
+                                        <p:attrNameLst>
+                                          <p:attrName>ppt_x</p:attrName>
+                                        </p:attrNameLst>
+                                      </p:cBhvr>
+                                      <p:tavLst>
+                                        <p:tav tm="0">
+                                          <p:val>
+                                            <p:strVal val="#ppt_x"/>
+                                          </p:val>
+                                        </p:tav>
+                                        <p:tav tm="100000">
+                                          <p:val>
+                                            <p:strVal val="#ppt_x"/>
+                                          </p:val>
+                                        </p:tav>
+                                      </p:tavLst>
+                                    </p:anim>
+                                    <p:anim calcmode="lin" valueType="num">
+                                      <p:cBhvr additive="base">
+                                        <p:cTn id="24" dur="500" fill="hold"/>
+                                        <p:tgtEl>
+                                          <p:spTgt spid="7"/>
+                                        </p:tgtEl>
+                                        <p:attrNameLst>
+                                          <p:attrName>ppt_y</p:attrName>
+                                        </p:attrNameLst>
+                                      </p:cBhvr>
+                                      <p:tavLst>
+                                        <p:tav tm="0">
+                                          <p:val>
+                                            <p:strVal val="0-#ppt_h/2"/>
+                                          </p:val>
+                                        </p:tav>
+                                        <p:tav tm="100000">
+                                          <p:val>
+                                            <p:strVal val="#ppt_y"/>
+                                          </p:val>
+                                        </p:tav>
+                                      </p:tavLst>
+                                    </p:anim>
+                                  </p:childTnLst>
+                                </p:cTn>
+                              </p:par>
+                              <p:par>
+                                <p:cTn id="25" presetID="2" presetClass="entr" presetSubtype="1" fill="hold" grpId="0" nodeType="withEffect">
+                                  <p:stCondLst>
+                                    <p:cond delay="0"/>
+                                  </p:stCondLst>
+                                  <p:childTnLst>
+                                    <p:set>
+                                      <p:cBhvr>
+                                        <p:cTn id="26" dur="1" fill="hold">
+                                          <p:stCondLst>
+                                            <p:cond delay="0"/>
+                                          </p:stCondLst>
+                                        </p:cTn>
+                                        <p:tgtEl>
+                                          <p:spTgt spid="5"/>
+                                        </p:tgtEl>
+                                        <p:attrNameLst>
+                                          <p:attrName>style.visibility</p:attrName>
+                                        </p:attrNameLst>
+                                      </p:cBhvr>
+                                      <p:to>
+                                        <p:strVal val="visible"/>
+                                      </p:to>
+                                    </p:set>
+                                    <p:anim calcmode="lin" valueType="num">
+                                      <p:cBhvr additive="base">
+                                        <p:cTn id="27" dur="500" fill="hold"/>
+                                        <p:tgtEl>
+                                          <p:spTgt spid="5"/>
+                                        </p:tgtEl>
+                                        <p:attrNameLst>
+                                          <p:attrName>ppt_x</p:attrName>
+                                        </p:attrNameLst>
+                                      </p:cBhvr>
+                                      <p:tavLst>
+                                        <p:tav tm="0">
+                                          <p:val>
+                                            <p:strVal val="#ppt_x"/>
+                                          </p:val>
+                                        </p:tav>
+                                        <p:tav tm="100000">
+                                          <p:val>
+                                            <p:strVal val="#ppt_x"/>
+                                          </p:val>
+                                        </p:tav>
+                                      </p:tavLst>
+                                    </p:anim>
+                                    <p:anim calcmode="lin" valueType="num">
+                                      <p:cBhvr additive="base">
+                                        <p:cTn id="28" dur="500" fill="hold"/>
+                                        <p:tgtEl>
+                                          <p:spTgt spid="5"/>
+                                        </p:tgtEl>
+                                        <p:attrNameLst>
+                                          <p:attrName>ppt_y</p:attrName>
+                                        </p:attrNameLst>
+                                      </p:cBhvr>
+                                      <p:tavLst>
+                                        <p:tav tm="0">
+                                          <p:val>
+                                            <p:strVal val="0-#ppt_h/2"/>
                                           </p:val>
                                         </p:tav>
                                         <p:tav tm="100000">
@@ -10994,8 +11857,817 @@
       </p:par>
     </p:tnLst>
     <p:bldLst>
+      <p:bldP spid="3" grpId="0"/>
+      <p:bldP spid="4" grpId="0"/>
+      <p:bldP spid="5" grpId="0"/>
+      <p:bldP spid="6" grpId="0" animBg="1"/>
+      <p:bldP spid="7" grpId="0" animBg="1"/>
+    </p:bldLst>
+  </p:timing>
+</p:sld>
+</file>
+
+<file path=ppt/slides/slide19.xml><?xml version="1.0" encoding="utf-8"?>
+<p:sld xmlns:a="http://schemas.openxmlformats.org/drawingml/2006/main" xmlns:r="http://schemas.openxmlformats.org/officeDocument/2006/relationships" xmlns:p="http://schemas.openxmlformats.org/presentationml/2006/main">
+  <p:cSld>
+    <p:spTree>
+      <p:nvGrpSpPr>
+        <p:cNvPr id="1" name=""/>
+        <p:cNvGrpSpPr/>
+        <p:nvPr/>
+      </p:nvGrpSpPr>
+      <p:grpSpPr>
+        <a:xfrm>
+          <a:off x="0" y="0"/>
+          <a:ext cx="0" cy="0"/>
+          <a:chOff x="0" y="0"/>
+          <a:chExt cx="0" cy="0"/>
+        </a:xfrm>
+      </p:grpSpPr>
+      <p:sp>
+        <p:nvSpPr>
+          <p:cNvPr id="2" name="Titre 1"/>
+          <p:cNvSpPr>
+            <a:spLocks noGrp="1"/>
+          </p:cNvSpPr>
+          <p:nvPr>
+            <p:ph type="title"/>
+          </p:nvPr>
+        </p:nvSpPr>
+        <p:spPr>
+          <a:xfrm>
+            <a:off x="1888972" y="148072"/>
+            <a:ext cx="8393926" cy="1253706"/>
+          </a:xfrm>
+        </p:spPr>
+        <p:txBody>
+          <a:bodyPr>
+            <a:normAutofit fontScale="90000"/>
+          </a:bodyPr>
+          <a:lstStyle/>
+          <a:p>
+            <a:pPr algn="ctr"/>
+            <a:r>
+              <a:rPr lang="fr-FR" sz="4000" dirty="0"/>
+              <a:t>Vérification du site</a:t>
+            </a:r>
+            <a:r>
+              <a:rPr lang="fr-FR" dirty="0"/>
+              <a:t/>
+            </a:r>
+            <a:br>
+              <a:rPr lang="fr-FR" dirty="0"/>
+            </a:br>
+            <a:endParaRPr lang="fr-FR" dirty="0"/>
+          </a:p>
+        </p:txBody>
+      </p:sp>
+      <p:pic>
+        <p:nvPicPr>
+          <p:cNvPr id="5" name="Image 4"/>
+          <p:cNvPicPr>
+            <a:picLocks noChangeAspect="1"/>
+          </p:cNvPicPr>
+          <p:nvPr/>
+        </p:nvPicPr>
+        <p:blipFill>
+          <a:blip r:embed="rId2">
+            <a:extLst>
+              <a:ext uri="{28A0092B-C50C-407E-A947-70E740481C1C}">
+                <a14:useLocalDpi xmlns:a14="http://schemas.microsoft.com/office/drawing/2010/main" val="0"/>
+              </a:ext>
+            </a:extLst>
+          </a:blip>
+          <a:stretch>
+            <a:fillRect/>
+          </a:stretch>
+        </p:blipFill>
+        <p:spPr>
+          <a:xfrm>
+            <a:off x="452422" y="3742740"/>
+            <a:ext cx="5230935" cy="2962128"/>
+          </a:xfrm>
+          <a:prstGeom prst="rect">
+            <a:avLst/>
+          </a:prstGeom>
+        </p:spPr>
+      </p:pic>
+      <p:sp>
+        <p:nvSpPr>
+          <p:cNvPr id="6" name="ZoneTexte 5"/>
+          <p:cNvSpPr txBox="1"/>
+          <p:nvPr/>
+        </p:nvSpPr>
+        <p:spPr>
+          <a:xfrm>
+            <a:off x="1888972" y="3217453"/>
+            <a:ext cx="2426996" cy="369332"/>
+          </a:xfrm>
+          <a:prstGeom prst="rect">
+            <a:avLst/>
+          </a:prstGeom>
+          <a:noFill/>
+        </p:spPr>
+        <p:txBody>
+          <a:bodyPr wrap="square" rtlCol="0">
+            <a:spAutoFit/>
+          </a:bodyPr>
+          <a:lstStyle/>
+          <a:p>
+            <a:r>
+              <a:rPr lang="fr-FR" dirty="0" smtClean="0"/>
+              <a:t>3 erreurs corrigées</a:t>
+            </a:r>
+            <a:endParaRPr lang="fr-FR" dirty="0"/>
+          </a:p>
+        </p:txBody>
+      </p:sp>
+      <p:pic>
+        <p:nvPicPr>
+          <p:cNvPr id="3" name="Image 2"/>
+          <p:cNvPicPr>
+            <a:picLocks noChangeAspect="1"/>
+          </p:cNvPicPr>
+          <p:nvPr/>
+        </p:nvPicPr>
+        <p:blipFill rotWithShape="1">
+          <a:blip r:embed="rId3">
+            <a:extLst>
+              <a:ext uri="{28A0092B-C50C-407E-A947-70E740481C1C}">
+                <a14:useLocalDpi xmlns:a14="http://schemas.microsoft.com/office/drawing/2010/main" val="0"/>
+              </a:ext>
+            </a:extLst>
+          </a:blip>
+          <a:srcRect r="30275"/>
+          <a:stretch/>
+        </p:blipFill>
+        <p:spPr>
+          <a:xfrm>
+            <a:off x="6217058" y="4237412"/>
+            <a:ext cx="5628078" cy="1822332"/>
+          </a:xfrm>
+          <a:prstGeom prst="rect">
+            <a:avLst/>
+          </a:prstGeom>
+        </p:spPr>
+      </p:pic>
+      <p:sp>
+        <p:nvSpPr>
+          <p:cNvPr id="4" name="ZoneTexte 3"/>
+          <p:cNvSpPr txBox="1"/>
+          <p:nvPr/>
+        </p:nvSpPr>
+        <p:spPr>
+          <a:xfrm>
+            <a:off x="7849825" y="3221193"/>
+            <a:ext cx="3657600" cy="369332"/>
+          </a:xfrm>
+          <a:prstGeom prst="rect">
+            <a:avLst/>
+          </a:prstGeom>
+          <a:noFill/>
+        </p:spPr>
+        <p:txBody>
+          <a:bodyPr wrap="square" rtlCol="0">
+            <a:spAutoFit/>
+          </a:bodyPr>
+          <a:lstStyle/>
+          <a:p>
+            <a:r>
+              <a:rPr lang="fr-FR" dirty="0" smtClean="0"/>
+              <a:t>1 erreur et avertissements</a:t>
+            </a:r>
+            <a:endParaRPr lang="fr-FR" dirty="0"/>
+          </a:p>
+        </p:txBody>
+      </p:sp>
+      <p:sp>
+        <p:nvSpPr>
+          <p:cNvPr id="7" name="ZoneTexte 6"/>
+          <p:cNvSpPr txBox="1"/>
+          <p:nvPr/>
+        </p:nvSpPr>
+        <p:spPr>
+          <a:xfrm>
+            <a:off x="2987918" y="1036790"/>
+            <a:ext cx="5385816" cy="369332"/>
+          </a:xfrm>
+          <a:prstGeom prst="rect">
+            <a:avLst/>
+          </a:prstGeom>
+          <a:noFill/>
+        </p:spPr>
+        <p:txBody>
+          <a:bodyPr wrap="square" rtlCol="0">
+            <a:spAutoFit/>
+          </a:bodyPr>
+          <a:lstStyle/>
+          <a:p>
+            <a:pPr algn="ctr"/>
+            <a:r>
+              <a:rPr lang="fr-FR" dirty="0" err="1" smtClean="0"/>
+              <a:t>Refactoring</a:t>
+            </a:r>
+            <a:r>
+              <a:rPr lang="fr-FR" dirty="0" smtClean="0"/>
+              <a:t> code</a:t>
+            </a:r>
+            <a:endParaRPr lang="fr-FR" dirty="0"/>
+          </a:p>
+        </p:txBody>
+      </p:sp>
+      <p:sp>
+        <p:nvSpPr>
+          <p:cNvPr id="10" name="Flèche courbée vers le bas 9"/>
+          <p:cNvSpPr/>
+          <p:nvPr/>
+        </p:nvSpPr>
+        <p:spPr>
+          <a:xfrm rot="7539182">
+            <a:off x="4440619" y="2931525"/>
+            <a:ext cx="1417320" cy="582866"/>
+          </a:xfrm>
+          <a:prstGeom prst="curvedDownArrow">
+            <a:avLst/>
+          </a:prstGeom>
+        </p:spPr>
+        <p:style>
+          <a:lnRef idx="2">
+            <a:schemeClr val="accent1">
+              <a:shade val="50000"/>
+            </a:schemeClr>
+          </a:lnRef>
+          <a:fillRef idx="1">
+            <a:schemeClr val="accent1"/>
+          </a:fillRef>
+          <a:effectRef idx="0">
+            <a:schemeClr val="accent1"/>
+          </a:effectRef>
+          <a:fontRef idx="minor">
+            <a:schemeClr val="lt1"/>
+          </a:fontRef>
+        </p:style>
+        <p:txBody>
+          <a:bodyPr rtlCol="0" anchor="ctr"/>
+          <a:lstStyle/>
+          <a:p>
+            <a:pPr algn="ctr"/>
+            <a:endParaRPr lang="fr-FR">
+              <a:solidFill>
+                <a:schemeClr val="tx1"/>
+              </a:solidFill>
+            </a:endParaRPr>
+          </a:p>
+        </p:txBody>
+      </p:sp>
+      <p:sp>
+        <p:nvSpPr>
+          <p:cNvPr id="11" name="Flèche courbée vers le bas 10"/>
+          <p:cNvSpPr/>
+          <p:nvPr/>
+        </p:nvSpPr>
+        <p:spPr>
+          <a:xfrm rot="3305641" flipV="1">
+            <a:off x="5419400" y="2947254"/>
+            <a:ext cx="1408745" cy="490741"/>
+          </a:xfrm>
+          <a:prstGeom prst="curvedDownArrow">
+            <a:avLst/>
+          </a:prstGeom>
+        </p:spPr>
+        <p:style>
+          <a:lnRef idx="2">
+            <a:schemeClr val="accent1">
+              <a:shade val="50000"/>
+            </a:schemeClr>
+          </a:lnRef>
+          <a:fillRef idx="1">
+            <a:schemeClr val="accent1"/>
+          </a:fillRef>
+          <a:effectRef idx="0">
+            <a:schemeClr val="accent1"/>
+          </a:effectRef>
+          <a:fontRef idx="minor">
+            <a:schemeClr val="lt1"/>
+          </a:fontRef>
+        </p:style>
+        <p:txBody>
+          <a:bodyPr rtlCol="0" anchor="ctr"/>
+          <a:lstStyle/>
+          <a:p>
+            <a:pPr algn="ctr"/>
+            <a:endParaRPr lang="fr-FR">
+              <a:solidFill>
+                <a:schemeClr val="tx1"/>
+              </a:solidFill>
+            </a:endParaRPr>
+          </a:p>
+        </p:txBody>
+      </p:sp>
+      <p:sp>
+        <p:nvSpPr>
+          <p:cNvPr id="12" name="ZoneTexte 11"/>
+          <p:cNvSpPr txBox="1"/>
+          <p:nvPr/>
+        </p:nvSpPr>
+        <p:spPr>
+          <a:xfrm>
+            <a:off x="5020056" y="2007025"/>
+            <a:ext cx="1883664" cy="369332"/>
+          </a:xfrm>
+          <a:prstGeom prst="rect">
+            <a:avLst/>
+          </a:prstGeom>
+          <a:noFill/>
+        </p:spPr>
+        <p:txBody>
+          <a:bodyPr wrap="square" rtlCol="0">
+            <a:spAutoFit/>
+          </a:bodyPr>
+          <a:lstStyle/>
+          <a:p>
+            <a:r>
+              <a:rPr lang="fr-FR" dirty="0" err="1" smtClean="0"/>
+              <a:t>Validator</a:t>
+            </a:r>
+            <a:endParaRPr lang="fr-FR" dirty="0"/>
+          </a:p>
+        </p:txBody>
+      </p:sp>
+      <p:sp>
+        <p:nvSpPr>
+          <p:cNvPr id="13" name="Flèche vers le bas 12"/>
+          <p:cNvSpPr/>
+          <p:nvPr/>
+        </p:nvSpPr>
+        <p:spPr>
+          <a:xfrm>
+            <a:off x="5513833" y="1507025"/>
+            <a:ext cx="269966" cy="459432"/>
+          </a:xfrm>
+          <a:prstGeom prst="downArrow">
+            <a:avLst/>
+          </a:prstGeom>
+        </p:spPr>
+        <p:style>
+          <a:lnRef idx="2">
+            <a:schemeClr val="accent1">
+              <a:shade val="50000"/>
+            </a:schemeClr>
+          </a:lnRef>
+          <a:fillRef idx="1">
+            <a:schemeClr val="accent1"/>
+          </a:fillRef>
+          <a:effectRef idx="0">
+            <a:schemeClr val="accent1"/>
+          </a:effectRef>
+          <a:fontRef idx="minor">
+            <a:schemeClr val="lt1"/>
+          </a:fontRef>
+        </p:style>
+        <p:txBody>
+          <a:bodyPr rtlCol="0" anchor="ctr"/>
+          <a:lstStyle/>
+          <a:p>
+            <a:pPr algn="ctr"/>
+            <a:endParaRPr lang="fr-FR"/>
+          </a:p>
+        </p:txBody>
+      </p:sp>
+    </p:spTree>
+    <p:extLst>
+      <p:ext uri="{BB962C8B-B14F-4D97-AF65-F5344CB8AC3E}">
+        <p14:creationId xmlns:p14="http://schemas.microsoft.com/office/powerpoint/2010/main" val="3719449094"/>
+      </p:ext>
+    </p:extLst>
+  </p:cSld>
+  <p:clrMapOvr>
+    <a:masterClrMapping/>
+  </p:clrMapOvr>
+  <p:timing>
+    <p:tnLst>
+      <p:par>
+        <p:cTn id="1" dur="indefinite" restart="never" nodeType="tmRoot">
+          <p:childTnLst>
+            <p:seq concurrent="1" nextAc="seek">
+              <p:cTn id="2" dur="indefinite" nodeType="mainSeq">
+                <p:childTnLst>
+                  <p:par>
+                    <p:cTn id="3" fill="hold">
+                      <p:stCondLst>
+                        <p:cond delay="indefinite"/>
+                      </p:stCondLst>
+                      <p:childTnLst>
+                        <p:par>
+                          <p:cTn id="4" fill="hold">
+                            <p:stCondLst>
+                              <p:cond delay="0"/>
+                            </p:stCondLst>
+                            <p:childTnLst>
+                              <p:par>
+                                <p:cTn id="5" presetID="14" presetClass="entr" presetSubtype="10" fill="hold" grpId="0" nodeType="clickEffect">
+                                  <p:stCondLst>
+                                    <p:cond delay="0"/>
+                                  </p:stCondLst>
+                                  <p:childTnLst>
+                                    <p:set>
+                                      <p:cBhvr>
+                                        <p:cTn id="6" dur="1" fill="hold">
+                                          <p:stCondLst>
+                                            <p:cond delay="0"/>
+                                          </p:stCondLst>
+                                        </p:cTn>
+                                        <p:tgtEl>
+                                          <p:spTgt spid="7"/>
+                                        </p:tgtEl>
+                                        <p:attrNameLst>
+                                          <p:attrName>style.visibility</p:attrName>
+                                        </p:attrNameLst>
+                                      </p:cBhvr>
+                                      <p:to>
+                                        <p:strVal val="visible"/>
+                                      </p:to>
+                                    </p:set>
+                                    <p:animEffect transition="in" filter="randombar(horizontal)">
+                                      <p:cBhvr>
+                                        <p:cTn id="7" dur="500"/>
+                                        <p:tgtEl>
+                                          <p:spTgt spid="7"/>
+                                        </p:tgtEl>
+                                      </p:cBhvr>
+                                    </p:animEffect>
+                                  </p:childTnLst>
+                                </p:cTn>
+                              </p:par>
+                            </p:childTnLst>
+                          </p:cTn>
+                        </p:par>
+                      </p:childTnLst>
+                    </p:cTn>
+                  </p:par>
+                  <p:par>
+                    <p:cTn id="8" fill="hold">
+                      <p:stCondLst>
+                        <p:cond delay="indefinite"/>
+                      </p:stCondLst>
+                      <p:childTnLst>
+                        <p:par>
+                          <p:cTn id="9" fill="hold">
+                            <p:stCondLst>
+                              <p:cond delay="0"/>
+                            </p:stCondLst>
+                            <p:childTnLst>
+                              <p:par>
+                                <p:cTn id="10" presetID="14" presetClass="entr" presetSubtype="10" fill="hold" grpId="0" nodeType="clickEffect">
+                                  <p:stCondLst>
+                                    <p:cond delay="0"/>
+                                  </p:stCondLst>
+                                  <p:childTnLst>
+                                    <p:set>
+                                      <p:cBhvr>
+                                        <p:cTn id="11" dur="1" fill="hold">
+                                          <p:stCondLst>
+                                            <p:cond delay="0"/>
+                                          </p:stCondLst>
+                                        </p:cTn>
+                                        <p:tgtEl>
+                                          <p:spTgt spid="12"/>
+                                        </p:tgtEl>
+                                        <p:attrNameLst>
+                                          <p:attrName>style.visibility</p:attrName>
+                                        </p:attrNameLst>
+                                      </p:cBhvr>
+                                      <p:to>
+                                        <p:strVal val="visible"/>
+                                      </p:to>
+                                    </p:set>
+                                    <p:animEffect transition="in" filter="randombar(horizontal)">
+                                      <p:cBhvr>
+                                        <p:cTn id="12" dur="500"/>
+                                        <p:tgtEl>
+                                          <p:spTgt spid="12"/>
+                                        </p:tgtEl>
+                                      </p:cBhvr>
+                                    </p:animEffect>
+                                  </p:childTnLst>
+                                </p:cTn>
+                              </p:par>
+                              <p:par>
+                                <p:cTn id="13" presetID="14" presetClass="entr" presetSubtype="10" fill="hold" grpId="0" nodeType="withEffect">
+                                  <p:stCondLst>
+                                    <p:cond delay="0"/>
+                                  </p:stCondLst>
+                                  <p:childTnLst>
+                                    <p:set>
+                                      <p:cBhvr>
+                                        <p:cTn id="14" dur="1" fill="hold">
+                                          <p:stCondLst>
+                                            <p:cond delay="0"/>
+                                          </p:stCondLst>
+                                        </p:cTn>
+                                        <p:tgtEl>
+                                          <p:spTgt spid="13"/>
+                                        </p:tgtEl>
+                                        <p:attrNameLst>
+                                          <p:attrName>style.visibility</p:attrName>
+                                        </p:attrNameLst>
+                                      </p:cBhvr>
+                                      <p:to>
+                                        <p:strVal val="visible"/>
+                                      </p:to>
+                                    </p:set>
+                                    <p:animEffect transition="in" filter="randombar(horizontal)">
+                                      <p:cBhvr>
+                                        <p:cTn id="15" dur="500"/>
+                                        <p:tgtEl>
+                                          <p:spTgt spid="13"/>
+                                        </p:tgtEl>
+                                      </p:cBhvr>
+                                    </p:animEffect>
+                                  </p:childTnLst>
+                                </p:cTn>
+                              </p:par>
+                            </p:childTnLst>
+                          </p:cTn>
+                        </p:par>
+                      </p:childTnLst>
+                    </p:cTn>
+                  </p:par>
+                  <p:par>
+                    <p:cTn id="16" fill="hold">
+                      <p:stCondLst>
+                        <p:cond delay="indefinite"/>
+                      </p:stCondLst>
+                      <p:childTnLst>
+                        <p:par>
+                          <p:cTn id="17" fill="hold">
+                            <p:stCondLst>
+                              <p:cond delay="0"/>
+                            </p:stCondLst>
+                            <p:childTnLst>
+                              <p:par>
+                                <p:cTn id="18" presetID="14" presetClass="entr" presetSubtype="10" fill="hold" grpId="0" nodeType="clickEffect">
+                                  <p:stCondLst>
+                                    <p:cond delay="0"/>
+                                  </p:stCondLst>
+                                  <p:childTnLst>
+                                    <p:set>
+                                      <p:cBhvr>
+                                        <p:cTn id="19" dur="1" fill="hold">
+                                          <p:stCondLst>
+                                            <p:cond delay="0"/>
+                                          </p:stCondLst>
+                                        </p:cTn>
+                                        <p:tgtEl>
+                                          <p:spTgt spid="10"/>
+                                        </p:tgtEl>
+                                        <p:attrNameLst>
+                                          <p:attrName>style.visibility</p:attrName>
+                                        </p:attrNameLst>
+                                      </p:cBhvr>
+                                      <p:to>
+                                        <p:strVal val="visible"/>
+                                      </p:to>
+                                    </p:set>
+                                    <p:animEffect transition="in" filter="randombar(horizontal)">
+                                      <p:cBhvr>
+                                        <p:cTn id="20" dur="500"/>
+                                        <p:tgtEl>
+                                          <p:spTgt spid="10"/>
+                                        </p:tgtEl>
+                                      </p:cBhvr>
+                                    </p:animEffect>
+                                  </p:childTnLst>
+                                </p:cTn>
+                              </p:par>
+                              <p:par>
+                                <p:cTn id="21" presetID="14" presetClass="entr" presetSubtype="10" fill="hold" grpId="0" nodeType="withEffect">
+                                  <p:stCondLst>
+                                    <p:cond delay="0"/>
+                                  </p:stCondLst>
+                                  <p:childTnLst>
+                                    <p:set>
+                                      <p:cBhvr>
+                                        <p:cTn id="22" dur="1" fill="hold">
+                                          <p:stCondLst>
+                                            <p:cond delay="0"/>
+                                          </p:stCondLst>
+                                        </p:cTn>
+                                        <p:tgtEl>
+                                          <p:spTgt spid="6"/>
+                                        </p:tgtEl>
+                                        <p:attrNameLst>
+                                          <p:attrName>style.visibility</p:attrName>
+                                        </p:attrNameLst>
+                                      </p:cBhvr>
+                                      <p:to>
+                                        <p:strVal val="visible"/>
+                                      </p:to>
+                                    </p:set>
+                                    <p:animEffect transition="in" filter="randombar(horizontal)">
+                                      <p:cBhvr>
+                                        <p:cTn id="23" dur="500"/>
+                                        <p:tgtEl>
+                                          <p:spTgt spid="6"/>
+                                        </p:tgtEl>
+                                      </p:cBhvr>
+                                    </p:animEffect>
+                                  </p:childTnLst>
+                                </p:cTn>
+                              </p:par>
+                              <p:par>
+                                <p:cTn id="24" presetID="14" presetClass="entr" presetSubtype="10" fill="hold" nodeType="withEffect">
+                                  <p:stCondLst>
+                                    <p:cond delay="0"/>
+                                  </p:stCondLst>
+                                  <p:childTnLst>
+                                    <p:set>
+                                      <p:cBhvr>
+                                        <p:cTn id="25" dur="1" fill="hold">
+                                          <p:stCondLst>
+                                            <p:cond delay="0"/>
+                                          </p:stCondLst>
+                                        </p:cTn>
+                                        <p:tgtEl>
+                                          <p:spTgt spid="5"/>
+                                        </p:tgtEl>
+                                        <p:attrNameLst>
+                                          <p:attrName>style.visibility</p:attrName>
+                                        </p:attrNameLst>
+                                      </p:cBhvr>
+                                      <p:to>
+                                        <p:strVal val="visible"/>
+                                      </p:to>
+                                    </p:set>
+                                    <p:animEffect transition="in" filter="randombar(horizontal)">
+                                      <p:cBhvr>
+                                        <p:cTn id="26" dur="500"/>
+                                        <p:tgtEl>
+                                          <p:spTgt spid="5"/>
+                                        </p:tgtEl>
+                                      </p:cBhvr>
+                                    </p:animEffect>
+                                  </p:childTnLst>
+                                </p:cTn>
+                              </p:par>
+                            </p:childTnLst>
+                          </p:cTn>
+                        </p:par>
+                      </p:childTnLst>
+                    </p:cTn>
+                  </p:par>
+                  <p:par>
+                    <p:cTn id="27" fill="hold">
+                      <p:stCondLst>
+                        <p:cond delay="indefinite"/>
+                      </p:stCondLst>
+                      <p:childTnLst>
+                        <p:par>
+                          <p:cTn id="28" fill="hold">
+                            <p:stCondLst>
+                              <p:cond delay="0"/>
+                            </p:stCondLst>
+                            <p:childTnLst>
+                              <p:par>
+                                <p:cTn id="29" presetID="14" presetClass="entr" presetSubtype="10" fill="hold" grpId="0" nodeType="clickEffect">
+                                  <p:stCondLst>
+                                    <p:cond delay="0"/>
+                                  </p:stCondLst>
+                                  <p:childTnLst>
+                                    <p:set>
+                                      <p:cBhvr>
+                                        <p:cTn id="30" dur="1" fill="hold">
+                                          <p:stCondLst>
+                                            <p:cond delay="0"/>
+                                          </p:stCondLst>
+                                        </p:cTn>
+                                        <p:tgtEl>
+                                          <p:spTgt spid="11"/>
+                                        </p:tgtEl>
+                                        <p:attrNameLst>
+                                          <p:attrName>style.visibility</p:attrName>
+                                        </p:attrNameLst>
+                                      </p:cBhvr>
+                                      <p:to>
+                                        <p:strVal val="visible"/>
+                                      </p:to>
+                                    </p:set>
+                                    <p:animEffect transition="in" filter="randombar(horizontal)">
+                                      <p:cBhvr>
+                                        <p:cTn id="31" dur="500"/>
+                                        <p:tgtEl>
+                                          <p:spTgt spid="11"/>
+                                        </p:tgtEl>
+                                      </p:cBhvr>
+                                    </p:animEffect>
+                                  </p:childTnLst>
+                                </p:cTn>
+                              </p:par>
+                              <p:par>
+                                <p:cTn id="32" presetID="14" presetClass="entr" presetSubtype="10" fill="hold" grpId="0" nodeType="withEffect">
+                                  <p:stCondLst>
+                                    <p:cond delay="0"/>
+                                  </p:stCondLst>
+                                  <p:childTnLst>
+                                    <p:set>
+                                      <p:cBhvr>
+                                        <p:cTn id="33" dur="1" fill="hold">
+                                          <p:stCondLst>
+                                            <p:cond delay="0"/>
+                                          </p:stCondLst>
+                                        </p:cTn>
+                                        <p:tgtEl>
+                                          <p:spTgt spid="4"/>
+                                        </p:tgtEl>
+                                        <p:attrNameLst>
+                                          <p:attrName>style.visibility</p:attrName>
+                                        </p:attrNameLst>
+                                      </p:cBhvr>
+                                      <p:to>
+                                        <p:strVal val="visible"/>
+                                      </p:to>
+                                    </p:set>
+                                    <p:animEffect transition="in" filter="randombar(horizontal)">
+                                      <p:cBhvr>
+                                        <p:cTn id="34" dur="500"/>
+                                        <p:tgtEl>
+                                          <p:spTgt spid="4"/>
+                                        </p:tgtEl>
+                                      </p:cBhvr>
+                                    </p:animEffect>
+                                  </p:childTnLst>
+                                </p:cTn>
+                              </p:par>
+                              <p:par>
+                                <p:cTn id="35" presetID="14" presetClass="entr" presetSubtype="10" fill="hold" nodeType="withEffect">
+                                  <p:stCondLst>
+                                    <p:cond delay="0"/>
+                                  </p:stCondLst>
+                                  <p:childTnLst>
+                                    <p:set>
+                                      <p:cBhvr>
+                                        <p:cTn id="36" dur="1" fill="hold">
+                                          <p:stCondLst>
+                                            <p:cond delay="0"/>
+                                          </p:stCondLst>
+                                        </p:cTn>
+                                        <p:tgtEl>
+                                          <p:spTgt spid="3"/>
+                                        </p:tgtEl>
+                                        <p:attrNameLst>
+                                          <p:attrName>style.visibility</p:attrName>
+                                        </p:attrNameLst>
+                                      </p:cBhvr>
+                                      <p:to>
+                                        <p:strVal val="visible"/>
+                                      </p:to>
+                                    </p:set>
+                                    <p:animEffect transition="in" filter="randombar(horizontal)">
+                                      <p:cBhvr>
+                                        <p:cTn id="37" dur="500"/>
+                                        <p:tgtEl>
+                                          <p:spTgt spid="3"/>
+                                        </p:tgtEl>
+                                      </p:cBhvr>
+                                    </p:animEffect>
+                                  </p:childTnLst>
+                                </p:cTn>
+                              </p:par>
+                            </p:childTnLst>
+                          </p:cTn>
+                        </p:par>
+                      </p:childTnLst>
+                    </p:cTn>
+                  </p:par>
+                </p:childTnLst>
+              </p:cTn>
+              <p:prevCondLst>
+                <p:cond evt="onPrev" delay="0">
+                  <p:tgtEl>
+                    <p:sldTgt/>
+                  </p:tgtEl>
+                </p:cond>
+              </p:prevCondLst>
+              <p:nextCondLst>
+                <p:cond evt="onNext" delay="0">
+                  <p:tgtEl>
+                    <p:sldTgt/>
+                  </p:tgtEl>
+                </p:cond>
+              </p:nextCondLst>
+            </p:seq>
+          </p:childTnLst>
+        </p:cTn>
+      </p:par>
+    </p:tnLst>
+    <p:bldLst>
       <p:bldP spid="6" grpId="0"/>
       <p:bldP spid="4" grpId="0"/>
+      <p:bldP spid="7" grpId="0"/>
+      <p:bldP spid="10" grpId="0" animBg="1"/>
+      <p:bldP spid="11" grpId="0" animBg="1"/>
+      <p:bldP spid="12" grpId="0"/>
+      <p:bldP spid="13" grpId="0" animBg="1"/>
     </p:bldLst>
   </p:timing>
 </p:sld>
@@ -11414,13 +13086,8 @@
             <a:pPr lvl="1"/>
             <a:r>
               <a:rPr lang="fr-FR" sz="2200" dirty="0" smtClean="0"/>
-              <a:t>Le </a:t>
-            </a:r>
-            <a:r>
-              <a:rPr lang="fr-FR" sz="2200" dirty="0" smtClean="0"/>
-              <a:t>code html </a:t>
-            </a:r>
-            <a:endParaRPr lang="fr-FR" sz="2200" dirty="0" smtClean="0"/>
+              <a:t>Le code html </a:t>
+            </a:r>
           </a:p>
           <a:p>
             <a:pPr lvl="1"/>
@@ -11453,11 +13120,7 @@
             <a:pPr lvl="1"/>
             <a:r>
               <a:rPr lang="fr-FR" sz="2200" dirty="0" smtClean="0"/>
-              <a:t>Le </a:t>
-            </a:r>
-            <a:r>
-              <a:rPr lang="fr-FR" sz="2200" dirty="0" smtClean="0"/>
-              <a:t>code </a:t>
+              <a:t>Le code </a:t>
             </a:r>
             <a:r>
               <a:rPr lang="fr-FR" sz="2200" dirty="0" err="1" smtClean="0"/>
@@ -11532,12 +13195,14 @@
           <a:p>
             <a:pPr lvl="1"/>
             <a:r>
-              <a:rPr lang="fr-FR" sz="2200" dirty="0" smtClean="0"/>
+              <a:rPr lang="fr-FR" sz="2400" dirty="0"/>
               <a:t>Bilan ES6</a:t>
             </a:r>
           </a:p>
           <a:p>
-            <a:pPr lvl="1"/>
+            <a:pPr marL="457200" lvl="1" indent="0">
+              <a:buNone/>
+            </a:pPr>
             <a:endParaRPr lang="fr-FR" sz="2400" dirty="0"/>
           </a:p>
           <a:p>
@@ -11639,7 +13304,7 @@
         </p:nvSpPr>
         <p:spPr>
           <a:xfrm>
-            <a:off x="4228520" y="1123038"/>
+            <a:off x="7794680" y="2034815"/>
             <a:ext cx="4964652" cy="369332"/>
           </a:xfrm>
           <a:prstGeom prst="rect">
@@ -11691,8 +13356,8 @@
         </p:blipFill>
         <p:spPr>
           <a:xfrm>
-            <a:off x="2890901" y="1650101"/>
-            <a:ext cx="6082563" cy="3671457"/>
+            <a:off x="6886830" y="2718351"/>
+            <a:ext cx="4852098" cy="3671457"/>
           </a:xfrm>
           <a:prstGeom prst="rect">
             <a:avLst/>
@@ -11707,8 +13372,8 @@
         </p:nvSpPr>
         <p:spPr>
           <a:xfrm>
-            <a:off x="4502989" y="5762445"/>
-            <a:ext cx="6330682" cy="369332"/>
+            <a:off x="2957653" y="1987197"/>
+            <a:ext cx="1468043" cy="369332"/>
           </a:xfrm>
           <a:prstGeom prst="rect">
             <a:avLst/>
@@ -11722,10 +13387,124 @@
           <a:lstStyle/>
           <a:p>
             <a:r>
-              <a:rPr lang="fr-FR" smtClean="0"/>
-              <a:t>compileur</a:t>
+              <a:rPr lang="fr-FR" dirty="0"/>
+              <a:t>C</a:t>
+            </a:r>
+            <a:r>
+              <a:rPr lang="fr-FR" dirty="0" smtClean="0"/>
+              <a:t>ompiler</a:t>
             </a:r>
             <a:endParaRPr lang="fr-FR" dirty="0"/>
+          </a:p>
+        </p:txBody>
+      </p:sp>
+      <p:sp>
+        <p:nvSpPr>
+          <p:cNvPr id="4" name="ZoneTexte 3"/>
+          <p:cNvSpPr txBox="1"/>
+          <p:nvPr/>
+        </p:nvSpPr>
+        <p:spPr>
+          <a:xfrm>
+            <a:off x="2765629" y="4554080"/>
+            <a:ext cx="3099816" cy="369332"/>
+          </a:xfrm>
+          <a:prstGeom prst="rect">
+            <a:avLst/>
+          </a:prstGeom>
+          <a:noFill/>
+        </p:spPr>
+        <p:txBody>
+          <a:bodyPr wrap="square" rtlCol="0">
+            <a:spAutoFit/>
+          </a:bodyPr>
+          <a:lstStyle/>
+          <a:p>
+            <a:r>
+              <a:rPr lang="fr-FR" dirty="0" smtClean="0"/>
+              <a:t>Convertir ES6 </a:t>
+            </a:r>
+            <a:endParaRPr lang="fr-FR" dirty="0"/>
+          </a:p>
+        </p:txBody>
+      </p:sp>
+      <p:sp>
+        <p:nvSpPr>
+          <p:cNvPr id="5" name="Flèche droite rayée 4"/>
+          <p:cNvSpPr/>
+          <p:nvPr/>
+        </p:nvSpPr>
+        <p:spPr>
+          <a:xfrm rot="5400000">
+            <a:off x="2908498" y="2907160"/>
+            <a:ext cx="1207008" cy="832104"/>
+          </a:xfrm>
+          <a:prstGeom prst="stripedRightArrow">
+            <a:avLst/>
+          </a:prstGeom>
+        </p:spPr>
+        <p:style>
+          <a:lnRef idx="2">
+            <a:schemeClr val="accent1">
+              <a:shade val="50000"/>
+            </a:schemeClr>
+          </a:lnRef>
+          <a:fillRef idx="1">
+            <a:schemeClr val="accent1"/>
+          </a:fillRef>
+          <a:effectRef idx="0">
+            <a:schemeClr val="accent1"/>
+          </a:effectRef>
+          <a:fontRef idx="minor">
+            <a:schemeClr val="lt1"/>
+          </a:fontRef>
+        </p:style>
+        <p:txBody>
+          <a:bodyPr rtlCol="0" anchor="ctr"/>
+          <a:lstStyle/>
+          <a:p>
+            <a:pPr algn="ctr"/>
+            <a:endParaRPr lang="fr-FR"/>
+          </a:p>
+        </p:txBody>
+      </p:sp>
+      <p:sp>
+        <p:nvSpPr>
+          <p:cNvPr id="8" name="Flèche droite rayée 7"/>
+          <p:cNvSpPr/>
+          <p:nvPr/>
+        </p:nvSpPr>
+        <p:spPr>
+          <a:xfrm>
+            <a:off x="5070348" y="4322694"/>
+            <a:ext cx="1207008" cy="832104"/>
+          </a:xfrm>
+          <a:prstGeom prst="stripedRightArrow">
+            <a:avLst/>
+          </a:prstGeom>
+        </p:spPr>
+        <p:style>
+          <a:lnRef idx="2">
+            <a:schemeClr val="accent1">
+              <a:shade val="50000"/>
+            </a:schemeClr>
+          </a:lnRef>
+          <a:fillRef idx="1">
+            <a:schemeClr val="accent1"/>
+          </a:fillRef>
+          <a:effectRef idx="0">
+            <a:schemeClr val="accent1"/>
+          </a:effectRef>
+          <a:fontRef idx="minor">
+            <a:schemeClr val="lt1"/>
+          </a:fontRef>
+        </p:style>
+        <p:txBody>
+          <a:bodyPr rtlCol="0" anchor="ctr"/>
+          <a:lstStyle/>
+          <a:p>
+            <a:pPr algn="ctr"/>
+            <a:endParaRPr lang="fr-FR"/>
           </a:p>
         </p:txBody>
       </p:sp>
@@ -11760,7 +13539,7 @@
                             </p:stCondLst>
                             <p:childTnLst>
                               <p:par>
-                                <p:cTn id="5" presetID="42" presetClass="entr" presetSubtype="0" fill="hold" grpId="0" nodeType="clickEffect">
+                                <p:cTn id="5" presetID="10" presetClass="entr" presetSubtype="0" fill="hold" grpId="0" nodeType="clickEffect">
                                   <p:stCondLst>
                                     <p:cond delay="0"/>
                                   </p:stCondLst>
@@ -11773,7 +13552,7 @@
                                           </p:stCondLst>
                                         </p:cTn>
                                         <p:tgtEl>
-                                          <p:spTgt spid="6"/>
+                                          <p:spTgt spid="3"/>
                                         </p:tgtEl>
                                         <p:attrNameLst>
                                           <p:attrName>style.visibility</p:attrName>
@@ -11787,56 +13566,10 @@
                                       <p:cBhvr>
                                         <p:cTn id="7" dur="500"/>
                                         <p:tgtEl>
-                                          <p:spTgt spid="6"/>
+                                          <p:spTgt spid="3"/>
                                         </p:tgtEl>
                                       </p:cBhvr>
                                     </p:animEffect>
-                                    <p:anim calcmode="lin" valueType="num">
-                                      <p:cBhvr>
-                                        <p:cTn id="8" dur="500" fill="hold"/>
-                                        <p:tgtEl>
-                                          <p:spTgt spid="6"/>
-                                        </p:tgtEl>
-                                        <p:attrNameLst>
-                                          <p:attrName>ppt_x</p:attrName>
-                                        </p:attrNameLst>
-                                      </p:cBhvr>
-                                      <p:tavLst>
-                                        <p:tav tm="0">
-                                          <p:val>
-                                            <p:strVal val="#ppt_x"/>
-                                          </p:val>
-                                        </p:tav>
-                                        <p:tav tm="100000">
-                                          <p:val>
-                                            <p:strVal val="#ppt_x"/>
-                                          </p:val>
-                                        </p:tav>
-                                      </p:tavLst>
-                                    </p:anim>
-                                    <p:anim calcmode="lin" valueType="num">
-                                      <p:cBhvr>
-                                        <p:cTn id="9" dur="500" fill="hold"/>
-                                        <p:tgtEl>
-                                          <p:spTgt spid="6"/>
-                                        </p:tgtEl>
-                                        <p:attrNameLst>
-                                          <p:attrName>ppt_y</p:attrName>
-                                        </p:attrNameLst>
-                                      </p:cBhvr>
-                                      <p:tavLst>
-                                        <p:tav tm="0">
-                                          <p:val>
-                                            <p:strVal val="#ppt_y+.1"/>
-                                          </p:val>
-                                        </p:tav>
-                                        <p:tav tm="100000">
-                                          <p:val>
-                                            <p:strVal val="#ppt_y"/>
-                                          </p:val>
-                                        </p:tav>
-                                      </p:tavLst>
-                                    </p:anim>
                                   </p:childTnLst>
                                 </p:cTn>
                               </p:par>
@@ -11847,32 +13580,32 @@
                     </p:cTn>
                   </p:par>
                   <p:par>
-                    <p:cTn id="10" fill="hold">
+                    <p:cTn id="8" fill="hold">
                       <p:stCondLst>
                         <p:cond delay="indefinite"/>
                       </p:stCondLst>
                       <p:childTnLst>
                         <p:par>
-                          <p:cTn id="11" fill="hold">
+                          <p:cTn id="9" fill="hold">
                             <p:stCondLst>
                               <p:cond delay="0"/>
                             </p:stCondLst>
                             <p:childTnLst>
                               <p:par>
-                                <p:cTn id="12" presetID="6" presetClass="entr" presetSubtype="16" fill="hold" grpId="0" nodeType="clickEffect">
+                                <p:cTn id="10" presetID="10" presetClass="entr" presetSubtype="0" fill="hold" grpId="0" nodeType="clickEffect">
                                   <p:stCondLst>
                                     <p:cond delay="0"/>
                                   </p:stCondLst>
                                   <p:childTnLst>
                                     <p:set>
                                       <p:cBhvr>
-                                        <p:cTn id="13" dur="1" fill="hold">
+                                        <p:cTn id="11" dur="1" fill="hold">
                                           <p:stCondLst>
                                             <p:cond delay="0"/>
                                           </p:stCondLst>
                                         </p:cTn>
                                         <p:tgtEl>
-                                          <p:spTgt spid="3"/>
+                                          <p:spTgt spid="5"/>
                                         </p:tgtEl>
                                         <p:attrNameLst>
                                           <p:attrName>style.visibility</p:attrName>
@@ -11882,11 +13615,169 @@
                                         <p:strVal val="visible"/>
                                       </p:to>
                                     </p:set>
-                                    <p:animEffect transition="in" filter="circle(in)">
+                                    <p:animEffect transition="in" filter="fade">
                                       <p:cBhvr>
-                                        <p:cTn id="14" dur="750"/>
-                                        <p:tgtEl>
-                                          <p:spTgt spid="3"/>
+                                        <p:cTn id="12" dur="500"/>
+                                        <p:tgtEl>
+                                          <p:spTgt spid="5"/>
+                                        </p:tgtEl>
+                                      </p:cBhvr>
+                                    </p:animEffect>
+                                  </p:childTnLst>
+                                </p:cTn>
+                              </p:par>
+                              <p:par>
+                                <p:cTn id="13" presetID="10" presetClass="entr" presetSubtype="0" fill="hold" grpId="0" nodeType="withEffect">
+                                  <p:stCondLst>
+                                    <p:cond delay="0"/>
+                                  </p:stCondLst>
+                                  <p:childTnLst>
+                                    <p:set>
+                                      <p:cBhvr>
+                                        <p:cTn id="14" dur="1" fill="hold">
+                                          <p:stCondLst>
+                                            <p:cond delay="0"/>
+                                          </p:stCondLst>
+                                        </p:cTn>
+                                        <p:tgtEl>
+                                          <p:spTgt spid="4"/>
+                                        </p:tgtEl>
+                                        <p:attrNameLst>
+                                          <p:attrName>style.visibility</p:attrName>
+                                        </p:attrNameLst>
+                                      </p:cBhvr>
+                                      <p:to>
+                                        <p:strVal val="visible"/>
+                                      </p:to>
+                                    </p:set>
+                                    <p:animEffect transition="in" filter="fade">
+                                      <p:cBhvr>
+                                        <p:cTn id="15" dur="500"/>
+                                        <p:tgtEl>
+                                          <p:spTgt spid="4"/>
+                                        </p:tgtEl>
+                                      </p:cBhvr>
+                                    </p:animEffect>
+                                  </p:childTnLst>
+                                </p:cTn>
+                              </p:par>
+                            </p:childTnLst>
+                          </p:cTn>
+                        </p:par>
+                      </p:childTnLst>
+                    </p:cTn>
+                  </p:par>
+                  <p:par>
+                    <p:cTn id="16" fill="hold">
+                      <p:stCondLst>
+                        <p:cond delay="indefinite"/>
+                      </p:stCondLst>
+                      <p:childTnLst>
+                        <p:par>
+                          <p:cTn id="17" fill="hold">
+                            <p:stCondLst>
+                              <p:cond delay="0"/>
+                            </p:stCondLst>
+                            <p:childTnLst>
+                              <p:par>
+                                <p:cTn id="18" presetID="10" presetClass="entr" presetSubtype="0" fill="hold" grpId="0" nodeType="clickEffect">
+                                  <p:stCondLst>
+                                    <p:cond delay="0"/>
+                                  </p:stCondLst>
+                                  <p:childTnLst>
+                                    <p:set>
+                                      <p:cBhvr>
+                                        <p:cTn id="19" dur="1" fill="hold">
+                                          <p:stCondLst>
+                                            <p:cond delay="0"/>
+                                          </p:stCondLst>
+                                        </p:cTn>
+                                        <p:tgtEl>
+                                          <p:spTgt spid="8"/>
+                                        </p:tgtEl>
+                                        <p:attrNameLst>
+                                          <p:attrName>style.visibility</p:attrName>
+                                        </p:attrNameLst>
+                                      </p:cBhvr>
+                                      <p:to>
+                                        <p:strVal val="visible"/>
+                                      </p:to>
+                                    </p:set>
+                                    <p:animEffect transition="in" filter="fade">
+                                      <p:cBhvr>
+                                        <p:cTn id="20" dur="500"/>
+                                        <p:tgtEl>
+                                          <p:spTgt spid="8"/>
+                                        </p:tgtEl>
+                                      </p:cBhvr>
+                                    </p:animEffect>
+                                  </p:childTnLst>
+                                </p:cTn>
+                              </p:par>
+                              <p:par>
+                                <p:cTn id="21" presetID="10" presetClass="entr" presetSubtype="0" fill="hold" nodeType="withEffect">
+                                  <p:stCondLst>
+                                    <p:cond delay="0"/>
+                                  </p:stCondLst>
+                                  <p:childTnLst>
+                                    <p:set>
+                                      <p:cBhvr>
+                                        <p:cTn id="22" dur="1" fill="hold">
+                                          <p:stCondLst>
+                                            <p:cond delay="0"/>
+                                          </p:stCondLst>
+                                        </p:cTn>
+                                        <p:tgtEl>
+                                          <p:spTgt spid="7"/>
+                                        </p:tgtEl>
+                                        <p:attrNameLst>
+                                          <p:attrName>style.visibility</p:attrName>
+                                        </p:attrNameLst>
+                                      </p:cBhvr>
+                                      <p:to>
+                                        <p:strVal val="visible"/>
+                                      </p:to>
+                                    </p:set>
+                                    <p:animEffect transition="in" filter="fade">
+                                      <p:cBhvr>
+                                        <p:cTn id="23" dur="500"/>
+                                        <p:tgtEl>
+                                          <p:spTgt spid="7"/>
+                                        </p:tgtEl>
+                                      </p:cBhvr>
+                                    </p:animEffect>
+                                  </p:childTnLst>
+                                </p:cTn>
+                              </p:par>
+                              <p:par>
+                                <p:cTn id="24" presetID="10" presetClass="entr" presetSubtype="0" fill="hold" grpId="0" nodeType="withEffect">
+                                  <p:stCondLst>
+                                    <p:cond delay="0"/>
+                                  </p:stCondLst>
+                                  <p:childTnLst>
+                                    <p:set>
+                                      <p:cBhvr>
+                                        <p:cTn id="25" dur="1" fill="hold">
+                                          <p:stCondLst>
+                                            <p:cond delay="0"/>
+                                          </p:stCondLst>
+                                        </p:cTn>
+                                        <p:tgtEl>
+                                          <p:spTgt spid="6"/>
+                                        </p:tgtEl>
+                                        <p:attrNameLst>
+                                          <p:attrName>style.visibility</p:attrName>
+                                        </p:attrNameLst>
+                                      </p:cBhvr>
+                                      <p:to>
+                                        <p:strVal val="visible"/>
+                                      </p:to>
+                                    </p:set>
+                                    <p:animEffect transition="in" filter="fade">
+                                      <p:cBhvr>
+                                        <p:cTn id="26" dur="500"/>
+                                        <p:tgtEl>
+                                          <p:spTgt spid="6"/>
                                         </p:tgtEl>
                                       </p:cBhvr>
                                     </p:animEffect>
@@ -11923,6 +13814,9 @@
     <p:bldLst>
       <p:bldP spid="6" grpId="0"/>
       <p:bldP spid="3" grpId="0"/>
+      <p:bldP spid="4" grpId="0"/>
+      <p:bldP spid="5" grpId="0" animBg="1"/>
+      <p:bldP spid="8" grpId="0" animBg="1"/>
     </p:bldLst>
   </p:timing>
 </p:sld>
@@ -11957,7 +13851,7 @@
         </p:nvSpPr>
         <p:spPr>
           <a:xfrm>
-            <a:off x="4642299" y="126521"/>
+            <a:off x="5159096" y="38733"/>
             <a:ext cx="2897188" cy="1771290"/>
           </a:xfrm>
         </p:spPr>
@@ -11966,8 +13860,12 @@
           <a:lstStyle/>
           <a:p>
             <a:r>
+              <a:rPr lang="fr-FR" sz="3600" dirty="0"/>
+              <a:t>Bilan ES6</a:t>
+            </a:r>
+            <a:r>
               <a:rPr lang="fr-FR" dirty="0"/>
-              <a:t>Bilan ES6</a:t>
+              <a:t/>
             </a:r>
             <a:br>
               <a:rPr lang="fr-FR" dirty="0"/>
@@ -11984,7 +13882,7 @@
         </p:nvSpPr>
         <p:spPr>
           <a:xfrm>
-            <a:off x="2458529" y="1893173"/>
+            <a:off x="3070830" y="1773438"/>
             <a:ext cx="1647645" cy="369332"/>
           </a:xfrm>
           <a:prstGeom prst="rect">
@@ -12014,7 +13912,7 @@
         </p:nvSpPr>
         <p:spPr>
           <a:xfrm>
-            <a:off x="8177842" y="1840937"/>
+            <a:off x="8384089" y="1697502"/>
             <a:ext cx="2812211" cy="369332"/>
           </a:xfrm>
           <a:prstGeom prst="rect">
@@ -12044,7 +13942,7 @@
         </p:nvSpPr>
         <p:spPr>
           <a:xfrm>
-            <a:off x="2104845" y="3640975"/>
+            <a:off x="2531980" y="4279331"/>
             <a:ext cx="3424687" cy="369332"/>
           </a:xfrm>
           <a:prstGeom prst="rect">
@@ -12074,7 +13972,7 @@
         </p:nvSpPr>
         <p:spPr>
           <a:xfrm>
-            <a:off x="2104845" y="4419586"/>
+            <a:off x="2976757" y="5434470"/>
             <a:ext cx="3114136" cy="369332"/>
           </a:xfrm>
           <a:prstGeom prst="rect">
@@ -12104,8 +14002,8 @@
         </p:nvSpPr>
         <p:spPr>
           <a:xfrm>
-            <a:off x="4019909" y="4419586"/>
-            <a:ext cx="1915065" cy="923330"/>
+            <a:off x="1905314" y="5746698"/>
+            <a:ext cx="3920018" cy="369332"/>
           </a:xfrm>
           <a:prstGeom prst="rect">
             <a:avLst/>
@@ -12118,9 +14016,14 @@
           </a:bodyPr>
           <a:lstStyle/>
           <a:p>
+            <a:pPr algn="ctr"/>
             <a:r>
               <a:rPr lang="fr-FR" dirty="0" smtClean="0"/>
-              <a:t>(Let/</a:t>
+              <a:t>(</a:t>
+            </a:r>
+            <a:r>
+              <a:rPr lang="fr-FR" dirty="0" smtClean="0"/>
+              <a:t>Let/</a:t>
             </a:r>
             <a:r>
               <a:rPr lang="fr-FR" dirty="0" err="1" smtClean="0"/>
@@ -12128,16 +14031,15 @@
             </a:r>
             <a:r>
               <a:rPr lang="fr-FR" dirty="0" smtClean="0"/>
-              <a:t>)</a:t>
-            </a:r>
-          </a:p>
-          <a:p>
-            <a:endParaRPr lang="fr-FR" dirty="0"/>
-          </a:p>
-          <a:p>
+              <a:t>, </a:t>
+            </a:r>
             <a:r>
               <a:rPr lang="fr-FR" dirty="0" smtClean="0"/>
-              <a:t>(Mode stricte)</a:t>
+              <a:t>Mode </a:t>
+            </a:r>
+            <a:r>
+              <a:rPr lang="fr-FR" dirty="0" smtClean="0"/>
+              <a:t>stricte)</a:t>
             </a:r>
             <a:endParaRPr lang="fr-FR" dirty="0"/>
           </a:p>
@@ -12151,7 +14053,7 @@
         </p:nvSpPr>
         <p:spPr>
           <a:xfrm>
-            <a:off x="7423031" y="3106026"/>
+            <a:off x="8056284" y="3015322"/>
             <a:ext cx="3355675" cy="646331"/>
           </a:xfrm>
           <a:prstGeom prst="rect">
@@ -12181,7 +14083,7 @@
         </p:nvSpPr>
         <p:spPr>
           <a:xfrm>
-            <a:off x="7423031" y="4279084"/>
+            <a:off x="8195763" y="4202641"/>
             <a:ext cx="2924355" cy="646331"/>
           </a:xfrm>
           <a:prstGeom prst="rect">
@@ -12205,22 +14107,52 @@
       </p:sp>
       <p:sp>
         <p:nvSpPr>
-          <p:cNvPr id="3" name="Bulle ronde 2"/>
+          <p:cNvPr id="13" name="ZoneTexte 12"/>
+          <p:cNvSpPr txBox="1"/>
+          <p:nvPr/>
+        </p:nvSpPr>
+        <p:spPr>
+          <a:xfrm>
+            <a:off x="1992528" y="3088571"/>
+            <a:ext cx="3830129" cy="369332"/>
+          </a:xfrm>
+          <a:prstGeom prst="rect">
+            <a:avLst/>
+          </a:prstGeom>
+          <a:noFill/>
+        </p:spPr>
+        <p:txBody>
+          <a:bodyPr wrap="square" rtlCol="0">
+            <a:spAutoFit/>
+          </a:bodyPr>
+          <a:lstStyle/>
+          <a:p>
+            <a:r>
+              <a:rPr lang="fr-FR" dirty="0" smtClean="0"/>
+              <a:t>Code plus structuré et plus lisible</a:t>
+            </a:r>
+            <a:endParaRPr lang="fr-FR" dirty="0"/>
+          </a:p>
+        </p:txBody>
+      </p:sp>
+      <p:sp>
+        <p:nvSpPr>
+          <p:cNvPr id="7" name="Pentagone 6"/>
           <p:cNvSpPr/>
           <p:nvPr/>
         </p:nvSpPr>
         <p:spPr>
-          <a:xfrm rot="10800000">
-            <a:off x="1565694" y="1457756"/>
-            <a:ext cx="3950898" cy="1121542"/>
-          </a:xfrm>
-          <a:prstGeom prst="wedgeEllipseCallout">
+          <a:xfrm rot="5400000">
+            <a:off x="3246214" y="193158"/>
+            <a:ext cx="1296878" cy="3821500"/>
+          </a:xfrm>
+          <a:prstGeom prst="homePlate">
             <a:avLst/>
           </a:prstGeom>
           <a:noFill/>
           <a:ln>
             <a:solidFill>
-              <a:schemeClr val="accent1"/>
+              <a:srgbClr val="C00000"/>
             </a:solidFill>
           </a:ln>
         </p:spPr>
@@ -12251,22 +14183,22 @@
       </p:sp>
       <p:sp>
         <p:nvSpPr>
-          <p:cNvPr id="12" name="Bulle ronde 11"/>
+          <p:cNvPr id="14" name="Pentagone 13"/>
           <p:cNvSpPr/>
           <p:nvPr/>
         </p:nvSpPr>
         <p:spPr>
-          <a:xfrm rot="10800000" flipH="1">
-            <a:off x="6839459" y="1450679"/>
-            <a:ext cx="3939247" cy="1128619"/>
-          </a:xfrm>
-          <a:prstGeom prst="wedgeEllipseCallout">
+          <a:xfrm rot="5400000">
+            <a:off x="3417158" y="1547963"/>
+            <a:ext cx="972242" cy="3821502"/>
+          </a:xfrm>
+          <a:prstGeom prst="homePlate">
             <a:avLst/>
           </a:prstGeom>
           <a:noFill/>
           <a:ln>
             <a:solidFill>
-              <a:schemeClr val="accent1"/>
+              <a:srgbClr val="C00000"/>
             </a:solidFill>
           </a:ln>
         </p:spPr>
@@ -12297,14 +14229,290 @@
       </p:sp>
       <p:sp>
         <p:nvSpPr>
-          <p:cNvPr id="13" name="ZoneTexte 12"/>
+          <p:cNvPr id="15" name="Pentagone 14"/>
+          <p:cNvSpPr/>
+          <p:nvPr/>
+        </p:nvSpPr>
+        <p:spPr>
+          <a:xfrm rot="5400000">
+            <a:off x="3408531" y="2722732"/>
+            <a:ext cx="972242" cy="3821502"/>
+          </a:xfrm>
+          <a:prstGeom prst="homePlate">
+            <a:avLst/>
+          </a:prstGeom>
+          <a:noFill/>
+          <a:ln>
+            <a:solidFill>
+              <a:srgbClr val="C00000"/>
+            </a:solidFill>
+          </a:ln>
+        </p:spPr>
+        <p:style>
+          <a:lnRef idx="2">
+            <a:schemeClr val="accent1">
+              <a:shade val="50000"/>
+            </a:schemeClr>
+          </a:lnRef>
+          <a:fillRef idx="1">
+            <a:schemeClr val="accent1"/>
+          </a:fillRef>
+          <a:effectRef idx="0">
+            <a:schemeClr val="accent1"/>
+          </a:effectRef>
+          <a:fontRef idx="minor">
+            <a:schemeClr val="lt1"/>
+          </a:fontRef>
+        </p:style>
+        <p:txBody>
+          <a:bodyPr rtlCol="0" anchor="ctr"/>
+          <a:lstStyle/>
+          <a:p>
+            <a:pPr algn="ctr"/>
+            <a:endParaRPr lang="fr-FR"/>
+          </a:p>
+        </p:txBody>
+      </p:sp>
+      <p:sp>
+        <p:nvSpPr>
+          <p:cNvPr id="16" name="Pentagone 15"/>
+          <p:cNvSpPr/>
+          <p:nvPr/>
+        </p:nvSpPr>
+        <p:spPr>
+          <a:xfrm rot="5400000">
+            <a:off x="3379202" y="4064160"/>
+            <a:ext cx="972242" cy="3821502"/>
+          </a:xfrm>
+          <a:prstGeom prst="homePlate">
+            <a:avLst/>
+          </a:prstGeom>
+          <a:noFill/>
+          <a:ln>
+            <a:solidFill>
+              <a:srgbClr val="C00000"/>
+            </a:solidFill>
+          </a:ln>
+        </p:spPr>
+        <p:style>
+          <a:lnRef idx="2">
+            <a:schemeClr val="accent1">
+              <a:shade val="50000"/>
+            </a:schemeClr>
+          </a:lnRef>
+          <a:fillRef idx="1">
+            <a:schemeClr val="accent1"/>
+          </a:fillRef>
+          <a:effectRef idx="0">
+            <a:schemeClr val="accent1"/>
+          </a:effectRef>
+          <a:fontRef idx="minor">
+            <a:schemeClr val="lt1"/>
+          </a:fontRef>
+        </p:style>
+        <p:txBody>
+          <a:bodyPr rtlCol="0" anchor="ctr"/>
+          <a:lstStyle/>
+          <a:p>
+            <a:pPr algn="ctr"/>
+            <a:endParaRPr lang="fr-FR"/>
+          </a:p>
+        </p:txBody>
+      </p:sp>
+      <p:sp>
+        <p:nvSpPr>
+          <p:cNvPr id="17" name="Pentagone 16"/>
+          <p:cNvSpPr/>
+          <p:nvPr/>
+        </p:nvSpPr>
+        <p:spPr>
+          <a:xfrm rot="5400000">
+            <a:off x="8637111" y="193158"/>
+            <a:ext cx="1296878" cy="3821500"/>
+          </a:xfrm>
+          <a:prstGeom prst="homePlate">
+            <a:avLst/>
+          </a:prstGeom>
+          <a:noFill/>
+          <a:ln>
+            <a:solidFill>
+              <a:srgbClr val="C00000"/>
+            </a:solidFill>
+          </a:ln>
+        </p:spPr>
+        <p:style>
+          <a:lnRef idx="2">
+            <a:schemeClr val="accent1">
+              <a:shade val="50000"/>
+            </a:schemeClr>
+          </a:lnRef>
+          <a:fillRef idx="1">
+            <a:schemeClr val="accent1"/>
+          </a:fillRef>
+          <a:effectRef idx="0">
+            <a:schemeClr val="accent1"/>
+          </a:effectRef>
+          <a:fontRef idx="minor">
+            <a:schemeClr val="lt1"/>
+          </a:fontRef>
+        </p:style>
+        <p:txBody>
+          <a:bodyPr rtlCol="0" anchor="ctr"/>
+          <a:lstStyle/>
+          <a:p>
+            <a:pPr algn="ctr"/>
+            <a:endParaRPr lang="fr-FR"/>
+          </a:p>
+        </p:txBody>
+      </p:sp>
+      <p:sp>
+        <p:nvSpPr>
+          <p:cNvPr id="18" name="Pentagone 17"/>
+          <p:cNvSpPr/>
+          <p:nvPr/>
+        </p:nvSpPr>
+        <p:spPr>
+          <a:xfrm rot="5400000">
+            <a:off x="8799430" y="1547152"/>
+            <a:ext cx="972242" cy="3821502"/>
+          </a:xfrm>
+          <a:prstGeom prst="homePlate">
+            <a:avLst/>
+          </a:prstGeom>
+          <a:noFill/>
+          <a:ln>
+            <a:solidFill>
+              <a:srgbClr val="C00000"/>
+            </a:solidFill>
+          </a:ln>
+        </p:spPr>
+        <p:style>
+          <a:lnRef idx="2">
+            <a:schemeClr val="accent1">
+              <a:shade val="50000"/>
+            </a:schemeClr>
+          </a:lnRef>
+          <a:fillRef idx="1">
+            <a:schemeClr val="accent1"/>
+          </a:fillRef>
+          <a:effectRef idx="0">
+            <a:schemeClr val="accent1"/>
+          </a:effectRef>
+          <a:fontRef idx="minor">
+            <a:schemeClr val="lt1"/>
+          </a:fontRef>
+        </p:style>
+        <p:txBody>
+          <a:bodyPr rtlCol="0" anchor="ctr"/>
+          <a:lstStyle/>
+          <a:p>
+            <a:pPr algn="ctr"/>
+            <a:endParaRPr lang="fr-FR"/>
+          </a:p>
+        </p:txBody>
+      </p:sp>
+      <p:sp>
+        <p:nvSpPr>
+          <p:cNvPr id="19" name="Pentagone 18"/>
+          <p:cNvSpPr/>
+          <p:nvPr/>
+        </p:nvSpPr>
+        <p:spPr>
+          <a:xfrm rot="5400000">
+            <a:off x="8799430" y="2738829"/>
+            <a:ext cx="972242" cy="3821502"/>
+          </a:xfrm>
+          <a:prstGeom prst="homePlate">
+            <a:avLst/>
+          </a:prstGeom>
+          <a:noFill/>
+          <a:ln>
+            <a:solidFill>
+              <a:srgbClr val="C00000"/>
+            </a:solidFill>
+          </a:ln>
+        </p:spPr>
+        <p:style>
+          <a:lnRef idx="2">
+            <a:schemeClr val="accent1">
+              <a:shade val="50000"/>
+            </a:schemeClr>
+          </a:lnRef>
+          <a:fillRef idx="1">
+            <a:schemeClr val="accent1"/>
+          </a:fillRef>
+          <a:effectRef idx="0">
+            <a:schemeClr val="accent1"/>
+          </a:effectRef>
+          <a:fontRef idx="minor">
+            <a:schemeClr val="lt1"/>
+          </a:fontRef>
+        </p:style>
+        <p:txBody>
+          <a:bodyPr rtlCol="0" anchor="ctr"/>
+          <a:lstStyle/>
+          <a:p>
+            <a:pPr algn="ctr"/>
+            <a:endParaRPr lang="fr-FR"/>
+          </a:p>
+        </p:txBody>
+      </p:sp>
+      <p:sp>
+        <p:nvSpPr>
+          <p:cNvPr id="20" name="Pentagone 19"/>
+          <p:cNvSpPr/>
+          <p:nvPr/>
+        </p:nvSpPr>
+        <p:spPr>
+          <a:xfrm rot="5400000">
+            <a:off x="8732390" y="4078024"/>
+            <a:ext cx="972242" cy="3821502"/>
+          </a:xfrm>
+          <a:prstGeom prst="homePlate">
+            <a:avLst/>
+          </a:prstGeom>
+          <a:noFill/>
+          <a:ln>
+            <a:solidFill>
+              <a:srgbClr val="C00000"/>
+            </a:solidFill>
+          </a:ln>
+        </p:spPr>
+        <p:style>
+          <a:lnRef idx="2">
+            <a:schemeClr val="accent1">
+              <a:shade val="50000"/>
+            </a:schemeClr>
+          </a:lnRef>
+          <a:fillRef idx="1">
+            <a:schemeClr val="accent1"/>
+          </a:fillRef>
+          <a:effectRef idx="0">
+            <a:schemeClr val="accent1"/>
+          </a:effectRef>
+          <a:fontRef idx="minor">
+            <a:schemeClr val="lt1"/>
+          </a:fontRef>
+        </p:style>
+        <p:txBody>
+          <a:bodyPr rtlCol="0" anchor="ctr"/>
+          <a:lstStyle/>
+          <a:p>
+            <a:pPr algn="ctr"/>
+            <a:endParaRPr lang="fr-FR"/>
+          </a:p>
+        </p:txBody>
+      </p:sp>
+      <p:sp>
+        <p:nvSpPr>
+          <p:cNvPr id="21" name="ZoneTexte 20"/>
           <p:cNvSpPr txBox="1"/>
           <p:nvPr/>
         </p:nvSpPr>
         <p:spPr>
           <a:xfrm>
-            <a:off x="2104845" y="2907102"/>
-            <a:ext cx="3830129" cy="369332"/>
+            <a:off x="8750808" y="5637720"/>
+            <a:ext cx="2779776" cy="369332"/>
           </a:xfrm>
           <a:prstGeom prst="rect">
             <a:avLst/>
@@ -12318,10 +14526,13 @@
           <a:lstStyle/>
           <a:p>
             <a:r>
+              <a:rPr lang="fr-FR" dirty="0" err="1" smtClean="0"/>
+              <a:t>Fetch</a:t>
+            </a:r>
+            <a:r>
               <a:rPr lang="fr-FR" dirty="0" smtClean="0"/>
-              <a:t>Code plus structuré et plus lisible</a:t>
-            </a:r>
-            <a:endParaRPr lang="fr-FR" dirty="0"/>
+              <a:t>()</a:t>
+            </a:r>
           </a:p>
         </p:txBody>
       </p:sp>
@@ -12338,9 +14549,790 @@
   <p:timing>
     <p:tnLst>
       <p:par>
-        <p:cTn id="1" dur="indefinite" restart="never" nodeType="tmRoot"/>
+        <p:cTn id="1" dur="indefinite" restart="never" nodeType="tmRoot">
+          <p:childTnLst>
+            <p:seq concurrent="1" nextAc="seek">
+              <p:cTn id="2" dur="indefinite" nodeType="mainSeq">
+                <p:childTnLst>
+                  <p:par>
+                    <p:cTn id="3" fill="hold">
+                      <p:stCondLst>
+                        <p:cond delay="indefinite"/>
+                      </p:stCondLst>
+                      <p:childTnLst>
+                        <p:par>
+                          <p:cTn id="4" fill="hold">
+                            <p:stCondLst>
+                              <p:cond delay="0"/>
+                            </p:stCondLst>
+                            <p:childTnLst>
+                              <p:par>
+                                <p:cTn id="5" presetID="14" presetClass="entr" presetSubtype="10" fill="hold" grpId="0" nodeType="clickEffect">
+                                  <p:stCondLst>
+                                    <p:cond delay="0"/>
+                                  </p:stCondLst>
+                                  <p:childTnLst>
+                                    <p:set>
+                                      <p:cBhvr>
+                                        <p:cTn id="6" dur="1" fill="hold">
+                                          <p:stCondLst>
+                                            <p:cond delay="0"/>
+                                          </p:stCondLst>
+                                        </p:cTn>
+                                        <p:tgtEl>
+                                          <p:spTgt spid="7"/>
+                                        </p:tgtEl>
+                                        <p:attrNameLst>
+                                          <p:attrName>style.visibility</p:attrName>
+                                        </p:attrNameLst>
+                                      </p:cBhvr>
+                                      <p:to>
+                                        <p:strVal val="visible"/>
+                                      </p:to>
+                                    </p:set>
+                                    <p:animEffect transition="in" filter="randombar(horizontal)">
+                                      <p:cBhvr>
+                                        <p:cTn id="7" dur="500"/>
+                                        <p:tgtEl>
+                                          <p:spTgt spid="7"/>
+                                        </p:tgtEl>
+                                      </p:cBhvr>
+                                    </p:animEffect>
+                                  </p:childTnLst>
+                                </p:cTn>
+                              </p:par>
+                              <p:par>
+                                <p:cTn id="8" presetID="14" presetClass="entr" presetSubtype="10" fill="hold" grpId="0" nodeType="withEffect">
+                                  <p:stCondLst>
+                                    <p:cond delay="0"/>
+                                  </p:stCondLst>
+                                  <p:childTnLst>
+                                    <p:set>
+                                      <p:cBhvr>
+                                        <p:cTn id="9" dur="1" fill="hold">
+                                          <p:stCondLst>
+                                            <p:cond delay="0"/>
+                                          </p:stCondLst>
+                                        </p:cTn>
+                                        <p:tgtEl>
+                                          <p:spTgt spid="4"/>
+                                        </p:tgtEl>
+                                        <p:attrNameLst>
+                                          <p:attrName>style.visibility</p:attrName>
+                                        </p:attrNameLst>
+                                      </p:cBhvr>
+                                      <p:to>
+                                        <p:strVal val="visible"/>
+                                      </p:to>
+                                    </p:set>
+                                    <p:animEffect transition="in" filter="randombar(horizontal)">
+                                      <p:cBhvr>
+                                        <p:cTn id="10" dur="500"/>
+                                        <p:tgtEl>
+                                          <p:spTgt spid="4"/>
+                                        </p:tgtEl>
+                                      </p:cBhvr>
+                                    </p:animEffect>
+                                  </p:childTnLst>
+                                </p:cTn>
+                              </p:par>
+                            </p:childTnLst>
+                          </p:cTn>
+                        </p:par>
+                      </p:childTnLst>
+                    </p:cTn>
+                  </p:par>
+                  <p:par>
+                    <p:cTn id="11" fill="hold">
+                      <p:stCondLst>
+                        <p:cond delay="indefinite"/>
+                      </p:stCondLst>
+                      <p:childTnLst>
+                        <p:par>
+                          <p:cTn id="12" fill="hold">
+                            <p:stCondLst>
+                              <p:cond delay="0"/>
+                            </p:stCondLst>
+                            <p:childTnLst>
+                              <p:par>
+                                <p:cTn id="13" presetID="14" presetClass="entr" presetSubtype="10" fill="hold" grpId="0" nodeType="clickEffect">
+                                  <p:stCondLst>
+                                    <p:cond delay="0"/>
+                                  </p:stCondLst>
+                                  <p:childTnLst>
+                                    <p:set>
+                                      <p:cBhvr>
+                                        <p:cTn id="14" dur="1" fill="hold">
+                                          <p:stCondLst>
+                                            <p:cond delay="0"/>
+                                          </p:stCondLst>
+                                        </p:cTn>
+                                        <p:tgtEl>
+                                          <p:spTgt spid="14"/>
+                                        </p:tgtEl>
+                                        <p:attrNameLst>
+                                          <p:attrName>style.visibility</p:attrName>
+                                        </p:attrNameLst>
+                                      </p:cBhvr>
+                                      <p:to>
+                                        <p:strVal val="visible"/>
+                                      </p:to>
+                                    </p:set>
+                                    <p:animEffect transition="in" filter="randombar(horizontal)">
+                                      <p:cBhvr>
+                                        <p:cTn id="15" dur="500"/>
+                                        <p:tgtEl>
+                                          <p:spTgt spid="14"/>
+                                        </p:tgtEl>
+                                      </p:cBhvr>
+                                    </p:animEffect>
+                                  </p:childTnLst>
+                                </p:cTn>
+                              </p:par>
+                              <p:par>
+                                <p:cTn id="16" presetID="14" presetClass="entr" presetSubtype="10" fill="hold" grpId="0" nodeType="withEffect">
+                                  <p:stCondLst>
+                                    <p:cond delay="0"/>
+                                  </p:stCondLst>
+                                  <p:childTnLst>
+                                    <p:set>
+                                      <p:cBhvr>
+                                        <p:cTn id="17" dur="1" fill="hold">
+                                          <p:stCondLst>
+                                            <p:cond delay="0"/>
+                                          </p:stCondLst>
+                                        </p:cTn>
+                                        <p:tgtEl>
+                                          <p:spTgt spid="13"/>
+                                        </p:tgtEl>
+                                        <p:attrNameLst>
+                                          <p:attrName>style.visibility</p:attrName>
+                                        </p:attrNameLst>
+                                      </p:cBhvr>
+                                      <p:to>
+                                        <p:strVal val="visible"/>
+                                      </p:to>
+                                    </p:set>
+                                    <p:animEffect transition="in" filter="randombar(horizontal)">
+                                      <p:cBhvr>
+                                        <p:cTn id="18" dur="500"/>
+                                        <p:tgtEl>
+                                          <p:spTgt spid="13"/>
+                                        </p:tgtEl>
+                                      </p:cBhvr>
+                                    </p:animEffect>
+                                  </p:childTnLst>
+                                </p:cTn>
+                              </p:par>
+                            </p:childTnLst>
+                          </p:cTn>
+                        </p:par>
+                      </p:childTnLst>
+                    </p:cTn>
+                  </p:par>
+                  <p:par>
+                    <p:cTn id="19" fill="hold">
+                      <p:stCondLst>
+                        <p:cond delay="indefinite"/>
+                      </p:stCondLst>
+                      <p:childTnLst>
+                        <p:par>
+                          <p:cTn id="20" fill="hold">
+                            <p:stCondLst>
+                              <p:cond delay="0"/>
+                            </p:stCondLst>
+                            <p:childTnLst>
+                              <p:par>
+                                <p:cTn id="21" presetID="14" presetClass="entr" presetSubtype="10" fill="hold" grpId="0" nodeType="clickEffect">
+                                  <p:stCondLst>
+                                    <p:cond delay="0"/>
+                                  </p:stCondLst>
+                                  <p:childTnLst>
+                                    <p:set>
+                                      <p:cBhvr>
+                                        <p:cTn id="22" dur="1" fill="hold">
+                                          <p:stCondLst>
+                                            <p:cond delay="0"/>
+                                          </p:stCondLst>
+                                        </p:cTn>
+                                        <p:tgtEl>
+                                          <p:spTgt spid="6"/>
+                                        </p:tgtEl>
+                                        <p:attrNameLst>
+                                          <p:attrName>style.visibility</p:attrName>
+                                        </p:attrNameLst>
+                                      </p:cBhvr>
+                                      <p:to>
+                                        <p:strVal val="visible"/>
+                                      </p:to>
+                                    </p:set>
+                                    <p:animEffect transition="in" filter="randombar(horizontal)">
+                                      <p:cBhvr>
+                                        <p:cTn id="23" dur="500"/>
+                                        <p:tgtEl>
+                                          <p:spTgt spid="6"/>
+                                        </p:tgtEl>
+                                      </p:cBhvr>
+                                    </p:animEffect>
+                                  </p:childTnLst>
+                                </p:cTn>
+                              </p:par>
+                              <p:par>
+                                <p:cTn id="24" presetID="14" presetClass="entr" presetSubtype="10" fill="hold" grpId="0" nodeType="withEffect">
+                                  <p:stCondLst>
+                                    <p:cond delay="0"/>
+                                  </p:stCondLst>
+                                  <p:childTnLst>
+                                    <p:set>
+                                      <p:cBhvr>
+                                        <p:cTn id="25" dur="1" fill="hold">
+                                          <p:stCondLst>
+                                            <p:cond delay="0"/>
+                                          </p:stCondLst>
+                                        </p:cTn>
+                                        <p:tgtEl>
+                                          <p:spTgt spid="15"/>
+                                        </p:tgtEl>
+                                        <p:attrNameLst>
+                                          <p:attrName>style.visibility</p:attrName>
+                                        </p:attrNameLst>
+                                      </p:cBhvr>
+                                      <p:to>
+                                        <p:strVal val="visible"/>
+                                      </p:to>
+                                    </p:set>
+                                    <p:animEffect transition="in" filter="randombar(horizontal)">
+                                      <p:cBhvr>
+                                        <p:cTn id="26" dur="500"/>
+                                        <p:tgtEl>
+                                          <p:spTgt spid="15"/>
+                                        </p:tgtEl>
+                                      </p:cBhvr>
+                                    </p:animEffect>
+                                  </p:childTnLst>
+                                </p:cTn>
+                              </p:par>
+                            </p:childTnLst>
+                          </p:cTn>
+                        </p:par>
+                      </p:childTnLst>
+                    </p:cTn>
+                  </p:par>
+                  <p:par>
+                    <p:cTn id="27" fill="hold">
+                      <p:stCondLst>
+                        <p:cond delay="indefinite"/>
+                      </p:stCondLst>
+                      <p:childTnLst>
+                        <p:par>
+                          <p:cTn id="28" fill="hold">
+                            <p:stCondLst>
+                              <p:cond delay="0"/>
+                            </p:stCondLst>
+                            <p:childTnLst>
+                              <p:par>
+                                <p:cTn id="29" presetID="14" presetClass="entr" presetSubtype="10" fill="hold" grpId="0" nodeType="clickEffect">
+                                  <p:stCondLst>
+                                    <p:cond delay="0"/>
+                                  </p:stCondLst>
+                                  <p:childTnLst>
+                                    <p:set>
+                                      <p:cBhvr>
+                                        <p:cTn id="30" dur="1" fill="hold">
+                                          <p:stCondLst>
+                                            <p:cond delay="0"/>
+                                          </p:stCondLst>
+                                        </p:cTn>
+                                        <p:tgtEl>
+                                          <p:spTgt spid="8"/>
+                                        </p:tgtEl>
+                                        <p:attrNameLst>
+                                          <p:attrName>style.visibility</p:attrName>
+                                        </p:attrNameLst>
+                                      </p:cBhvr>
+                                      <p:to>
+                                        <p:strVal val="visible"/>
+                                      </p:to>
+                                    </p:set>
+                                    <p:animEffect transition="in" filter="randombar(horizontal)">
+                                      <p:cBhvr>
+                                        <p:cTn id="31" dur="500"/>
+                                        <p:tgtEl>
+                                          <p:spTgt spid="8"/>
+                                        </p:tgtEl>
+                                      </p:cBhvr>
+                                    </p:animEffect>
+                                  </p:childTnLst>
+                                </p:cTn>
+                              </p:par>
+                              <p:par>
+                                <p:cTn id="32" presetID="14" presetClass="entr" presetSubtype="10" fill="hold" grpId="0" nodeType="withEffect">
+                                  <p:stCondLst>
+                                    <p:cond delay="0"/>
+                                  </p:stCondLst>
+                                  <p:childTnLst>
+                                    <p:set>
+                                      <p:cBhvr>
+                                        <p:cTn id="33" dur="1" fill="hold">
+                                          <p:stCondLst>
+                                            <p:cond delay="0"/>
+                                          </p:stCondLst>
+                                        </p:cTn>
+                                        <p:tgtEl>
+                                          <p:spTgt spid="9"/>
+                                        </p:tgtEl>
+                                        <p:attrNameLst>
+                                          <p:attrName>style.visibility</p:attrName>
+                                        </p:attrNameLst>
+                                      </p:cBhvr>
+                                      <p:to>
+                                        <p:strVal val="visible"/>
+                                      </p:to>
+                                    </p:set>
+                                    <p:animEffect transition="in" filter="randombar(horizontal)">
+                                      <p:cBhvr>
+                                        <p:cTn id="34" dur="500"/>
+                                        <p:tgtEl>
+                                          <p:spTgt spid="9"/>
+                                        </p:tgtEl>
+                                      </p:cBhvr>
+                                    </p:animEffect>
+                                  </p:childTnLst>
+                                </p:cTn>
+                              </p:par>
+                              <p:par>
+                                <p:cTn id="35" presetID="14" presetClass="entr" presetSubtype="10" fill="hold" grpId="0" nodeType="withEffect">
+                                  <p:stCondLst>
+                                    <p:cond delay="0"/>
+                                  </p:stCondLst>
+                                  <p:childTnLst>
+                                    <p:set>
+                                      <p:cBhvr>
+                                        <p:cTn id="36" dur="1" fill="hold">
+                                          <p:stCondLst>
+                                            <p:cond delay="0"/>
+                                          </p:stCondLst>
+                                        </p:cTn>
+                                        <p:tgtEl>
+                                          <p:spTgt spid="16"/>
+                                        </p:tgtEl>
+                                        <p:attrNameLst>
+                                          <p:attrName>style.visibility</p:attrName>
+                                        </p:attrNameLst>
+                                      </p:cBhvr>
+                                      <p:to>
+                                        <p:strVal val="visible"/>
+                                      </p:to>
+                                    </p:set>
+                                    <p:animEffect transition="in" filter="randombar(horizontal)">
+                                      <p:cBhvr>
+                                        <p:cTn id="37" dur="500"/>
+                                        <p:tgtEl>
+                                          <p:spTgt spid="16"/>
+                                        </p:tgtEl>
+                                      </p:cBhvr>
+                                    </p:animEffect>
+                                  </p:childTnLst>
+                                </p:cTn>
+                              </p:par>
+                            </p:childTnLst>
+                          </p:cTn>
+                        </p:par>
+                      </p:childTnLst>
+                    </p:cTn>
+                  </p:par>
+                  <p:par>
+                    <p:cTn id="38" fill="hold">
+                      <p:stCondLst>
+                        <p:cond delay="indefinite"/>
+                      </p:stCondLst>
+                      <p:childTnLst>
+                        <p:par>
+                          <p:cTn id="39" fill="hold">
+                            <p:stCondLst>
+                              <p:cond delay="0"/>
+                            </p:stCondLst>
+                            <p:childTnLst>
+                              <p:par>
+                                <p:cTn id="40" presetID="14" presetClass="entr" presetSubtype="10" fill="hold" grpId="0" nodeType="clickEffect">
+                                  <p:stCondLst>
+                                    <p:cond delay="0"/>
+                                  </p:stCondLst>
+                                  <p:childTnLst>
+                                    <p:set>
+                                      <p:cBhvr>
+                                        <p:cTn id="41" dur="1" fill="hold">
+                                          <p:stCondLst>
+                                            <p:cond delay="0"/>
+                                          </p:stCondLst>
+                                        </p:cTn>
+                                        <p:tgtEl>
+                                          <p:spTgt spid="17"/>
+                                        </p:tgtEl>
+                                        <p:attrNameLst>
+                                          <p:attrName>style.visibility</p:attrName>
+                                        </p:attrNameLst>
+                                      </p:cBhvr>
+                                      <p:to>
+                                        <p:strVal val="visible"/>
+                                      </p:to>
+                                    </p:set>
+                                    <p:animEffect transition="in" filter="randombar(horizontal)">
+                                      <p:cBhvr>
+                                        <p:cTn id="42" dur="500"/>
+                                        <p:tgtEl>
+                                          <p:spTgt spid="17"/>
+                                        </p:tgtEl>
+                                      </p:cBhvr>
+                                    </p:animEffect>
+                                  </p:childTnLst>
+                                </p:cTn>
+                              </p:par>
+                              <p:par>
+                                <p:cTn id="43" presetID="14" presetClass="entr" presetSubtype="10" fill="hold" grpId="0" nodeType="withEffect">
+                                  <p:stCondLst>
+                                    <p:cond delay="0"/>
+                                  </p:stCondLst>
+                                  <p:childTnLst>
+                                    <p:set>
+                                      <p:cBhvr>
+                                        <p:cTn id="44" dur="1" fill="hold">
+                                          <p:stCondLst>
+                                            <p:cond delay="0"/>
+                                          </p:stCondLst>
+                                        </p:cTn>
+                                        <p:tgtEl>
+                                          <p:spTgt spid="5"/>
+                                        </p:tgtEl>
+                                        <p:attrNameLst>
+                                          <p:attrName>style.visibility</p:attrName>
+                                        </p:attrNameLst>
+                                      </p:cBhvr>
+                                      <p:to>
+                                        <p:strVal val="visible"/>
+                                      </p:to>
+                                    </p:set>
+                                    <p:animEffect transition="in" filter="randombar(horizontal)">
+                                      <p:cBhvr>
+                                        <p:cTn id="45" dur="500"/>
+                                        <p:tgtEl>
+                                          <p:spTgt spid="5"/>
+                                        </p:tgtEl>
+                                      </p:cBhvr>
+                                    </p:animEffect>
+                                  </p:childTnLst>
+                                </p:cTn>
+                              </p:par>
+                            </p:childTnLst>
+                          </p:cTn>
+                        </p:par>
+                      </p:childTnLst>
+                    </p:cTn>
+                  </p:par>
+                  <p:par>
+                    <p:cTn id="46" fill="hold">
+                      <p:stCondLst>
+                        <p:cond delay="indefinite"/>
+                      </p:stCondLst>
+                      <p:childTnLst>
+                        <p:par>
+                          <p:cTn id="47" fill="hold">
+                            <p:stCondLst>
+                              <p:cond delay="0"/>
+                            </p:stCondLst>
+                            <p:childTnLst>
+                              <p:par>
+                                <p:cTn id="48" presetID="14" presetClass="entr" presetSubtype="10" fill="hold" grpId="0" nodeType="clickEffect">
+                                  <p:stCondLst>
+                                    <p:cond delay="0"/>
+                                  </p:stCondLst>
+                                  <p:childTnLst>
+                                    <p:set>
+                                      <p:cBhvr>
+                                        <p:cTn id="49" dur="1" fill="hold">
+                                          <p:stCondLst>
+                                            <p:cond delay="0"/>
+                                          </p:stCondLst>
+                                        </p:cTn>
+                                        <p:tgtEl>
+                                          <p:spTgt spid="10"/>
+                                        </p:tgtEl>
+                                        <p:attrNameLst>
+                                          <p:attrName>style.visibility</p:attrName>
+                                        </p:attrNameLst>
+                                      </p:cBhvr>
+                                      <p:to>
+                                        <p:strVal val="visible"/>
+                                      </p:to>
+                                    </p:set>
+                                    <p:animEffect transition="in" filter="randombar(horizontal)">
+                                      <p:cBhvr>
+                                        <p:cTn id="50" dur="500"/>
+                                        <p:tgtEl>
+                                          <p:spTgt spid="10"/>
+                                        </p:tgtEl>
+                                      </p:cBhvr>
+                                    </p:animEffect>
+                                  </p:childTnLst>
+                                </p:cTn>
+                              </p:par>
+                              <p:par>
+                                <p:cTn id="51" presetID="14" presetClass="entr" presetSubtype="10" fill="hold" grpId="0" nodeType="withEffect">
+                                  <p:stCondLst>
+                                    <p:cond delay="0"/>
+                                  </p:stCondLst>
+                                  <p:childTnLst>
+                                    <p:set>
+                                      <p:cBhvr>
+                                        <p:cTn id="52" dur="1" fill="hold">
+                                          <p:stCondLst>
+                                            <p:cond delay="0"/>
+                                          </p:stCondLst>
+                                        </p:cTn>
+                                        <p:tgtEl>
+                                          <p:spTgt spid="18"/>
+                                        </p:tgtEl>
+                                        <p:attrNameLst>
+                                          <p:attrName>style.visibility</p:attrName>
+                                        </p:attrNameLst>
+                                      </p:cBhvr>
+                                      <p:to>
+                                        <p:strVal val="visible"/>
+                                      </p:to>
+                                    </p:set>
+                                    <p:animEffect transition="in" filter="randombar(horizontal)">
+                                      <p:cBhvr>
+                                        <p:cTn id="53" dur="500"/>
+                                        <p:tgtEl>
+                                          <p:spTgt spid="18"/>
+                                        </p:tgtEl>
+                                      </p:cBhvr>
+                                    </p:animEffect>
+                                  </p:childTnLst>
+                                </p:cTn>
+                              </p:par>
+                            </p:childTnLst>
+                          </p:cTn>
+                        </p:par>
+                      </p:childTnLst>
+                    </p:cTn>
+                  </p:par>
+                  <p:par>
+                    <p:cTn id="54" fill="hold">
+                      <p:stCondLst>
+                        <p:cond delay="indefinite"/>
+                      </p:stCondLst>
+                      <p:childTnLst>
+                        <p:par>
+                          <p:cTn id="55" fill="hold">
+                            <p:stCondLst>
+                              <p:cond delay="0"/>
+                            </p:stCondLst>
+                            <p:childTnLst>
+                              <p:par>
+                                <p:cTn id="56" presetID="14" presetClass="entr" presetSubtype="10" fill="hold" grpId="0" nodeType="clickEffect">
+                                  <p:stCondLst>
+                                    <p:cond delay="0"/>
+                                  </p:stCondLst>
+                                  <p:childTnLst>
+                                    <p:set>
+                                      <p:cBhvr>
+                                        <p:cTn id="57" dur="1" fill="hold">
+                                          <p:stCondLst>
+                                            <p:cond delay="0"/>
+                                          </p:stCondLst>
+                                        </p:cTn>
+                                        <p:tgtEl>
+                                          <p:spTgt spid="11"/>
+                                        </p:tgtEl>
+                                        <p:attrNameLst>
+                                          <p:attrName>style.visibility</p:attrName>
+                                        </p:attrNameLst>
+                                      </p:cBhvr>
+                                      <p:to>
+                                        <p:strVal val="visible"/>
+                                      </p:to>
+                                    </p:set>
+                                    <p:animEffect transition="in" filter="randombar(horizontal)">
+                                      <p:cBhvr>
+                                        <p:cTn id="58" dur="500"/>
+                                        <p:tgtEl>
+                                          <p:spTgt spid="11"/>
+                                        </p:tgtEl>
+                                      </p:cBhvr>
+                                    </p:animEffect>
+                                  </p:childTnLst>
+                                </p:cTn>
+                              </p:par>
+                              <p:par>
+                                <p:cTn id="59" presetID="14" presetClass="entr" presetSubtype="10" fill="hold" grpId="0" nodeType="withEffect">
+                                  <p:stCondLst>
+                                    <p:cond delay="0"/>
+                                  </p:stCondLst>
+                                  <p:childTnLst>
+                                    <p:set>
+                                      <p:cBhvr>
+                                        <p:cTn id="60" dur="1" fill="hold">
+                                          <p:stCondLst>
+                                            <p:cond delay="0"/>
+                                          </p:stCondLst>
+                                        </p:cTn>
+                                        <p:tgtEl>
+                                          <p:spTgt spid="19"/>
+                                        </p:tgtEl>
+                                        <p:attrNameLst>
+                                          <p:attrName>style.visibility</p:attrName>
+                                        </p:attrNameLst>
+                                      </p:cBhvr>
+                                      <p:to>
+                                        <p:strVal val="visible"/>
+                                      </p:to>
+                                    </p:set>
+                                    <p:animEffect transition="in" filter="randombar(horizontal)">
+                                      <p:cBhvr>
+                                        <p:cTn id="61" dur="500"/>
+                                        <p:tgtEl>
+                                          <p:spTgt spid="19"/>
+                                        </p:tgtEl>
+                                      </p:cBhvr>
+                                    </p:animEffect>
+                                  </p:childTnLst>
+                                </p:cTn>
+                              </p:par>
+                            </p:childTnLst>
+                          </p:cTn>
+                        </p:par>
+                      </p:childTnLst>
+                    </p:cTn>
+                  </p:par>
+                  <p:par>
+                    <p:cTn id="62" fill="hold">
+                      <p:stCondLst>
+                        <p:cond delay="indefinite"/>
+                      </p:stCondLst>
+                      <p:childTnLst>
+                        <p:par>
+                          <p:cTn id="63" fill="hold">
+                            <p:stCondLst>
+                              <p:cond delay="0"/>
+                            </p:stCondLst>
+                            <p:childTnLst>
+                              <p:par>
+                                <p:cTn id="64" presetID="14" presetClass="entr" presetSubtype="10" fill="hold" grpId="0" nodeType="clickEffect">
+                                  <p:stCondLst>
+                                    <p:cond delay="0"/>
+                                  </p:stCondLst>
+                                  <p:childTnLst>
+                                    <p:set>
+                                      <p:cBhvr>
+                                        <p:cTn id="65" dur="1" fill="hold">
+                                          <p:stCondLst>
+                                            <p:cond delay="0"/>
+                                          </p:stCondLst>
+                                        </p:cTn>
+                                        <p:tgtEl>
+                                          <p:spTgt spid="20"/>
+                                        </p:tgtEl>
+                                        <p:attrNameLst>
+                                          <p:attrName>style.visibility</p:attrName>
+                                        </p:attrNameLst>
+                                      </p:cBhvr>
+                                      <p:to>
+                                        <p:strVal val="visible"/>
+                                      </p:to>
+                                    </p:set>
+                                    <p:animEffect transition="in" filter="randombar(horizontal)">
+                                      <p:cBhvr>
+                                        <p:cTn id="66" dur="500"/>
+                                        <p:tgtEl>
+                                          <p:spTgt spid="20"/>
+                                        </p:tgtEl>
+                                      </p:cBhvr>
+                                    </p:animEffect>
+                                  </p:childTnLst>
+                                </p:cTn>
+                              </p:par>
+                              <p:par>
+                                <p:cTn id="67" presetID="6" presetClass="entr" presetSubtype="16" fill="hold" grpId="0" nodeType="withEffect">
+                                  <p:stCondLst>
+                                    <p:cond delay="0"/>
+                                  </p:stCondLst>
+                                  <p:childTnLst>
+                                    <p:set>
+                                      <p:cBhvr>
+                                        <p:cTn id="68" dur="1" fill="hold">
+                                          <p:stCondLst>
+                                            <p:cond delay="0"/>
+                                          </p:stCondLst>
+                                        </p:cTn>
+                                        <p:tgtEl>
+                                          <p:spTgt spid="21"/>
+                                        </p:tgtEl>
+                                        <p:attrNameLst>
+                                          <p:attrName>style.visibility</p:attrName>
+                                        </p:attrNameLst>
+                                      </p:cBhvr>
+                                      <p:to>
+                                        <p:strVal val="visible"/>
+                                      </p:to>
+                                    </p:set>
+                                    <p:animEffect transition="in" filter="circle(in)">
+                                      <p:cBhvr>
+                                        <p:cTn id="69" dur="2000"/>
+                                        <p:tgtEl>
+                                          <p:spTgt spid="21"/>
+                                        </p:tgtEl>
+                                      </p:cBhvr>
+                                    </p:animEffect>
+                                  </p:childTnLst>
+                                </p:cTn>
+                              </p:par>
+                            </p:childTnLst>
+                          </p:cTn>
+                        </p:par>
+                      </p:childTnLst>
+                    </p:cTn>
+                  </p:par>
+                </p:childTnLst>
+              </p:cTn>
+              <p:prevCondLst>
+                <p:cond evt="onPrev" delay="0">
+                  <p:tgtEl>
+                    <p:sldTgt/>
+                  </p:tgtEl>
+                </p:cond>
+              </p:prevCondLst>
+              <p:nextCondLst>
+                <p:cond evt="onNext" delay="0">
+                  <p:tgtEl>
+                    <p:sldTgt/>
+                  </p:tgtEl>
+                </p:cond>
+              </p:nextCondLst>
+            </p:seq>
+          </p:childTnLst>
+        </p:cTn>
       </p:par>
     </p:tnLst>
+    <p:bldLst>
+      <p:bldP spid="4" grpId="0"/>
+      <p:bldP spid="5" grpId="0"/>
+      <p:bldP spid="6" grpId="0"/>
+      <p:bldP spid="8" grpId="0"/>
+      <p:bldP spid="9" grpId="0"/>
+      <p:bldP spid="10" grpId="0"/>
+      <p:bldP spid="11" grpId="0"/>
+      <p:bldP spid="13" grpId="0"/>
+      <p:bldP spid="7" grpId="0" animBg="1"/>
+      <p:bldP spid="14" grpId="0" animBg="1"/>
+      <p:bldP spid="15" grpId="0" animBg="1"/>
+      <p:bldP spid="16" grpId="0" animBg="1"/>
+      <p:bldP spid="17" grpId="0" animBg="1"/>
+      <p:bldP spid="18" grpId="0" animBg="1"/>
+      <p:bldP spid="19" grpId="0" animBg="1"/>
+      <p:bldP spid="20" grpId="0" animBg="1"/>
+      <p:bldP spid="21" grpId="0"/>
+    </p:bldLst>
   </p:timing>
 </p:sld>
 </file>
@@ -12531,11 +15523,7 @@
             </a:pPr>
             <a:r>
               <a:rPr lang="fr-FR" dirty="0" smtClean="0"/>
-              <a:t>Application web pour </a:t>
-            </a:r>
-            <a:r>
-              <a:rPr lang="fr-FR" dirty="0" smtClean="0"/>
-              <a:t>la location de </a:t>
+              <a:t>Application web pour la location de </a:t>
             </a:r>
             <a:r>
               <a:rPr lang="fr-FR" dirty="0" err="1" smtClean="0"/>

--- a/pp_p3/Application web de réservation de vélo.pptx
+++ b/pp_p3/Application web de réservation de vélo.pptx
@@ -321,7 +321,7 @@
             <a:fld id="{B61BEF0D-F0BB-DE4B-95CE-6DB70DBA9567}" type="datetimeFigureOut">
               <a:rPr lang="en-US" dirty="0"/>
               <a:pPr/>
-              <a:t>5/31/2018</a:t>
+              <a:t>6/1/2018</a:t>
             </a:fld>
             <a:endParaRPr lang="en-US" dirty="0"/>
           </a:p>
@@ -656,7 +656,7 @@
             <a:fld id="{B61BEF0D-F0BB-DE4B-95CE-6DB70DBA9567}" type="datetimeFigureOut">
               <a:rPr lang="en-US" dirty="0"/>
               <a:pPr/>
-              <a:t>5/31/2018</a:t>
+              <a:t>6/1/2018</a:t>
             </a:fld>
             <a:endParaRPr lang="en-US" dirty="0"/>
           </a:p>
@@ -1054,7 +1054,7 @@
             <a:fld id="{B61BEF0D-F0BB-DE4B-95CE-6DB70DBA9567}" type="datetimeFigureOut">
               <a:rPr lang="en-US" dirty="0"/>
               <a:pPr/>
-              <a:t>5/31/2018</a:t>
+              <a:t>6/1/2018</a:t>
             </a:fld>
             <a:endParaRPr lang="en-US" dirty="0"/>
           </a:p>
@@ -1387,7 +1387,7 @@
             <a:fld id="{B61BEF0D-F0BB-DE4B-95CE-6DB70DBA9567}" type="datetimeFigureOut">
               <a:rPr lang="en-US" dirty="0"/>
               <a:pPr/>
-              <a:t>5/31/2018</a:t>
+              <a:t>6/1/2018</a:t>
             </a:fld>
             <a:endParaRPr lang="en-US" dirty="0"/>
           </a:p>
@@ -1704,7 +1704,7 @@
             <a:fld id="{B61BEF0D-F0BB-DE4B-95CE-6DB70DBA9567}" type="datetimeFigureOut">
               <a:rPr lang="en-US" dirty="0"/>
               <a:pPr/>
-              <a:t>5/31/2018</a:t>
+              <a:t>6/1/2018</a:t>
             </a:fld>
             <a:endParaRPr lang="en-US" dirty="0"/>
           </a:p>
@@ -2097,7 +2097,7 @@
             <a:fld id="{B61BEF0D-F0BB-DE4B-95CE-6DB70DBA9567}" type="datetimeFigureOut">
               <a:rPr lang="en-US" dirty="0"/>
               <a:pPr/>
-              <a:t>5/31/2018</a:t>
+              <a:t>6/1/2018</a:t>
             </a:fld>
             <a:endParaRPr lang="en-US" dirty="0"/>
           </a:p>
@@ -2351,7 +2351,7 @@
             <a:fld id="{B61BEF0D-F0BB-DE4B-95CE-6DB70DBA9567}" type="datetimeFigureOut">
               <a:rPr lang="en-US" dirty="0"/>
               <a:pPr/>
-              <a:t>5/31/2018</a:t>
+              <a:t>6/1/2018</a:t>
             </a:fld>
             <a:endParaRPr lang="en-US" dirty="0"/>
           </a:p>
@@ -2610,7 +2610,7 @@
             <a:fld id="{B61BEF0D-F0BB-DE4B-95CE-6DB70DBA9567}" type="datetimeFigureOut">
               <a:rPr lang="en-US" dirty="0"/>
               <a:pPr/>
-              <a:t>5/31/2018</a:t>
+              <a:t>6/1/2018</a:t>
             </a:fld>
             <a:endParaRPr lang="en-US" dirty="0"/>
           </a:p>
@@ -2869,7 +2869,7 @@
             <a:fld id="{B61BEF0D-F0BB-DE4B-95CE-6DB70DBA9567}" type="datetimeFigureOut">
               <a:rPr lang="en-US" dirty="0"/>
               <a:pPr/>
-              <a:t>5/31/2018</a:t>
+              <a:t>6/1/2018</a:t>
             </a:fld>
             <a:endParaRPr lang="en-US" dirty="0"/>
           </a:p>
@@ -3195,7 +3195,7 @@
             <a:fld id="{B61BEF0D-F0BB-DE4B-95CE-6DB70DBA9567}" type="datetimeFigureOut">
               <a:rPr lang="en-US" dirty="0"/>
               <a:pPr/>
-              <a:t>5/31/2018</a:t>
+              <a:t>6/1/2018</a:t>
             </a:fld>
             <a:endParaRPr lang="en-US" dirty="0"/>
           </a:p>
@@ -3515,7 +3515,7 @@
             <a:fld id="{B61BEF0D-F0BB-DE4B-95CE-6DB70DBA9567}" type="datetimeFigureOut">
               <a:rPr lang="en-US" dirty="0"/>
               <a:pPr/>
-              <a:t>5/31/2018</a:t>
+              <a:t>6/1/2018</a:t>
             </a:fld>
             <a:endParaRPr lang="en-US" dirty="0"/>
           </a:p>
@@ -3969,7 +3969,7 @@
             <a:fld id="{B61BEF0D-F0BB-DE4B-95CE-6DB70DBA9567}" type="datetimeFigureOut">
               <a:rPr lang="en-US" dirty="0"/>
               <a:pPr/>
-              <a:t>5/31/2018</a:t>
+              <a:t>6/1/2018</a:t>
             </a:fld>
             <a:endParaRPr lang="en-US" dirty="0"/>
           </a:p>
@@ -4171,7 +4171,7 @@
             <a:fld id="{B61BEF0D-F0BB-DE4B-95CE-6DB70DBA9567}" type="datetimeFigureOut">
               <a:rPr lang="en-US" dirty="0"/>
               <a:pPr/>
-              <a:t>5/31/2018</a:t>
+              <a:t>6/1/2018</a:t>
             </a:fld>
             <a:endParaRPr lang="en-US" dirty="0"/>
           </a:p>
@@ -4345,7 +4345,7 @@
             <a:fld id="{B61BEF0D-F0BB-DE4B-95CE-6DB70DBA9567}" type="datetimeFigureOut">
               <a:rPr lang="en-US" dirty="0"/>
               <a:pPr/>
-              <a:t>5/31/2018</a:t>
+              <a:t>6/1/2018</a:t>
             </a:fld>
             <a:endParaRPr lang="en-US" dirty="0"/>
           </a:p>
@@ -4675,7 +4675,7 @@
             <a:fld id="{B61BEF0D-F0BB-DE4B-95CE-6DB70DBA9567}" type="datetimeFigureOut">
               <a:rPr lang="en-US" dirty="0"/>
               <a:pPr/>
-              <a:t>5/31/2018</a:t>
+              <a:t>6/1/2018</a:t>
             </a:fld>
             <a:endParaRPr lang="en-US" dirty="0"/>
           </a:p>
@@ -5017,7 +5017,7 @@
             <a:fld id="{B61BEF0D-F0BB-DE4B-95CE-6DB70DBA9567}" type="datetimeFigureOut">
               <a:rPr lang="en-US" dirty="0"/>
               <a:pPr/>
-              <a:t>5/31/2018</a:t>
+              <a:t>6/1/2018</a:t>
             </a:fld>
             <a:endParaRPr lang="en-US" dirty="0"/>
           </a:p>
@@ -7131,7 +7131,7 @@
             <a:fld id="{B61BEF0D-F0BB-DE4B-95CE-6DB70DBA9567}" type="datetimeFigureOut">
               <a:rPr lang="en-US" dirty="0"/>
               <a:pPr/>
-              <a:t>5/31/2018</a:t>
+              <a:t>6/1/2018</a:t>
             </a:fld>
             <a:endParaRPr lang="en-US" dirty="0"/>
           </a:p>
@@ -8908,7 +8908,7 @@
         </p:nvSpPr>
         <p:spPr>
           <a:xfrm>
-            <a:off x="5420662" y="2637583"/>
+            <a:off x="5373383" y="1537747"/>
             <a:ext cx="1795684" cy="430887"/>
           </a:xfrm>
           <a:prstGeom prst="rect">
@@ -8937,7 +8937,7 @@
         </p:nvSpPr>
         <p:spPr>
           <a:xfrm>
-            <a:off x="3337560" y="3620497"/>
+            <a:off x="2338167" y="1537747"/>
             <a:ext cx="1106866" cy="369332"/>
           </a:xfrm>
           <a:prstGeom prst="rect">
@@ -8967,7 +8967,7 @@
         </p:nvSpPr>
         <p:spPr>
           <a:xfrm>
-            <a:off x="8519090" y="3620497"/>
+            <a:off x="9120706" y="1537747"/>
             <a:ext cx="1539204" cy="369332"/>
           </a:xfrm>
           <a:prstGeom prst="rect">
@@ -9021,14 +9021,14 @@
       </p:pic>
       <p:sp>
         <p:nvSpPr>
-          <p:cNvPr id="3" name="ZoneTexte 2"/>
+          <p:cNvPr id="11" name="ZoneTexte 10"/>
           <p:cNvSpPr txBox="1"/>
           <p:nvPr/>
         </p:nvSpPr>
         <p:spPr>
           <a:xfrm>
-            <a:off x="2331720" y="1691640"/>
-            <a:ext cx="2011680" cy="369332"/>
+            <a:off x="6893800" y="3443741"/>
+            <a:ext cx="1453896" cy="369332"/>
           </a:xfrm>
           <a:prstGeom prst="rect">
             <a:avLst/>
@@ -9042,96 +9042,6 @@
           <a:lstStyle/>
           <a:p>
             <a:r>
-              <a:rPr lang="fr-FR" dirty="0" err="1" smtClean="0"/>
-              <a:t>Canvas</a:t>
-            </a:r>
-            <a:endParaRPr lang="fr-FR" dirty="0"/>
-          </a:p>
-        </p:txBody>
-      </p:sp>
-      <p:sp>
-        <p:nvSpPr>
-          <p:cNvPr id="9" name="ZoneTexte 8"/>
-          <p:cNvSpPr txBox="1"/>
-          <p:nvPr/>
-        </p:nvSpPr>
-        <p:spPr>
-          <a:xfrm>
-            <a:off x="5642627" y="1691640"/>
-            <a:ext cx="1746504" cy="369332"/>
-          </a:xfrm>
-          <a:prstGeom prst="rect">
-            <a:avLst/>
-          </a:prstGeom>
-          <a:noFill/>
-        </p:spPr>
-        <p:txBody>
-          <a:bodyPr wrap="square" rtlCol="0">
-            <a:spAutoFit/>
-          </a:bodyPr>
-          <a:lstStyle/>
-          <a:p>
-            <a:r>
-              <a:rPr lang="fr-FR" dirty="0" err="1" smtClean="0"/>
-              <a:t>Timer</a:t>
-            </a:r>
-            <a:endParaRPr lang="fr-FR" dirty="0"/>
-          </a:p>
-        </p:txBody>
-      </p:sp>
-      <p:sp>
-        <p:nvSpPr>
-          <p:cNvPr id="10" name="ZoneTexte 9"/>
-          <p:cNvSpPr txBox="1"/>
-          <p:nvPr/>
-        </p:nvSpPr>
-        <p:spPr>
-          <a:xfrm>
-            <a:off x="8438300" y="1691640"/>
-            <a:ext cx="2130552" cy="369332"/>
-          </a:xfrm>
-          <a:prstGeom prst="rect">
-            <a:avLst/>
-          </a:prstGeom>
-          <a:noFill/>
-        </p:spPr>
-        <p:txBody>
-          <a:bodyPr wrap="square" rtlCol="0">
-            <a:spAutoFit/>
-          </a:bodyPr>
-          <a:lstStyle/>
-          <a:p>
-            <a:r>
-              <a:rPr lang="fr-FR" dirty="0" err="1" smtClean="0"/>
-              <a:t>MarkerClusterer</a:t>
-            </a:r>
-            <a:endParaRPr lang="fr-FR" dirty="0"/>
-          </a:p>
-        </p:txBody>
-      </p:sp>
-      <p:sp>
-        <p:nvSpPr>
-          <p:cNvPr id="11" name="ZoneTexte 10"/>
-          <p:cNvSpPr txBox="1"/>
-          <p:nvPr/>
-        </p:nvSpPr>
-        <p:spPr>
-          <a:xfrm>
-            <a:off x="6271225" y="3954827"/>
-            <a:ext cx="1453896" cy="369332"/>
-          </a:xfrm>
-          <a:prstGeom prst="rect">
-            <a:avLst/>
-          </a:prstGeom>
-          <a:noFill/>
-        </p:spPr>
-        <p:txBody>
-          <a:bodyPr wrap="square" rtlCol="0">
-            <a:spAutoFit/>
-          </a:bodyPr>
-          <a:lstStyle/>
-          <a:p>
-            <a:r>
               <a:rPr lang="fr-FR" dirty="0" smtClean="0"/>
               <a:t>User</a:t>
             </a:r>
@@ -9147,7 +9057,7 @@
         </p:nvSpPr>
         <p:spPr>
           <a:xfrm>
-            <a:off x="5257800" y="2423161"/>
+            <a:off x="5257800" y="1267704"/>
             <a:ext cx="2377440" cy="970974"/>
           </a:xfrm>
           <a:prstGeom prst="ellipse">
@@ -9192,9 +9102,9 @@
           <p:nvPr/>
         </p:nvCxnSpPr>
         <p:spPr>
-          <a:xfrm flipH="1">
-            <a:off x="4251960" y="3236976"/>
-            <a:ext cx="914400" cy="383521"/>
+          <a:xfrm flipH="1" flipV="1">
+            <a:off x="3795623" y="1753190"/>
+            <a:ext cx="1111587" cy="23683"/>
           </a:xfrm>
           <a:prstGeom prst="straightConnector1">
             <a:avLst/>
@@ -9226,8 +9136,8 @@
         </p:nvCxnSpPr>
         <p:spPr>
           <a:xfrm>
-            <a:off x="6601968" y="3493008"/>
-            <a:ext cx="9144" cy="328073"/>
+            <a:off x="6893800" y="2465480"/>
+            <a:ext cx="352389" cy="746999"/>
           </a:xfrm>
           <a:prstGeom prst="straightConnector1">
             <a:avLst/>
@@ -9259,8 +9169,8 @@
         </p:nvCxnSpPr>
         <p:spPr>
           <a:xfrm>
-            <a:off x="7635240" y="3167343"/>
-            <a:ext cx="1143000" cy="489701"/>
+            <a:off x="7833648" y="1753190"/>
+            <a:ext cx="1293099" cy="23683"/>
           </a:xfrm>
           <a:prstGeom prst="straightConnector1">
             <a:avLst/>
@@ -9284,6 +9194,195 @@
           </a:fontRef>
         </p:style>
       </p:cxnSp>
+      <p:cxnSp>
+        <p:nvCxnSpPr>
+          <p:cNvPr id="19" name="Connecteur droit avec flèche 18"/>
+          <p:cNvCxnSpPr/>
+          <p:nvPr/>
+        </p:nvCxnSpPr>
+        <p:spPr>
+          <a:xfrm>
+            <a:off x="7620748" y="2193808"/>
+            <a:ext cx="612707" cy="673709"/>
+          </a:xfrm>
+          <a:prstGeom prst="straightConnector1">
+            <a:avLst/>
+          </a:prstGeom>
+          <a:ln>
+            <a:tailEnd type="triangle"/>
+          </a:ln>
+        </p:spPr>
+        <p:style>
+          <a:lnRef idx="1">
+            <a:schemeClr val="accent1"/>
+          </a:lnRef>
+          <a:fillRef idx="0">
+            <a:schemeClr val="accent1"/>
+          </a:fillRef>
+          <a:effectRef idx="0">
+            <a:schemeClr val="accent1"/>
+          </a:effectRef>
+          <a:fontRef idx="minor">
+            <a:schemeClr val="tx1"/>
+          </a:fontRef>
+        </p:style>
+      </p:cxnSp>
+      <p:sp>
+        <p:nvSpPr>
+          <p:cNvPr id="20" name="ZoneTexte 19"/>
+          <p:cNvSpPr txBox="1"/>
+          <p:nvPr/>
+        </p:nvSpPr>
+        <p:spPr>
+          <a:xfrm>
+            <a:off x="8353463" y="2932459"/>
+            <a:ext cx="1687684" cy="369332"/>
+          </a:xfrm>
+          <a:prstGeom prst="rect">
+            <a:avLst/>
+          </a:prstGeom>
+          <a:noFill/>
+        </p:spPr>
+        <p:txBody>
+          <a:bodyPr wrap="square" rtlCol="0">
+            <a:spAutoFit/>
+          </a:bodyPr>
+          <a:lstStyle/>
+          <a:p>
+            <a:r>
+              <a:rPr lang="fr-FR" dirty="0" err="1" smtClean="0"/>
+              <a:t>Canvas</a:t>
+            </a:r>
+            <a:endParaRPr lang="fr-FR" dirty="0"/>
+          </a:p>
+        </p:txBody>
+      </p:sp>
+      <p:cxnSp>
+        <p:nvCxnSpPr>
+          <p:cNvPr id="21" name="Connecteur droit avec flèche 20"/>
+          <p:cNvCxnSpPr/>
+          <p:nvPr/>
+        </p:nvCxnSpPr>
+        <p:spPr>
+          <a:xfrm flipH="1">
+            <a:off x="4461740" y="2193808"/>
+            <a:ext cx="746909" cy="622469"/>
+          </a:xfrm>
+          <a:prstGeom prst="straightConnector1">
+            <a:avLst/>
+          </a:prstGeom>
+          <a:ln>
+            <a:tailEnd type="triangle"/>
+          </a:ln>
+        </p:spPr>
+        <p:style>
+          <a:lnRef idx="1">
+            <a:schemeClr val="accent1"/>
+          </a:lnRef>
+          <a:fillRef idx="0">
+            <a:schemeClr val="accent1"/>
+          </a:fillRef>
+          <a:effectRef idx="0">
+            <a:schemeClr val="accent1"/>
+          </a:effectRef>
+          <a:fontRef idx="minor">
+            <a:schemeClr val="tx1"/>
+          </a:fontRef>
+        </p:style>
+      </p:cxnSp>
+      <p:sp>
+        <p:nvSpPr>
+          <p:cNvPr id="24" name="ZoneTexte 23"/>
+          <p:cNvSpPr txBox="1"/>
+          <p:nvPr/>
+        </p:nvSpPr>
+        <p:spPr>
+          <a:xfrm>
+            <a:off x="3588429" y="2759920"/>
+            <a:ext cx="1449238" cy="369332"/>
+          </a:xfrm>
+          <a:prstGeom prst="rect">
+            <a:avLst/>
+          </a:prstGeom>
+          <a:noFill/>
+        </p:spPr>
+        <p:txBody>
+          <a:bodyPr wrap="square" rtlCol="0">
+            <a:spAutoFit/>
+          </a:bodyPr>
+          <a:lstStyle/>
+          <a:p>
+            <a:r>
+              <a:rPr lang="fr-FR" dirty="0" err="1" smtClean="0"/>
+              <a:t>Slider</a:t>
+            </a:r>
+            <a:endParaRPr lang="fr-FR" dirty="0"/>
+          </a:p>
+        </p:txBody>
+      </p:sp>
+      <p:cxnSp>
+        <p:nvCxnSpPr>
+          <p:cNvPr id="26" name="Connecteur droit avec flèche 25"/>
+          <p:cNvCxnSpPr/>
+          <p:nvPr/>
+        </p:nvCxnSpPr>
+        <p:spPr>
+          <a:xfrm flipH="1">
+            <a:off x="5625944" y="2452234"/>
+            <a:ext cx="473592" cy="760245"/>
+          </a:xfrm>
+          <a:prstGeom prst="straightConnector1">
+            <a:avLst/>
+          </a:prstGeom>
+          <a:ln>
+            <a:tailEnd type="triangle"/>
+          </a:ln>
+        </p:spPr>
+        <p:style>
+          <a:lnRef idx="1">
+            <a:schemeClr val="accent1"/>
+          </a:lnRef>
+          <a:fillRef idx="0">
+            <a:schemeClr val="accent1"/>
+          </a:fillRef>
+          <a:effectRef idx="0">
+            <a:schemeClr val="accent1"/>
+          </a:effectRef>
+          <a:fontRef idx="minor">
+            <a:schemeClr val="tx1"/>
+          </a:fontRef>
+        </p:style>
+      </p:cxnSp>
+      <p:sp>
+        <p:nvSpPr>
+          <p:cNvPr id="28" name="ZoneTexte 27"/>
+          <p:cNvSpPr txBox="1"/>
+          <p:nvPr/>
+        </p:nvSpPr>
+        <p:spPr>
+          <a:xfrm>
+            <a:off x="5050101" y="3442162"/>
+            <a:ext cx="1221124" cy="369332"/>
+          </a:xfrm>
+          <a:prstGeom prst="rect">
+            <a:avLst/>
+          </a:prstGeom>
+          <a:noFill/>
+        </p:spPr>
+        <p:txBody>
+          <a:bodyPr wrap="square" rtlCol="0">
+            <a:spAutoFit/>
+          </a:bodyPr>
+          <a:lstStyle/>
+          <a:p>
+            <a:r>
+              <a:rPr lang="fr-FR" dirty="0" err="1" smtClean="0"/>
+              <a:t>Timer</a:t>
+            </a:r>
+            <a:endParaRPr lang="fr-FR" dirty="0"/>
+          </a:p>
+        </p:txBody>
+      </p:sp>
     </p:spTree>
     <p:extLst>
       <p:ext uri="{BB962C8B-B14F-4D97-AF65-F5344CB8AC3E}">
@@ -9328,7 +9427,7 @@
                                           </p:stCondLst>
                                         </p:cTn>
                                         <p:tgtEl>
-                                          <p:spTgt spid="3"/>
+                                          <p:spTgt spid="12"/>
                                         </p:tgtEl>
                                         <p:attrNameLst>
                                           <p:attrName>style.visibility</p:attrName>
@@ -9342,7 +9441,7 @@
                                       <p:cBhvr additive="base">
                                         <p:cTn id="7" dur="500" fill="hold"/>
                                         <p:tgtEl>
-                                          <p:spTgt spid="3"/>
+                                          <p:spTgt spid="12"/>
                                         </p:tgtEl>
                                         <p:attrNameLst>
                                           <p:attrName>ppt_x</p:attrName>
@@ -9365,7 +9464,80 @@
                                       <p:cBhvr additive="base">
                                         <p:cTn id="8" dur="500" fill="hold"/>
                                         <p:tgtEl>
-                                          <p:spTgt spid="3"/>
+                                          <p:spTgt spid="12"/>
+                                        </p:tgtEl>
+                                        <p:attrNameLst>
+                                          <p:attrName>ppt_y</p:attrName>
+                                        </p:attrNameLst>
+                                      </p:cBhvr>
+                                      <p:tavLst>
+                                        <p:tav tm="0">
+                                          <p:val>
+                                            <p:strVal val="1+#ppt_h/2"/>
+                                          </p:val>
+                                        </p:tav>
+                                        <p:tav tm="100000">
+                                          <p:val>
+                                            <p:strVal val="#ppt_y"/>
+                                          </p:val>
+                                        </p:tav>
+                                      </p:tavLst>
+                                    </p:anim>
+                                  </p:childTnLst>
+                                </p:cTn>
+                              </p:par>
+                              <p:par>
+                                <p:cTn id="9" presetID="2" presetClass="entr" presetSubtype="4" fill="hold" grpId="0" nodeType="withEffect">
+                                  <p:stCondLst>
+                                    <p:cond delay="0"/>
+                                  </p:stCondLst>
+                                  <p:childTnLst>
+                                    <p:set>
+                                      <p:cBhvr>
+                                        <p:cTn id="10" dur="1" fill="hold">
+                                          <p:stCondLst>
+                                            <p:cond delay="0"/>
+                                          </p:stCondLst>
+                                        </p:cTn>
+                                        <p:tgtEl>
+                                          <p:spTgt spid="5"/>
+                                        </p:tgtEl>
+                                        <p:attrNameLst>
+                                          <p:attrName>style.visibility</p:attrName>
+                                        </p:attrNameLst>
+                                      </p:cBhvr>
+                                      <p:to>
+                                        <p:strVal val="visible"/>
+                                      </p:to>
+                                    </p:set>
+                                    <p:anim calcmode="lin" valueType="num">
+                                      <p:cBhvr additive="base">
+                                        <p:cTn id="11" dur="500" fill="hold"/>
+                                        <p:tgtEl>
+                                          <p:spTgt spid="5"/>
+                                        </p:tgtEl>
+                                        <p:attrNameLst>
+                                          <p:attrName>ppt_x</p:attrName>
+                                        </p:attrNameLst>
+                                      </p:cBhvr>
+                                      <p:tavLst>
+                                        <p:tav tm="0">
+                                          <p:val>
+                                            <p:strVal val="#ppt_x"/>
+                                          </p:val>
+                                        </p:tav>
+                                        <p:tav tm="100000">
+                                          <p:val>
+                                            <p:strVal val="#ppt_x"/>
+                                          </p:val>
+                                        </p:tav>
+                                      </p:tavLst>
+                                    </p:anim>
+                                    <p:anim calcmode="lin" valueType="num">
+                                      <p:cBhvr additive="base">
+                                        <p:cTn id="12" dur="500" fill="hold"/>
+                                        <p:tgtEl>
+                                          <p:spTgt spid="5"/>
                                         </p:tgtEl>
                                         <p:attrNameLst>
                                           <p:attrName>ppt_y</p:attrName>
@@ -9394,32 +9566,32 @@
                     </p:cTn>
                   </p:par>
                   <p:par>
-                    <p:cTn id="9" fill="hold">
+                    <p:cTn id="13" fill="hold">
                       <p:stCondLst>
                         <p:cond delay="indefinite"/>
                       </p:stCondLst>
                       <p:childTnLst>
                         <p:par>
-                          <p:cTn id="10" fill="hold">
+                          <p:cTn id="14" fill="hold">
                             <p:stCondLst>
                               <p:cond delay="0"/>
                             </p:stCondLst>
                             <p:childTnLst>
                               <p:par>
-                                <p:cTn id="11" presetID="2" presetClass="entr" presetSubtype="4" fill="hold" grpId="0" nodeType="clickEffect">
+                                <p:cTn id="15" presetID="2" presetClass="entr" presetSubtype="4" fill="hold" nodeType="clickEffect">
                                   <p:stCondLst>
                                     <p:cond delay="0"/>
                                   </p:stCondLst>
                                   <p:childTnLst>
                                     <p:set>
                                       <p:cBhvr>
-                                        <p:cTn id="12" dur="1" fill="hold">
+                                        <p:cTn id="16" dur="1" fill="hold">
                                           <p:stCondLst>
                                             <p:cond delay="0"/>
                                           </p:stCondLst>
                                         </p:cTn>
                                         <p:tgtEl>
-                                          <p:spTgt spid="9"/>
+                                          <p:spTgt spid="14"/>
                                         </p:tgtEl>
                                         <p:attrNameLst>
                                           <p:attrName>style.visibility</p:attrName>
@@ -9431,9 +9603,9 @@
                                     </p:set>
                                     <p:anim calcmode="lin" valueType="num">
                                       <p:cBhvr additive="base">
-                                        <p:cTn id="13" dur="500" fill="hold"/>
-                                        <p:tgtEl>
-                                          <p:spTgt spid="9"/>
+                                        <p:cTn id="17" dur="500" fill="hold"/>
+                                        <p:tgtEl>
+                                          <p:spTgt spid="14"/>
                                         </p:tgtEl>
                                         <p:attrNameLst>
                                           <p:attrName>ppt_x</p:attrName>
@@ -9454,9 +9626,82 @@
                                     </p:anim>
                                     <p:anim calcmode="lin" valueType="num">
                                       <p:cBhvr additive="base">
-                                        <p:cTn id="14" dur="500" fill="hold"/>
-                                        <p:tgtEl>
-                                          <p:spTgt spid="9"/>
+                                        <p:cTn id="18" dur="500" fill="hold"/>
+                                        <p:tgtEl>
+                                          <p:spTgt spid="14"/>
+                                        </p:tgtEl>
+                                        <p:attrNameLst>
+                                          <p:attrName>ppt_y</p:attrName>
+                                        </p:attrNameLst>
+                                      </p:cBhvr>
+                                      <p:tavLst>
+                                        <p:tav tm="0">
+                                          <p:val>
+                                            <p:strVal val="1+#ppt_h/2"/>
+                                          </p:val>
+                                        </p:tav>
+                                        <p:tav tm="100000">
+                                          <p:val>
+                                            <p:strVal val="#ppt_y"/>
+                                          </p:val>
+                                        </p:tav>
+                                      </p:tavLst>
+                                    </p:anim>
+                                  </p:childTnLst>
+                                </p:cTn>
+                              </p:par>
+                              <p:par>
+                                <p:cTn id="19" presetID="2" presetClass="entr" presetSubtype="4" fill="hold" grpId="0" nodeType="withEffect">
+                                  <p:stCondLst>
+                                    <p:cond delay="0"/>
+                                  </p:stCondLst>
+                                  <p:childTnLst>
+                                    <p:set>
+                                      <p:cBhvr>
+                                        <p:cTn id="20" dur="1" fill="hold">
+                                          <p:stCondLst>
+                                            <p:cond delay="0"/>
+                                          </p:stCondLst>
+                                        </p:cTn>
+                                        <p:tgtEl>
+                                          <p:spTgt spid="7"/>
+                                        </p:tgtEl>
+                                        <p:attrNameLst>
+                                          <p:attrName>style.visibility</p:attrName>
+                                        </p:attrNameLst>
+                                      </p:cBhvr>
+                                      <p:to>
+                                        <p:strVal val="visible"/>
+                                      </p:to>
+                                    </p:set>
+                                    <p:anim calcmode="lin" valueType="num">
+                                      <p:cBhvr additive="base">
+                                        <p:cTn id="21" dur="500" fill="hold"/>
+                                        <p:tgtEl>
+                                          <p:spTgt spid="7"/>
+                                        </p:tgtEl>
+                                        <p:attrNameLst>
+                                          <p:attrName>ppt_x</p:attrName>
+                                        </p:attrNameLst>
+                                      </p:cBhvr>
+                                      <p:tavLst>
+                                        <p:tav tm="0">
+                                          <p:val>
+                                            <p:strVal val="#ppt_x"/>
+                                          </p:val>
+                                        </p:tav>
+                                        <p:tav tm="100000">
+                                          <p:val>
+                                            <p:strVal val="#ppt_x"/>
+                                          </p:val>
+                                        </p:tav>
+                                      </p:tavLst>
+                                    </p:anim>
+                                    <p:anim calcmode="lin" valueType="num">
+                                      <p:cBhvr additive="base">
+                                        <p:cTn id="22" dur="500" fill="hold"/>
+                                        <p:tgtEl>
+                                          <p:spTgt spid="7"/>
                                         </p:tgtEl>
                                         <p:attrNameLst>
                                           <p:attrName>ppt_y</p:attrName>
@@ -9485,32 +9730,32 @@
                     </p:cTn>
                   </p:par>
                   <p:par>
-                    <p:cTn id="15" fill="hold">
+                    <p:cTn id="23" fill="hold">
                       <p:stCondLst>
                         <p:cond delay="indefinite"/>
                       </p:stCondLst>
                       <p:childTnLst>
                         <p:par>
-                          <p:cTn id="16" fill="hold">
+                          <p:cTn id="24" fill="hold">
                             <p:stCondLst>
                               <p:cond delay="0"/>
                             </p:stCondLst>
                             <p:childTnLst>
                               <p:par>
-                                <p:cTn id="17" presetID="2" presetClass="entr" presetSubtype="4" fill="hold" grpId="0" nodeType="clickEffect">
+                                <p:cTn id="25" presetID="2" presetClass="entr" presetSubtype="4" fill="hold" nodeType="clickEffect">
                                   <p:stCondLst>
                                     <p:cond delay="0"/>
                                   </p:stCondLst>
                                   <p:childTnLst>
                                     <p:set>
                                       <p:cBhvr>
-                                        <p:cTn id="18" dur="1" fill="hold">
+                                        <p:cTn id="26" dur="1" fill="hold">
                                           <p:stCondLst>
                                             <p:cond delay="0"/>
                                           </p:stCondLst>
                                         </p:cTn>
                                         <p:tgtEl>
-                                          <p:spTgt spid="10"/>
+                                          <p:spTgt spid="21"/>
                                         </p:tgtEl>
                                         <p:attrNameLst>
                                           <p:attrName>style.visibility</p:attrName>
@@ -9522,9 +9767,9 @@
                                     </p:set>
                                     <p:anim calcmode="lin" valueType="num">
                                       <p:cBhvr additive="base">
-                                        <p:cTn id="19" dur="500" fill="hold"/>
-                                        <p:tgtEl>
-                                          <p:spTgt spid="10"/>
+                                        <p:cTn id="27" dur="500" fill="hold"/>
+                                        <p:tgtEl>
+                                          <p:spTgt spid="21"/>
                                         </p:tgtEl>
                                         <p:attrNameLst>
                                           <p:attrName>ppt_x</p:attrName>
@@ -9545,9 +9790,82 @@
                                     </p:anim>
                                     <p:anim calcmode="lin" valueType="num">
                                       <p:cBhvr additive="base">
-                                        <p:cTn id="20" dur="500" fill="hold"/>
-                                        <p:tgtEl>
-                                          <p:spTgt spid="10"/>
+                                        <p:cTn id="28" dur="500" fill="hold"/>
+                                        <p:tgtEl>
+                                          <p:spTgt spid="21"/>
+                                        </p:tgtEl>
+                                        <p:attrNameLst>
+                                          <p:attrName>ppt_y</p:attrName>
+                                        </p:attrNameLst>
+                                      </p:cBhvr>
+                                      <p:tavLst>
+                                        <p:tav tm="0">
+                                          <p:val>
+                                            <p:strVal val="1+#ppt_h/2"/>
+                                          </p:val>
+                                        </p:tav>
+                                        <p:tav tm="100000">
+                                          <p:val>
+                                            <p:strVal val="#ppt_y"/>
+                                          </p:val>
+                                        </p:tav>
+                                      </p:tavLst>
+                                    </p:anim>
+                                  </p:childTnLst>
+                                </p:cTn>
+                              </p:par>
+                              <p:par>
+                                <p:cTn id="29" presetID="2" presetClass="entr" presetSubtype="4" fill="hold" grpId="0" nodeType="withEffect">
+                                  <p:stCondLst>
+                                    <p:cond delay="0"/>
+                                  </p:stCondLst>
+                                  <p:childTnLst>
+                                    <p:set>
+                                      <p:cBhvr>
+                                        <p:cTn id="30" dur="1" fill="hold">
+                                          <p:stCondLst>
+                                            <p:cond delay="0"/>
+                                          </p:stCondLst>
+                                        </p:cTn>
+                                        <p:tgtEl>
+                                          <p:spTgt spid="24"/>
+                                        </p:tgtEl>
+                                        <p:attrNameLst>
+                                          <p:attrName>style.visibility</p:attrName>
+                                        </p:attrNameLst>
+                                      </p:cBhvr>
+                                      <p:to>
+                                        <p:strVal val="visible"/>
+                                      </p:to>
+                                    </p:set>
+                                    <p:anim calcmode="lin" valueType="num">
+                                      <p:cBhvr additive="base">
+                                        <p:cTn id="31" dur="500" fill="hold"/>
+                                        <p:tgtEl>
+                                          <p:spTgt spid="24"/>
+                                        </p:tgtEl>
+                                        <p:attrNameLst>
+                                          <p:attrName>ppt_x</p:attrName>
+                                        </p:attrNameLst>
+                                      </p:cBhvr>
+                                      <p:tavLst>
+                                        <p:tav tm="0">
+                                          <p:val>
+                                            <p:strVal val="#ppt_x"/>
+                                          </p:val>
+                                        </p:tav>
+                                        <p:tav tm="100000">
+                                          <p:val>
+                                            <p:strVal val="#ppt_x"/>
+                                          </p:val>
+                                        </p:tav>
+                                      </p:tavLst>
+                                    </p:anim>
+                                    <p:anim calcmode="lin" valueType="num">
+                                      <p:cBhvr additive="base">
+                                        <p:cTn id="32" dur="500" fill="hold"/>
+                                        <p:tgtEl>
+                                          <p:spTgt spid="24"/>
                                         </p:tgtEl>
                                         <p:attrNameLst>
                                           <p:attrName>ppt_y</p:attrName>
@@ -9576,32 +9894,32 @@
                     </p:cTn>
                   </p:par>
                   <p:par>
-                    <p:cTn id="21" fill="hold">
+                    <p:cTn id="33" fill="hold">
                       <p:stCondLst>
                         <p:cond delay="indefinite"/>
                       </p:stCondLst>
                       <p:childTnLst>
                         <p:par>
-                          <p:cTn id="22" fill="hold">
+                          <p:cTn id="34" fill="hold">
                             <p:stCondLst>
                               <p:cond delay="0"/>
                             </p:stCondLst>
                             <p:childTnLst>
                               <p:par>
-                                <p:cTn id="23" presetID="2" presetClass="entr" presetSubtype="4" fill="hold" grpId="0" nodeType="clickEffect">
+                                <p:cTn id="35" presetID="2" presetClass="entr" presetSubtype="4" fill="hold" nodeType="clickEffect">
                                   <p:stCondLst>
                                     <p:cond delay="0"/>
                                   </p:stCondLst>
                                   <p:childTnLst>
                                     <p:set>
                                       <p:cBhvr>
-                                        <p:cTn id="24" dur="1" fill="hold">
+                                        <p:cTn id="36" dur="1" fill="hold">
                                           <p:stCondLst>
                                             <p:cond delay="0"/>
                                           </p:stCondLst>
                                         </p:cTn>
                                         <p:tgtEl>
-                                          <p:spTgt spid="12"/>
+                                          <p:spTgt spid="26"/>
                                         </p:tgtEl>
                                         <p:attrNameLst>
                                           <p:attrName>style.visibility</p:attrName>
@@ -9613,9 +9931,9 @@
                                     </p:set>
                                     <p:anim calcmode="lin" valueType="num">
                                       <p:cBhvr additive="base">
-                                        <p:cTn id="25" dur="500" fill="hold"/>
-                                        <p:tgtEl>
-                                          <p:spTgt spid="12"/>
+                                        <p:cTn id="37" dur="500" fill="hold"/>
+                                        <p:tgtEl>
+                                          <p:spTgt spid="26"/>
                                         </p:tgtEl>
                                         <p:attrNameLst>
                                           <p:attrName>ppt_x</p:attrName>
@@ -9636,9 +9954,9 @@
                                     </p:anim>
                                     <p:anim calcmode="lin" valueType="num">
                                       <p:cBhvr additive="base">
-                                        <p:cTn id="26" dur="500" fill="hold"/>
-                                        <p:tgtEl>
-                                          <p:spTgt spid="12"/>
+                                        <p:cTn id="38" dur="500" fill="hold"/>
+                                        <p:tgtEl>
+                                          <p:spTgt spid="26"/>
                                         </p:tgtEl>
                                         <p:attrNameLst>
                                           <p:attrName>ppt_y</p:attrName>
@@ -9661,20 +9979,20 @@
                                 </p:cTn>
                               </p:par>
                               <p:par>
-                                <p:cTn id="27" presetID="2" presetClass="entr" presetSubtype="4" fill="hold" grpId="0" nodeType="withEffect">
+                                <p:cTn id="39" presetID="2" presetClass="entr" presetSubtype="4" fill="hold" grpId="0" nodeType="withEffect">
                                   <p:stCondLst>
                                     <p:cond delay="0"/>
                                   </p:stCondLst>
                                   <p:childTnLst>
                                     <p:set>
                                       <p:cBhvr>
-                                        <p:cTn id="28" dur="1" fill="hold">
+                                        <p:cTn id="40" dur="1" fill="hold">
                                           <p:stCondLst>
                                             <p:cond delay="0"/>
                                           </p:stCondLst>
                                         </p:cTn>
                                         <p:tgtEl>
-                                          <p:spTgt spid="5"/>
+                                          <p:spTgt spid="28"/>
                                         </p:tgtEl>
                                         <p:attrNameLst>
                                           <p:attrName>style.visibility</p:attrName>
@@ -9686,9 +10004,9 @@
                                     </p:set>
                                     <p:anim calcmode="lin" valueType="num">
                                       <p:cBhvr additive="base">
-                                        <p:cTn id="29" dur="500" fill="hold"/>
-                                        <p:tgtEl>
-                                          <p:spTgt spid="5"/>
+                                        <p:cTn id="41" dur="500" fill="hold"/>
+                                        <p:tgtEl>
+                                          <p:spTgt spid="28"/>
                                         </p:tgtEl>
                                         <p:attrNameLst>
                                           <p:attrName>ppt_x</p:attrName>
@@ -9709,9 +10027,9 @@
                                     </p:anim>
                                     <p:anim calcmode="lin" valueType="num">
                                       <p:cBhvr additive="base">
-                                        <p:cTn id="30" dur="500" fill="hold"/>
-                                        <p:tgtEl>
-                                          <p:spTgt spid="5"/>
+                                        <p:cTn id="42" dur="500" fill="hold"/>
+                                        <p:tgtEl>
+                                          <p:spTgt spid="28"/>
                                         </p:tgtEl>
                                         <p:attrNameLst>
                                           <p:attrName>ppt_y</p:attrName>
@@ -9740,32 +10058,32 @@
                     </p:cTn>
                   </p:par>
                   <p:par>
-                    <p:cTn id="31" fill="hold">
+                    <p:cTn id="43" fill="hold">
                       <p:stCondLst>
                         <p:cond delay="indefinite"/>
                       </p:stCondLst>
                       <p:childTnLst>
                         <p:par>
-                          <p:cTn id="32" fill="hold">
+                          <p:cTn id="44" fill="hold">
                             <p:stCondLst>
                               <p:cond delay="0"/>
                             </p:stCondLst>
                             <p:childTnLst>
                               <p:par>
-                                <p:cTn id="33" presetID="2" presetClass="entr" presetSubtype="4" fill="hold" nodeType="clickEffect">
+                                <p:cTn id="45" presetID="2" presetClass="entr" presetSubtype="4" fill="hold" nodeType="clickEffect">
                                   <p:stCondLst>
                                     <p:cond delay="0"/>
                                   </p:stCondLst>
                                   <p:childTnLst>
                                     <p:set>
                                       <p:cBhvr>
-                                        <p:cTn id="34" dur="1" fill="hold">
+                                        <p:cTn id="46" dur="1" fill="hold">
                                           <p:stCondLst>
                                             <p:cond delay="0"/>
                                           </p:stCondLst>
                                         </p:cTn>
                                         <p:tgtEl>
-                                          <p:spTgt spid="14"/>
+                                          <p:spTgt spid="16"/>
                                         </p:tgtEl>
                                         <p:attrNameLst>
                                           <p:attrName>style.visibility</p:attrName>
@@ -9777,9 +10095,9 @@
                                     </p:set>
                                     <p:anim calcmode="lin" valueType="num">
                                       <p:cBhvr additive="base">
-                                        <p:cTn id="35" dur="500" fill="hold"/>
-                                        <p:tgtEl>
-                                          <p:spTgt spid="14"/>
+                                        <p:cTn id="47" dur="500" fill="hold"/>
+                                        <p:tgtEl>
+                                          <p:spTgt spid="16"/>
                                         </p:tgtEl>
                                         <p:attrNameLst>
                                           <p:attrName>ppt_x</p:attrName>
@@ -9800,9 +10118,9 @@
                                     </p:anim>
                                     <p:anim calcmode="lin" valueType="num">
                                       <p:cBhvr additive="base">
-                                        <p:cTn id="36" dur="500" fill="hold"/>
-                                        <p:tgtEl>
-                                          <p:spTgt spid="14"/>
+                                        <p:cTn id="48" dur="500" fill="hold"/>
+                                        <p:tgtEl>
+                                          <p:spTgt spid="16"/>
                                         </p:tgtEl>
                                         <p:attrNameLst>
                                           <p:attrName>ppt_y</p:attrName>
@@ -9825,20 +10143,20 @@
                                 </p:cTn>
                               </p:par>
                               <p:par>
-                                <p:cTn id="37" presetID="2" presetClass="entr" presetSubtype="4" fill="hold" grpId="0" nodeType="withEffect">
+                                <p:cTn id="49" presetID="2" presetClass="entr" presetSubtype="4" fill="hold" grpId="0" nodeType="withEffect">
                                   <p:stCondLst>
                                     <p:cond delay="0"/>
                                   </p:stCondLst>
                                   <p:childTnLst>
                                     <p:set>
                                       <p:cBhvr>
-                                        <p:cTn id="38" dur="1" fill="hold">
+                                        <p:cTn id="50" dur="1" fill="hold">
                                           <p:stCondLst>
                                             <p:cond delay="0"/>
                                           </p:stCondLst>
                                         </p:cTn>
                                         <p:tgtEl>
-                                          <p:spTgt spid="7"/>
+                                          <p:spTgt spid="11"/>
                                         </p:tgtEl>
                                         <p:attrNameLst>
                                           <p:attrName>style.visibility</p:attrName>
@@ -9850,9 +10168,9 @@
                                     </p:set>
                                     <p:anim calcmode="lin" valueType="num">
                                       <p:cBhvr additive="base">
-                                        <p:cTn id="39" dur="500" fill="hold"/>
-                                        <p:tgtEl>
-                                          <p:spTgt spid="7"/>
+                                        <p:cTn id="51" dur="500" fill="hold"/>
+                                        <p:tgtEl>
+                                          <p:spTgt spid="11"/>
                                         </p:tgtEl>
                                         <p:attrNameLst>
                                           <p:attrName>ppt_x</p:attrName>
@@ -9873,9 +10191,9 @@
                                     </p:anim>
                                     <p:anim calcmode="lin" valueType="num">
                                       <p:cBhvr additive="base">
-                                        <p:cTn id="40" dur="500" fill="hold"/>
-                                        <p:tgtEl>
-                                          <p:spTgt spid="7"/>
+                                        <p:cTn id="52" dur="500" fill="hold"/>
+                                        <p:tgtEl>
+                                          <p:spTgt spid="11"/>
                                         </p:tgtEl>
                                         <p:attrNameLst>
                                           <p:attrName>ppt_y</p:attrName>
@@ -9904,32 +10222,32 @@
                     </p:cTn>
                   </p:par>
                   <p:par>
-                    <p:cTn id="41" fill="hold">
+                    <p:cTn id="53" fill="hold">
                       <p:stCondLst>
                         <p:cond delay="indefinite"/>
                       </p:stCondLst>
                       <p:childTnLst>
                         <p:par>
-                          <p:cTn id="42" fill="hold">
+                          <p:cTn id="54" fill="hold">
                             <p:stCondLst>
                               <p:cond delay="0"/>
                             </p:stCondLst>
                             <p:childTnLst>
                               <p:par>
-                                <p:cTn id="43" presetID="2" presetClass="entr" presetSubtype="4" fill="hold" nodeType="clickEffect">
+                                <p:cTn id="55" presetID="2" presetClass="entr" presetSubtype="4" fill="hold" nodeType="clickEffect">
                                   <p:stCondLst>
                                     <p:cond delay="0"/>
                                   </p:stCondLst>
                                   <p:childTnLst>
                                     <p:set>
                                       <p:cBhvr>
-                                        <p:cTn id="44" dur="1" fill="hold">
+                                        <p:cTn id="56" dur="1" fill="hold">
                                           <p:stCondLst>
                                             <p:cond delay="0"/>
                                           </p:stCondLst>
                                         </p:cTn>
                                         <p:tgtEl>
-                                          <p:spTgt spid="16"/>
+                                          <p:spTgt spid="19"/>
                                         </p:tgtEl>
                                         <p:attrNameLst>
                                           <p:attrName>style.visibility</p:attrName>
@@ -9941,9 +10259,9 @@
                                     </p:set>
                                     <p:anim calcmode="lin" valueType="num">
                                       <p:cBhvr additive="base">
-                                        <p:cTn id="45" dur="500" fill="hold"/>
-                                        <p:tgtEl>
-                                          <p:spTgt spid="16"/>
+                                        <p:cTn id="57" dur="500" fill="hold"/>
+                                        <p:tgtEl>
+                                          <p:spTgt spid="19"/>
                                         </p:tgtEl>
                                         <p:attrNameLst>
                                           <p:attrName>ppt_x</p:attrName>
@@ -9964,9 +10282,9 @@
                                     </p:anim>
                                     <p:anim calcmode="lin" valueType="num">
                                       <p:cBhvr additive="base">
-                                        <p:cTn id="46" dur="500" fill="hold"/>
-                                        <p:tgtEl>
-                                          <p:spTgt spid="16"/>
+                                        <p:cTn id="58" dur="500" fill="hold"/>
+                                        <p:tgtEl>
+                                          <p:spTgt spid="19"/>
                                         </p:tgtEl>
                                         <p:attrNameLst>
                                           <p:attrName>ppt_y</p:attrName>
@@ -9989,20 +10307,20 @@
                                 </p:cTn>
                               </p:par>
                               <p:par>
-                                <p:cTn id="47" presetID="2" presetClass="entr" presetSubtype="4" fill="hold" grpId="0" nodeType="withEffect">
+                                <p:cTn id="59" presetID="2" presetClass="entr" presetSubtype="4" fill="hold" grpId="0" nodeType="withEffect">
                                   <p:stCondLst>
                                     <p:cond delay="0"/>
                                   </p:stCondLst>
                                   <p:childTnLst>
                                     <p:set>
                                       <p:cBhvr>
-                                        <p:cTn id="48" dur="1" fill="hold">
+                                        <p:cTn id="60" dur="1" fill="hold">
                                           <p:stCondLst>
                                             <p:cond delay="0"/>
                                           </p:stCondLst>
                                         </p:cTn>
                                         <p:tgtEl>
-                                          <p:spTgt spid="11"/>
+                                          <p:spTgt spid="20"/>
                                         </p:tgtEl>
                                         <p:attrNameLst>
                                           <p:attrName>style.visibility</p:attrName>
@@ -10014,9 +10332,9 @@
                                     </p:set>
                                     <p:anim calcmode="lin" valueType="num">
                                       <p:cBhvr additive="base">
-                                        <p:cTn id="49" dur="500" fill="hold"/>
-                                        <p:tgtEl>
-                                          <p:spTgt spid="11"/>
+                                        <p:cTn id="61" dur="500" fill="hold"/>
+                                        <p:tgtEl>
+                                          <p:spTgt spid="20"/>
                                         </p:tgtEl>
                                         <p:attrNameLst>
                                           <p:attrName>ppt_x</p:attrName>
@@ -10037,9 +10355,9 @@
                                     </p:anim>
                                     <p:anim calcmode="lin" valueType="num">
                                       <p:cBhvr additive="base">
-                                        <p:cTn id="50" dur="500" fill="hold"/>
-                                        <p:tgtEl>
-                                          <p:spTgt spid="11"/>
+                                        <p:cTn id="62" dur="500" fill="hold"/>
+                                        <p:tgtEl>
+                                          <p:spTgt spid="20"/>
                                         </p:tgtEl>
                                         <p:attrNameLst>
                                           <p:attrName>ppt_y</p:attrName>
@@ -10068,26 +10386,26 @@
                     </p:cTn>
                   </p:par>
                   <p:par>
-                    <p:cTn id="51" fill="hold">
+                    <p:cTn id="63" fill="hold">
                       <p:stCondLst>
                         <p:cond delay="indefinite"/>
                       </p:stCondLst>
                       <p:childTnLst>
                         <p:par>
-                          <p:cTn id="52" fill="hold">
+                          <p:cTn id="64" fill="hold">
                             <p:stCondLst>
                               <p:cond delay="0"/>
                             </p:stCondLst>
                             <p:childTnLst>
                               <p:par>
-                                <p:cTn id="53" presetID="2" presetClass="entr" presetSubtype="4" fill="hold" nodeType="clickEffect">
+                                <p:cTn id="65" presetID="2" presetClass="entr" presetSubtype="4" fill="hold" nodeType="clickEffect">
                                   <p:stCondLst>
                                     <p:cond delay="0"/>
                                   </p:stCondLst>
                                   <p:childTnLst>
                                     <p:set>
                                       <p:cBhvr>
-                                        <p:cTn id="54" dur="1" fill="hold">
+                                        <p:cTn id="66" dur="1" fill="hold">
                                           <p:stCondLst>
                                             <p:cond delay="0"/>
                                           </p:stCondLst>
@@ -10105,7 +10423,7 @@
                                     </p:set>
                                     <p:anim calcmode="lin" valueType="num">
                                       <p:cBhvr additive="base">
-                                        <p:cTn id="55" dur="500" fill="hold"/>
+                                        <p:cTn id="67" dur="500" fill="hold"/>
                                         <p:tgtEl>
                                           <p:spTgt spid="18"/>
                                         </p:tgtEl>
@@ -10128,7 +10446,7 @@
                                     </p:anim>
                                     <p:anim calcmode="lin" valueType="num">
                                       <p:cBhvr additive="base">
-                                        <p:cTn id="56" dur="500" fill="hold"/>
+                                        <p:cTn id="68" dur="500" fill="hold"/>
                                         <p:tgtEl>
                                           <p:spTgt spid="18"/>
                                         </p:tgtEl>
@@ -10153,14 +10471,14 @@
                                 </p:cTn>
                               </p:par>
                               <p:par>
-                                <p:cTn id="57" presetID="2" presetClass="entr" presetSubtype="4" fill="hold" grpId="0" nodeType="withEffect">
+                                <p:cTn id="69" presetID="2" presetClass="entr" presetSubtype="4" fill="hold" grpId="0" nodeType="withEffect">
                                   <p:stCondLst>
                                     <p:cond delay="0"/>
                                   </p:stCondLst>
                                   <p:childTnLst>
                                     <p:set>
                                       <p:cBhvr>
-                                        <p:cTn id="58" dur="1" fill="hold">
+                                        <p:cTn id="70" dur="1" fill="hold">
                                           <p:stCondLst>
                                             <p:cond delay="0"/>
                                           </p:stCondLst>
@@ -10178,7 +10496,7 @@
                                     </p:set>
                                     <p:anim calcmode="lin" valueType="num">
                                       <p:cBhvr additive="base">
-                                        <p:cTn id="59" dur="500" fill="hold"/>
+                                        <p:cTn id="71" dur="500" fill="hold"/>
                                         <p:tgtEl>
                                           <p:spTgt spid="8"/>
                                         </p:tgtEl>
@@ -10201,7 +10519,7 @@
                                     </p:anim>
                                     <p:anim calcmode="lin" valueType="num">
                                       <p:cBhvr additive="base">
-                                        <p:cTn id="60" dur="500" fill="hold"/>
+                                        <p:cTn id="72" dur="500" fill="hold"/>
                                         <p:tgtEl>
                                           <p:spTgt spid="8"/>
                                         </p:tgtEl>
@@ -10232,26 +10550,26 @@
                     </p:cTn>
                   </p:par>
                   <p:par>
-                    <p:cTn id="61" fill="hold">
+                    <p:cTn id="73" fill="hold">
                       <p:stCondLst>
                         <p:cond delay="indefinite"/>
                       </p:stCondLst>
                       <p:childTnLst>
                         <p:par>
-                          <p:cTn id="62" fill="hold">
+                          <p:cTn id="74" fill="hold">
                             <p:stCondLst>
                               <p:cond delay="0"/>
                             </p:stCondLst>
                             <p:childTnLst>
                               <p:par>
-                                <p:cTn id="63" presetID="2" presetClass="entr" presetSubtype="4" fill="hold" nodeType="clickEffect">
+                                <p:cTn id="75" presetID="2" presetClass="entr" presetSubtype="4" fill="hold" nodeType="clickEffect">
                                   <p:stCondLst>
                                     <p:cond delay="0"/>
                                   </p:stCondLst>
                                   <p:childTnLst>
                                     <p:set>
                                       <p:cBhvr>
-                                        <p:cTn id="64" dur="1" fill="hold">
+                                        <p:cTn id="76" dur="1" fill="hold">
                                           <p:stCondLst>
                                             <p:cond delay="0"/>
                                           </p:stCondLst>
@@ -10269,7 +10587,7 @@
                                     </p:set>
                                     <p:anim calcmode="lin" valueType="num">
                                       <p:cBhvr additive="base">
-                                        <p:cTn id="65" dur="500" fill="hold"/>
+                                        <p:cTn id="77" dur="500" fill="hold"/>
                                         <p:tgtEl>
                                           <p:spTgt spid="4"/>
                                         </p:tgtEl>
@@ -10292,7 +10610,7 @@
                                     </p:anim>
                                     <p:anim calcmode="lin" valueType="num">
                                       <p:cBhvr additive="base">
-                                        <p:cTn id="66" dur="500" fill="hold"/>
+                                        <p:cTn id="78" dur="500" fill="hold"/>
                                         <p:tgtEl>
                                           <p:spTgt spid="4"/>
                                         </p:tgtEl>
@@ -10347,11 +10665,11 @@
       <p:bldP spid="5" grpId="0"/>
       <p:bldP spid="7" grpId="0"/>
       <p:bldP spid="8" grpId="0"/>
-      <p:bldP spid="3" grpId="0"/>
-      <p:bldP spid="9" grpId="0"/>
-      <p:bldP spid="10" grpId="0"/>
       <p:bldP spid="11" grpId="0"/>
       <p:bldP spid="12" grpId="0" animBg="1"/>
+      <p:bldP spid="20" grpId="0"/>
+      <p:bldP spid="24" grpId="0"/>
+      <p:bldP spid="28" grpId="0"/>
     </p:bldLst>
   </p:timing>
 </p:sld>
@@ -14019,11 +14337,7 @@
             <a:pPr algn="ctr"/>
             <a:r>
               <a:rPr lang="fr-FR" dirty="0" smtClean="0"/>
-              <a:t>(</a:t>
-            </a:r>
-            <a:r>
-              <a:rPr lang="fr-FR" dirty="0" smtClean="0"/>
-              <a:t>Let/</a:t>
+              <a:t>(Let/</a:t>
             </a:r>
             <a:r>
               <a:rPr lang="fr-FR" dirty="0" err="1" smtClean="0"/>
@@ -14031,15 +14345,7 @@
             </a:r>
             <a:r>
               <a:rPr lang="fr-FR" dirty="0" smtClean="0"/>
-              <a:t>, </a:t>
-            </a:r>
-            <a:r>
-              <a:rPr lang="fr-FR" dirty="0" smtClean="0"/>
-              <a:t>Mode </a:t>
-            </a:r>
-            <a:r>
-              <a:rPr lang="fr-FR" dirty="0" smtClean="0"/>
-              <a:t>stricte)</a:t>
+              <a:t>, Mode stricte)</a:t>
             </a:r>
             <a:endParaRPr lang="fr-FR" dirty="0"/>
           </a:p>
